--- a/赫桑的算法宝典/4.技术文章/Design Patterns and OOD.pptx
+++ b/赫桑的算法宝典/4.技术文章/Design Patterns and OOD.pptx
@@ -31,7 +31,9 @@
     <p:sldId id="278" r:id="rId25"/>
     <p:sldId id="279" r:id="rId26"/>
     <p:sldId id="280" r:id="rId27"/>
-    <p:sldId id="281" r:id="rId28"/>
+    <p:sldId id="285" r:id="rId28"/>
+    <p:sldId id="286" r:id="rId29"/>
+    <p:sldId id="281" r:id="rId30"/>
   </p:sldIdLst>
   <p:sldSz cx="12192000" cy="6858000"/>
   <p:notesSz cx="6858000" cy="9144000"/>
@@ -130,6 +132,11 @@
       </a:defRPr>
     </a:lvl9pPr>
   </p:defaultTextStyle>
+  <p:extLst>
+    <p:ext uri="{EFAFB233-063F-42B5-8137-9DF3F51BA10A}">
+      <p15:sldGuideLst xmlns:p15="http://schemas.microsoft.com/office/powerpoint/2012/main"/>
+    </p:ext>
+  </p:extLst>
 </p:presentation>
 </file>
 
@@ -282,7 +289,7 @@
           <a:p>
             <a:fld id="{DFD828E6-9BDE-49F8-80E1-230A40971B7D}" type="datetimeFigureOut">
               <a:rPr lang="en-CA" smtClean="0"/>
-              <a:t>2022-06-02</a:t>
+              <a:t>2022-06-15</a:t>
             </a:fld>
             <a:endParaRPr lang="en-CA"/>
           </a:p>
@@ -482,7 +489,7 @@
           <a:p>
             <a:fld id="{DFD828E6-9BDE-49F8-80E1-230A40971B7D}" type="datetimeFigureOut">
               <a:rPr lang="en-CA" smtClean="0"/>
-              <a:t>2022-06-02</a:t>
+              <a:t>2022-06-15</a:t>
             </a:fld>
             <a:endParaRPr lang="en-CA"/>
           </a:p>
@@ -692,7 +699,7 @@
           <a:p>
             <a:fld id="{DFD828E6-9BDE-49F8-80E1-230A40971B7D}" type="datetimeFigureOut">
               <a:rPr lang="en-CA" smtClean="0"/>
-              <a:t>2022-06-02</a:t>
+              <a:t>2022-06-15</a:t>
             </a:fld>
             <a:endParaRPr lang="en-CA"/>
           </a:p>
@@ -892,7 +899,7 @@
           <a:p>
             <a:fld id="{DFD828E6-9BDE-49F8-80E1-230A40971B7D}" type="datetimeFigureOut">
               <a:rPr lang="en-CA" smtClean="0"/>
-              <a:t>2022-06-02</a:t>
+              <a:t>2022-06-15</a:t>
             </a:fld>
             <a:endParaRPr lang="en-CA"/>
           </a:p>
@@ -1168,7 +1175,7 @@
           <a:p>
             <a:fld id="{DFD828E6-9BDE-49F8-80E1-230A40971B7D}" type="datetimeFigureOut">
               <a:rPr lang="en-CA" smtClean="0"/>
-              <a:t>2022-06-02</a:t>
+              <a:t>2022-06-15</a:t>
             </a:fld>
             <a:endParaRPr lang="en-CA"/>
           </a:p>
@@ -1436,7 +1443,7 @@
           <a:p>
             <a:fld id="{DFD828E6-9BDE-49F8-80E1-230A40971B7D}" type="datetimeFigureOut">
               <a:rPr lang="en-CA" smtClean="0"/>
-              <a:t>2022-06-02</a:t>
+              <a:t>2022-06-15</a:t>
             </a:fld>
             <a:endParaRPr lang="en-CA"/>
           </a:p>
@@ -1851,7 +1858,7 @@
           <a:p>
             <a:fld id="{DFD828E6-9BDE-49F8-80E1-230A40971B7D}" type="datetimeFigureOut">
               <a:rPr lang="en-CA" smtClean="0"/>
-              <a:t>2022-06-02</a:t>
+              <a:t>2022-06-15</a:t>
             </a:fld>
             <a:endParaRPr lang="en-CA"/>
           </a:p>
@@ -1993,7 +2000,7 @@
           <a:p>
             <a:fld id="{DFD828E6-9BDE-49F8-80E1-230A40971B7D}" type="datetimeFigureOut">
               <a:rPr lang="en-CA" smtClean="0"/>
-              <a:t>2022-06-02</a:t>
+              <a:t>2022-06-15</a:t>
             </a:fld>
             <a:endParaRPr lang="en-CA"/>
           </a:p>
@@ -2106,7 +2113,7 @@
           <a:p>
             <a:fld id="{DFD828E6-9BDE-49F8-80E1-230A40971B7D}" type="datetimeFigureOut">
               <a:rPr lang="en-CA" smtClean="0"/>
-              <a:t>2022-06-02</a:t>
+              <a:t>2022-06-15</a:t>
             </a:fld>
             <a:endParaRPr lang="en-CA"/>
           </a:p>
@@ -2419,7 +2426,7 @@
           <a:p>
             <a:fld id="{DFD828E6-9BDE-49F8-80E1-230A40971B7D}" type="datetimeFigureOut">
               <a:rPr lang="en-CA" smtClean="0"/>
-              <a:t>2022-06-02</a:t>
+              <a:t>2022-06-15</a:t>
             </a:fld>
             <a:endParaRPr lang="en-CA"/>
           </a:p>
@@ -2708,7 +2715,7 @@
           <a:p>
             <a:fld id="{DFD828E6-9BDE-49F8-80E1-230A40971B7D}" type="datetimeFigureOut">
               <a:rPr lang="en-CA" smtClean="0"/>
-              <a:t>2022-06-02</a:t>
+              <a:t>2022-06-15</a:t>
             </a:fld>
             <a:endParaRPr lang="en-CA"/>
           </a:p>
@@ -2951,7 +2958,7 @@
           <a:p>
             <a:fld id="{DFD828E6-9BDE-49F8-80E1-230A40971B7D}" type="datetimeFigureOut">
               <a:rPr lang="en-CA" smtClean="0"/>
-              <a:t>2022-06-02</a:t>
+              <a:t>2022-06-15</a:t>
             </a:fld>
             <a:endParaRPr lang="en-CA"/>
           </a:p>
@@ -10423,6 +10430,207 @@
       </p:grpSpPr>
       <p:pic>
         <p:nvPicPr>
+          <p:cNvPr id="1026" name="Picture 2">
+            <a:extLst>
+              <a:ext uri="{FF2B5EF4-FFF2-40B4-BE49-F238E27FC236}">
+                <a16:creationId xmlns:a16="http://schemas.microsoft.com/office/drawing/2014/main" id="{BEA6FE55-7FF1-BC6D-4D9C-539303B4B4A4}"/>
+              </a:ext>
+            </a:extLst>
+          </p:cNvPr>
+          <p:cNvPicPr>
+            <a:picLocks noChangeAspect="1" noChangeArrowheads="1"/>
+          </p:cNvPicPr>
+          <p:nvPr/>
+        </p:nvPicPr>
+        <p:blipFill>
+          <a:blip r:embed="rId2">
+            <a:extLst>
+              <a:ext uri="{28A0092B-C50C-407E-A947-70E740481C1C}">
+                <a14:useLocalDpi xmlns:a14="http://schemas.microsoft.com/office/drawing/2010/main" val="0"/>
+              </a:ext>
+            </a:extLst>
+          </a:blip>
+          <a:srcRect/>
+          <a:stretch>
+            <a:fillRect/>
+          </a:stretch>
+        </p:blipFill>
+        <p:spPr bwMode="auto">
+          <a:xfrm>
+            <a:off x="330704" y="386927"/>
+            <a:ext cx="5765296" cy="5723316"/>
+          </a:xfrm>
+          <a:prstGeom prst="rect">
+            <a:avLst/>
+          </a:prstGeom>
+          <a:noFill/>
+          <a:extLst>
+            <a:ext uri="{909E8E84-426E-40DD-AFC4-6F175D3DCCD1}">
+              <a14:hiddenFill xmlns:a14="http://schemas.microsoft.com/office/drawing/2010/main">
+                <a:solidFill>
+                  <a:srgbClr val="FFFFFF"/>
+                </a:solidFill>
+              </a14:hiddenFill>
+            </a:ext>
+          </a:extLst>
+        </p:spPr>
+      </p:pic>
+      <p:pic>
+        <p:nvPicPr>
+          <p:cNvPr id="1028" name="Picture 4">
+            <a:extLst>
+              <a:ext uri="{FF2B5EF4-FFF2-40B4-BE49-F238E27FC236}">
+                <a16:creationId xmlns:a16="http://schemas.microsoft.com/office/drawing/2014/main" id="{09988A4A-CE2C-C1B2-2879-DF3C5CD127C6}"/>
+              </a:ext>
+            </a:extLst>
+          </p:cNvPr>
+          <p:cNvPicPr>
+            <a:picLocks noChangeAspect="1" noChangeArrowheads="1"/>
+          </p:cNvPicPr>
+          <p:nvPr/>
+        </p:nvPicPr>
+        <p:blipFill>
+          <a:blip r:embed="rId3">
+            <a:extLst>
+              <a:ext uri="{28A0092B-C50C-407E-A947-70E740481C1C}">
+                <a14:useLocalDpi xmlns:a14="http://schemas.microsoft.com/office/drawing/2010/main" val="0"/>
+              </a:ext>
+            </a:extLst>
+          </a:blip>
+          <a:srcRect/>
+          <a:stretch>
+            <a:fillRect/>
+          </a:stretch>
+        </p:blipFill>
+        <p:spPr bwMode="auto">
+          <a:xfrm>
+            <a:off x="6887910" y="386927"/>
+            <a:ext cx="4594771" cy="6095806"/>
+          </a:xfrm>
+          <a:prstGeom prst="rect">
+            <a:avLst/>
+          </a:prstGeom>
+          <a:noFill/>
+          <a:extLst>
+            <a:ext uri="{909E8E84-426E-40DD-AFC4-6F175D3DCCD1}">
+              <a14:hiddenFill xmlns:a14="http://schemas.microsoft.com/office/drawing/2010/main">
+                <a:solidFill>
+                  <a:srgbClr val="FFFFFF"/>
+                </a:solidFill>
+              </a14:hiddenFill>
+            </a:ext>
+          </a:extLst>
+        </p:spPr>
+      </p:pic>
+    </p:spTree>
+    <p:extLst>
+      <p:ext uri="{BB962C8B-B14F-4D97-AF65-F5344CB8AC3E}">
+        <p14:creationId xmlns:p14="http://schemas.microsoft.com/office/powerpoint/2010/main" val="3667645017"/>
+      </p:ext>
+    </p:extLst>
+  </p:cSld>
+  <p:clrMapOvr>
+    <a:masterClrMapping/>
+  </p:clrMapOvr>
+</p:sld>
+</file>
+
+<file path=ppt/slides/slide28.xml><?xml version="1.0" encoding="utf-8"?>
+<p:sld xmlns:a="http://schemas.openxmlformats.org/drawingml/2006/main" xmlns:r="http://schemas.openxmlformats.org/officeDocument/2006/relationships" xmlns:p="http://schemas.openxmlformats.org/presentationml/2006/main">
+  <p:cSld>
+    <p:spTree>
+      <p:nvGrpSpPr>
+        <p:cNvPr id="1" name=""/>
+        <p:cNvGrpSpPr/>
+        <p:nvPr/>
+      </p:nvGrpSpPr>
+      <p:grpSpPr>
+        <a:xfrm>
+          <a:off x="0" y="0"/>
+          <a:ext cx="0" cy="0"/>
+          <a:chOff x="0" y="0"/>
+          <a:chExt cx="0" cy="0"/>
+        </a:xfrm>
+      </p:grpSpPr>
+      <p:pic>
+        <p:nvPicPr>
+          <p:cNvPr id="2050" name="Picture 2">
+            <a:extLst>
+              <a:ext uri="{FF2B5EF4-FFF2-40B4-BE49-F238E27FC236}">
+                <a16:creationId xmlns:a16="http://schemas.microsoft.com/office/drawing/2014/main" id="{99539578-1F98-0036-FF53-188DA633102E}"/>
+              </a:ext>
+            </a:extLst>
+          </p:cNvPr>
+          <p:cNvPicPr>
+            <a:picLocks noChangeAspect="1" noChangeArrowheads="1"/>
+          </p:cNvPicPr>
+          <p:nvPr/>
+        </p:nvPicPr>
+        <p:blipFill>
+          <a:blip r:embed="rId2">
+            <a:extLst>
+              <a:ext uri="{28A0092B-C50C-407E-A947-70E740481C1C}">
+                <a14:useLocalDpi xmlns:a14="http://schemas.microsoft.com/office/drawing/2010/main" val="0"/>
+              </a:ext>
+            </a:extLst>
+          </a:blip>
+          <a:srcRect/>
+          <a:stretch>
+            <a:fillRect/>
+          </a:stretch>
+        </p:blipFill>
+        <p:spPr bwMode="auto">
+          <a:xfrm>
+            <a:off x="1719709" y="137757"/>
+            <a:ext cx="8227596" cy="6346385"/>
+          </a:xfrm>
+          <a:prstGeom prst="rect">
+            <a:avLst/>
+          </a:prstGeom>
+          <a:noFill/>
+          <a:extLst>
+            <a:ext uri="{909E8E84-426E-40DD-AFC4-6F175D3DCCD1}">
+              <a14:hiddenFill xmlns:a14="http://schemas.microsoft.com/office/drawing/2010/main">
+                <a:solidFill>
+                  <a:srgbClr val="FFFFFF"/>
+                </a:solidFill>
+              </a14:hiddenFill>
+            </a:ext>
+          </a:extLst>
+        </p:spPr>
+      </p:pic>
+    </p:spTree>
+    <p:extLst>
+      <p:ext uri="{BB962C8B-B14F-4D97-AF65-F5344CB8AC3E}">
+        <p14:creationId xmlns:p14="http://schemas.microsoft.com/office/powerpoint/2010/main" val="228876360"/>
+      </p:ext>
+    </p:extLst>
+  </p:cSld>
+  <p:clrMapOvr>
+    <a:masterClrMapping/>
+  </p:clrMapOvr>
+</p:sld>
+</file>
+
+<file path=ppt/slides/slide29.xml><?xml version="1.0" encoding="utf-8"?>
+<p:sld xmlns:a="http://schemas.openxmlformats.org/drawingml/2006/main" xmlns:r="http://schemas.openxmlformats.org/officeDocument/2006/relationships" xmlns:p="http://schemas.openxmlformats.org/presentationml/2006/main">
+  <p:cSld>
+    <p:spTree>
+      <p:nvGrpSpPr>
+        <p:cNvPr id="1" name=""/>
+        <p:cNvGrpSpPr/>
+        <p:nvPr/>
+      </p:nvGrpSpPr>
+      <p:grpSpPr>
+        <a:xfrm>
+          <a:off x="0" y="0"/>
+          <a:ext cx="0" cy="0"/>
+          <a:chOff x="0" y="0"/>
+          <a:chExt cx="0" cy="0"/>
+        </a:xfrm>
+      </p:grpSpPr>
+      <p:pic>
+        <p:nvPicPr>
           <p:cNvPr id="3" name="Picture 2">
             <a:extLst>
               <a:ext uri="{FF2B5EF4-FFF2-40B4-BE49-F238E27FC236}">

--- a/赫桑的算法宝典/4.技术文章/Design Patterns and OOD.pptx
+++ b/赫桑的算法宝典/4.技术文章/Design Patterns and OOD.pptx
@@ -27,12 +27,12 @@
     <p:sldId id="274" r:id="rId21"/>
     <p:sldId id="275" r:id="rId22"/>
     <p:sldId id="276" r:id="rId23"/>
-    <p:sldId id="277" r:id="rId24"/>
-    <p:sldId id="278" r:id="rId25"/>
-    <p:sldId id="279" r:id="rId26"/>
-    <p:sldId id="280" r:id="rId27"/>
-    <p:sldId id="285" r:id="rId28"/>
-    <p:sldId id="286" r:id="rId29"/>
+    <p:sldId id="285" r:id="rId24"/>
+    <p:sldId id="286" r:id="rId25"/>
+    <p:sldId id="277" r:id="rId26"/>
+    <p:sldId id="287" r:id="rId27"/>
+    <p:sldId id="279" r:id="rId28"/>
+    <p:sldId id="280" r:id="rId29"/>
     <p:sldId id="281" r:id="rId30"/>
   </p:sldIdLst>
   <p:sldSz cx="12192000" cy="6858000"/>
@@ -9209,22 +9209,116 @@
           <a:chExt cx="0" cy="0"/>
         </a:xfrm>
       </p:grpSpPr>
+      <p:pic>
+        <p:nvPicPr>
+          <p:cNvPr id="1026" name="Picture 2">
+            <a:extLst>
+              <a:ext uri="{FF2B5EF4-FFF2-40B4-BE49-F238E27FC236}">
+                <a16:creationId xmlns:a16="http://schemas.microsoft.com/office/drawing/2014/main" id="{BEA6FE55-7FF1-BC6D-4D9C-539303B4B4A4}"/>
+              </a:ext>
+            </a:extLst>
+          </p:cNvPr>
+          <p:cNvPicPr>
+            <a:picLocks noChangeAspect="1" noChangeArrowheads="1"/>
+          </p:cNvPicPr>
+          <p:nvPr/>
+        </p:nvPicPr>
+        <p:blipFill>
+          <a:blip r:embed="rId2">
+            <a:extLst>
+              <a:ext uri="{28A0092B-C50C-407E-A947-70E740481C1C}">
+                <a14:useLocalDpi xmlns:a14="http://schemas.microsoft.com/office/drawing/2010/main" val="0"/>
+              </a:ext>
+            </a:extLst>
+          </a:blip>
+          <a:srcRect/>
+          <a:stretch>
+            <a:fillRect/>
+          </a:stretch>
+        </p:blipFill>
+        <p:spPr bwMode="auto">
+          <a:xfrm>
+            <a:off x="330704" y="386927"/>
+            <a:ext cx="5765296" cy="5723316"/>
+          </a:xfrm>
+          <a:prstGeom prst="rect">
+            <a:avLst/>
+          </a:prstGeom>
+          <a:noFill/>
+          <a:extLst>
+            <a:ext uri="{909E8E84-426E-40DD-AFC4-6F175D3DCCD1}">
+              <a14:hiddenFill xmlns:a14="http://schemas.microsoft.com/office/drawing/2010/main">
+                <a:solidFill>
+                  <a:srgbClr val="FFFFFF"/>
+                </a:solidFill>
+              </a14:hiddenFill>
+            </a:ext>
+          </a:extLst>
+        </p:spPr>
+      </p:pic>
+      <p:pic>
+        <p:nvPicPr>
+          <p:cNvPr id="1028" name="Picture 4">
+            <a:extLst>
+              <a:ext uri="{FF2B5EF4-FFF2-40B4-BE49-F238E27FC236}">
+                <a16:creationId xmlns:a16="http://schemas.microsoft.com/office/drawing/2014/main" id="{09988A4A-CE2C-C1B2-2879-DF3C5CD127C6}"/>
+              </a:ext>
+            </a:extLst>
+          </p:cNvPr>
+          <p:cNvPicPr>
+            <a:picLocks noChangeAspect="1" noChangeArrowheads="1"/>
+          </p:cNvPicPr>
+          <p:nvPr/>
+        </p:nvPicPr>
+        <p:blipFill>
+          <a:blip r:embed="rId3">
+            <a:extLst>
+              <a:ext uri="{28A0092B-C50C-407E-A947-70E740481C1C}">
+                <a14:useLocalDpi xmlns:a14="http://schemas.microsoft.com/office/drawing/2010/main" val="0"/>
+              </a:ext>
+            </a:extLst>
+          </a:blip>
+          <a:srcRect/>
+          <a:stretch>
+            <a:fillRect/>
+          </a:stretch>
+        </p:blipFill>
+        <p:spPr bwMode="auto">
+          <a:xfrm>
+            <a:off x="6887910" y="386927"/>
+            <a:ext cx="4594771" cy="6095806"/>
+          </a:xfrm>
+          <a:prstGeom prst="rect">
+            <a:avLst/>
+          </a:prstGeom>
+          <a:noFill/>
+          <a:extLst>
+            <a:ext uri="{909E8E84-426E-40DD-AFC4-6F175D3DCCD1}">
+              <a14:hiddenFill xmlns:a14="http://schemas.microsoft.com/office/drawing/2010/main">
+                <a:solidFill>
+                  <a:srgbClr val="FFFFFF"/>
+                </a:solidFill>
+              </a14:hiddenFill>
+            </a:ext>
+          </a:extLst>
+        </p:spPr>
+      </p:pic>
       <p:sp>
         <p:nvSpPr>
-          <p:cNvPr id="2" name="Rectangle 1">
-            <a:extLst>
-              <a:ext uri="{FF2B5EF4-FFF2-40B4-BE49-F238E27FC236}">
-                <a16:creationId xmlns:a16="http://schemas.microsoft.com/office/drawing/2014/main" id="{A17768C5-E910-EAD8-4BF1-C76213121050}"/>
-              </a:ext>
-            </a:extLst>
-          </p:cNvPr>
-          <p:cNvSpPr/>
+          <p:cNvPr id="2" name="文本框 1">
+            <a:extLst>
+              <a:ext uri="{FF2B5EF4-FFF2-40B4-BE49-F238E27FC236}">
+                <a16:creationId xmlns:a16="http://schemas.microsoft.com/office/drawing/2014/main" id="{0C84F4B3-302E-7960-DA19-E36E7F5B40A7}"/>
+              </a:ext>
+            </a:extLst>
+          </p:cNvPr>
+          <p:cNvSpPr txBox="1"/>
           <p:nvPr/>
         </p:nvSpPr>
         <p:spPr>
           <a:xfrm>
-            <a:off x="2391749" y="0"/>
-            <a:ext cx="6741526" cy="2585323"/>
+            <a:off x="2357675" y="83890"/>
+            <a:ext cx="1711354" cy="369332"/>
           </a:xfrm>
           <a:prstGeom prst="rect">
             <a:avLst/>
@@ -9232,14 +9326,13 @@
           <a:noFill/>
         </p:spPr>
         <p:txBody>
-          <a:bodyPr wrap="none" lIns="91440" tIns="45720" rIns="91440" bIns="45720">
+          <a:bodyPr wrap="square" rtlCol="0">
             <a:spAutoFit/>
           </a:bodyPr>
           <a:lstStyle/>
           <a:p>
-            <a:pPr algn="ctr"/>
-            <a:r>
-              <a:rPr lang="en-US" sz="5400" b="0" cap="none" spc="0" dirty="0">
+            <a:r>
+              <a:rPr lang="en-US" altLang="zh-CN" dirty="0">
                 <a:ln w="0"/>
                 <a:gradFill>
                   <a:gsLst>
@@ -9264,13 +9357,66 @@
                   <a:reflection blurRad="6350" stA="53000" endA="300" endPos="35500" dir="5400000" sy="-90000" algn="bl" rotWithShape="0"/>
                 </a:effectLst>
               </a:rPr>
-              <a:t>Object Oriented Design</a:t>
-            </a:r>
-          </a:p>
-          <a:p>
-            <a:pPr algn="ctr"/>
-            <a:r>
-              <a:rPr lang="en-US" altLang="zh-CN" sz="5400" b="0" cap="none" spc="0" dirty="0">
+              <a:t>Simple Factory</a:t>
+            </a:r>
+            <a:endParaRPr lang="zh-CN" altLang="en-US" dirty="0">
+              <a:ln w="0"/>
+              <a:gradFill>
+                <a:gsLst>
+                  <a:gs pos="0">
+                    <a:schemeClr val="accent5">
+                      <a:lumMod val="50000"/>
+                    </a:schemeClr>
+                  </a:gs>
+                  <a:gs pos="50000">
+                    <a:schemeClr val="accent5"/>
+                  </a:gs>
+                  <a:gs pos="100000">
+                    <a:schemeClr val="accent5">
+                      <a:lumMod val="60000"/>
+                      <a:lumOff val="40000"/>
+                    </a:schemeClr>
+                  </a:gs>
+                </a:gsLst>
+                <a:lin ang="5400000"/>
+              </a:gradFill>
+              <a:effectLst>
+                <a:reflection blurRad="6350" stA="53000" endA="300" endPos="35500" dir="5400000" sy="-90000" algn="bl" rotWithShape="0"/>
+              </a:effectLst>
+            </a:endParaRPr>
+          </a:p>
+        </p:txBody>
+      </p:sp>
+      <p:sp>
+        <p:nvSpPr>
+          <p:cNvPr id="5" name="文本框 4">
+            <a:extLst>
+              <a:ext uri="{FF2B5EF4-FFF2-40B4-BE49-F238E27FC236}">
+                <a16:creationId xmlns:a16="http://schemas.microsoft.com/office/drawing/2014/main" id="{B772BFE9-AD3C-F5C5-2750-4DB80911DBAF}"/>
+              </a:ext>
+            </a:extLst>
+          </p:cNvPr>
+          <p:cNvSpPr txBox="1"/>
+          <p:nvPr/>
+        </p:nvSpPr>
+        <p:spPr>
+          <a:xfrm>
+            <a:off x="8329618" y="22821"/>
+            <a:ext cx="1711354" cy="369332"/>
+          </a:xfrm>
+          <a:prstGeom prst="rect">
+            <a:avLst/>
+          </a:prstGeom>
+          <a:noFill/>
+        </p:spPr>
+        <p:txBody>
+          <a:bodyPr wrap="square" rtlCol="0">
+            <a:spAutoFit/>
+          </a:bodyPr>
+          <a:lstStyle/>
+          <a:p>
+            <a:r>
+              <a:rPr lang="en-US" altLang="zh-CN" dirty="0">
                 <a:ln w="0"/>
                 <a:gradFill>
                   <a:gsLst>
@@ -9295,180 +9441,9 @@
                   <a:reflection blurRad="6350" stA="53000" endA="300" endPos="35500" dir="5400000" sy="-90000" algn="bl" rotWithShape="0"/>
                 </a:effectLst>
               </a:rPr>
-              <a:t>·</a:t>
-            </a:r>
-          </a:p>
-          <a:p>
-            <a:pPr algn="ctr"/>
-            <a:r>
-              <a:rPr lang="en-US" altLang="zh-CN" sz="5400" dirty="0">
-                <a:ln w="0"/>
-                <a:gradFill>
-                  <a:gsLst>
-                    <a:gs pos="0">
-                      <a:schemeClr val="accent5">
-                        <a:lumMod val="50000"/>
-                      </a:schemeClr>
-                    </a:gs>
-                    <a:gs pos="50000">
-                      <a:schemeClr val="accent5"/>
-                    </a:gs>
-                    <a:gs pos="100000">
-                      <a:schemeClr val="accent5">
-                        <a:lumMod val="60000"/>
-                        <a:lumOff val="40000"/>
-                      </a:schemeClr>
-                    </a:gs>
-                  </a:gsLst>
-                  <a:lin ang="5400000"/>
-                </a:gradFill>
-                <a:effectLst>
-                  <a:reflection blurRad="6350" stA="53000" endA="300" endPos="35500" dir="5400000" sy="-90000" algn="bl" rotWithShape="0"/>
-                </a:effectLst>
-              </a:rPr>
-              <a:t>Design </a:t>
-            </a:r>
-            <a:r>
-              <a:rPr lang="en-CA" altLang="zh-CN" sz="5400" dirty="0">
-                <a:ln w="0"/>
-                <a:gradFill>
-                  <a:gsLst>
-                    <a:gs pos="0">
-                      <a:schemeClr val="accent5">
-                        <a:lumMod val="50000"/>
-                      </a:schemeClr>
-                    </a:gs>
-                    <a:gs pos="50000">
-                      <a:schemeClr val="accent5"/>
-                    </a:gs>
-                    <a:gs pos="100000">
-                      <a:schemeClr val="accent5">
-                        <a:lumMod val="60000"/>
-                        <a:lumOff val="40000"/>
-                      </a:schemeClr>
-                    </a:gs>
-                  </a:gsLst>
-                  <a:lin ang="5400000"/>
-                </a:gradFill>
-                <a:effectLst>
-                  <a:reflection blurRad="6350" stA="53000" endA="300" endPos="35500" dir="5400000" sy="-90000" algn="bl" rotWithShape="0"/>
-                </a:effectLst>
-              </a:rPr>
-              <a:t>a</a:t>
-            </a:r>
-            <a:r>
-              <a:rPr lang="zh-CN" altLang="en-US" sz="5400" dirty="0">
-                <a:ln w="0"/>
-                <a:gradFill>
-                  <a:gsLst>
-                    <a:gs pos="0">
-                      <a:schemeClr val="accent5">
-                        <a:lumMod val="50000"/>
-                      </a:schemeClr>
-                    </a:gs>
-                    <a:gs pos="50000">
-                      <a:schemeClr val="accent5"/>
-                    </a:gs>
-                    <a:gs pos="100000">
-                      <a:schemeClr val="accent5">
-                        <a:lumMod val="60000"/>
-                        <a:lumOff val="40000"/>
-                      </a:schemeClr>
-                    </a:gs>
-                  </a:gsLst>
-                  <a:lin ang="5400000"/>
-                </a:gradFill>
-                <a:effectLst>
-                  <a:reflection blurRad="6350" stA="53000" endA="300" endPos="35500" dir="5400000" sy="-90000" algn="bl" rotWithShape="0"/>
-                </a:effectLst>
-              </a:rPr>
-              <a:t> </a:t>
-            </a:r>
-            <a:r>
-              <a:rPr lang="en-CA" altLang="zh-CN" sz="5400" dirty="0">
-                <a:ln w="0"/>
-                <a:gradFill>
-                  <a:gsLst>
-                    <a:gs pos="0">
-                      <a:schemeClr val="accent5">
-                        <a:lumMod val="50000"/>
-                      </a:schemeClr>
-                    </a:gs>
-                    <a:gs pos="50000">
-                      <a:schemeClr val="accent5"/>
-                    </a:gs>
-                    <a:gs pos="100000">
-                      <a:schemeClr val="accent5">
-                        <a:lumMod val="60000"/>
-                        <a:lumOff val="40000"/>
-                      </a:schemeClr>
-                    </a:gs>
-                  </a:gsLst>
-                  <a:lin ang="5400000"/>
-                </a:gradFill>
-                <a:effectLst>
-                  <a:reflection blurRad="6350" stA="53000" endA="300" endPos="35500" dir="5400000" sy="-90000" algn="bl" rotWithShape="0"/>
-                </a:effectLst>
-              </a:rPr>
-              <a:t>Kindle</a:t>
-            </a:r>
-            <a:r>
-              <a:rPr lang="zh-CN" altLang="en-US" sz="5400" dirty="0">
-                <a:ln w="0"/>
-                <a:gradFill>
-                  <a:gsLst>
-                    <a:gs pos="0">
-                      <a:schemeClr val="accent5">
-                        <a:lumMod val="50000"/>
-                      </a:schemeClr>
-                    </a:gs>
-                    <a:gs pos="50000">
-                      <a:schemeClr val="accent5"/>
-                    </a:gs>
-                    <a:gs pos="100000">
-                      <a:schemeClr val="accent5">
-                        <a:lumMod val="60000"/>
-                        <a:lumOff val="40000"/>
-                      </a:schemeClr>
-                    </a:gs>
-                  </a:gsLst>
-                  <a:lin ang="5400000"/>
-                </a:gradFill>
-                <a:effectLst>
-                  <a:reflection blurRad="6350" stA="53000" endA="300" endPos="35500" dir="5400000" sy="-90000" algn="bl" rotWithShape="0"/>
-                </a:effectLst>
-              </a:rPr>
-              <a:t> </a:t>
-            </a:r>
-            <a:r>
-              <a:rPr lang="en-CA" altLang="zh-CN" sz="5400" dirty="0">
-                <a:ln w="0"/>
-                <a:gradFill>
-                  <a:gsLst>
-                    <a:gs pos="0">
-                      <a:schemeClr val="accent5">
-                        <a:lumMod val="50000"/>
-                      </a:schemeClr>
-                    </a:gs>
-                    <a:gs pos="50000">
-                      <a:schemeClr val="accent5"/>
-                    </a:gs>
-                    <a:gs pos="100000">
-                      <a:schemeClr val="accent5">
-                        <a:lumMod val="60000"/>
-                        <a:lumOff val="40000"/>
-                      </a:schemeClr>
-                    </a:gs>
-                  </a:gsLst>
-                  <a:lin ang="5400000"/>
-                </a:gradFill>
-                <a:effectLst>
-                  <a:reflection blurRad="6350" stA="53000" endA="300" endPos="35500" dir="5400000" sy="-90000" algn="bl" rotWithShape="0"/>
-                </a:effectLst>
-              </a:rPr>
-              <a:t>Reader</a:t>
-            </a:r>
-            <a:endParaRPr lang="en-US" sz="5400" b="0" cap="none" spc="0" dirty="0">
+              <a:t>Factory Method</a:t>
+            </a:r>
+            <a:endParaRPr lang="zh-CN" altLang="en-US" dirty="0">
               <a:ln w="0"/>
               <a:gradFill>
                 <a:gsLst>
@@ -9496,71 +9471,10 @@
           </a:p>
         </p:txBody>
       </p:sp>
-      <p:sp>
-        <p:nvSpPr>
-          <p:cNvPr id="3" name="TextBox 2">
-            <a:extLst>
-              <a:ext uri="{FF2B5EF4-FFF2-40B4-BE49-F238E27FC236}">
-                <a16:creationId xmlns:a16="http://schemas.microsoft.com/office/drawing/2014/main" id="{75FC4690-CAAD-2F6B-0AE6-BCEF94BE501A}"/>
-              </a:ext>
-            </a:extLst>
-          </p:cNvPr>
-          <p:cNvSpPr txBox="1"/>
-          <p:nvPr/>
-        </p:nvSpPr>
-        <p:spPr>
-          <a:xfrm>
-            <a:off x="1549101" y="3216536"/>
-            <a:ext cx="10305826" cy="646331"/>
-          </a:xfrm>
-          <a:prstGeom prst="rect">
-            <a:avLst/>
-          </a:prstGeom>
-          <a:noFill/>
-        </p:spPr>
-        <p:txBody>
-          <a:bodyPr wrap="square" rtlCol="0">
-            <a:spAutoFit/>
-          </a:bodyPr>
-          <a:lstStyle/>
-          <a:p>
-            <a:r>
-              <a:rPr lang="en-CA" dirty="0"/>
-              <a:t>Question: </a:t>
-            </a:r>
-          </a:p>
-          <a:p>
-            <a:r>
-              <a:rPr lang="en-CA" dirty="0"/>
-              <a:t>Please design a kindle that can open </a:t>
-            </a:r>
-            <a:r>
-              <a:rPr lang="en-CA" dirty="0">
-                <a:solidFill>
-                  <a:schemeClr val="accent2"/>
-                </a:solidFill>
-              </a:rPr>
-              <a:t>3</a:t>
-            </a:r>
-            <a:r>
-              <a:rPr lang="en-CA" dirty="0"/>
-              <a:t> different types of documents, including: </a:t>
-            </a:r>
-            <a:r>
-              <a:rPr lang="en-CA" dirty="0">
-                <a:solidFill>
-                  <a:schemeClr val="accent2"/>
-                </a:solidFill>
-              </a:rPr>
-              <a:t>PDF, MOBI, EPUB</a:t>
-            </a:r>
-          </a:p>
-        </p:txBody>
-      </p:sp>
     </p:spTree>
     <p:extLst>
       <p:ext uri="{BB962C8B-B14F-4D97-AF65-F5344CB8AC3E}">
-        <p14:creationId xmlns:p14="http://schemas.microsoft.com/office/powerpoint/2010/main" val="3219399120"/>
+        <p14:creationId xmlns:p14="http://schemas.microsoft.com/office/powerpoint/2010/main" val="3667645017"/>
       </p:ext>
     </p:extLst>
   </p:cSld>
@@ -9589,10 +9503,10 @@
       </p:grpSpPr>
       <p:pic>
         <p:nvPicPr>
-          <p:cNvPr id="7170" name="Picture 2">
-            <a:extLst>
-              <a:ext uri="{FF2B5EF4-FFF2-40B4-BE49-F238E27FC236}">
-                <a16:creationId xmlns:a16="http://schemas.microsoft.com/office/drawing/2014/main" id="{25D5B701-47F0-3E54-0245-1D3149D6503E}"/>
+          <p:cNvPr id="2050" name="Picture 2">
+            <a:extLst>
+              <a:ext uri="{FF2B5EF4-FFF2-40B4-BE49-F238E27FC236}">
+                <a16:creationId xmlns:a16="http://schemas.microsoft.com/office/drawing/2014/main" id="{99539578-1F98-0036-FF53-188DA633102E}"/>
               </a:ext>
             </a:extLst>
           </p:cNvPr>
@@ -9616,8 +9530,8 @@
         </p:blipFill>
         <p:spPr bwMode="auto">
           <a:xfrm>
-            <a:off x="289752" y="0"/>
-            <a:ext cx="11612495" cy="6858000"/>
+            <a:off x="1719709" y="137757"/>
+            <a:ext cx="8227596" cy="6346385"/>
           </a:xfrm>
           <a:prstGeom prst="rect">
             <a:avLst/>
@@ -9636,62 +9550,92 @@
       </p:pic>
       <p:sp>
         <p:nvSpPr>
-          <p:cNvPr id="2" name="Rectangle 1">
-            <a:extLst>
-              <a:ext uri="{FF2B5EF4-FFF2-40B4-BE49-F238E27FC236}">
-                <a16:creationId xmlns:a16="http://schemas.microsoft.com/office/drawing/2014/main" id="{65CA9B02-279A-DA2E-EDD4-2F769981F100}"/>
-              </a:ext>
-            </a:extLst>
-          </p:cNvPr>
-          <p:cNvSpPr/>
+          <p:cNvPr id="3" name="文本框 2">
+            <a:extLst>
+              <a:ext uri="{FF2B5EF4-FFF2-40B4-BE49-F238E27FC236}">
+                <a16:creationId xmlns:a16="http://schemas.microsoft.com/office/drawing/2014/main" id="{15F2BC72-44D8-0BB0-FE8F-5A3085038116}"/>
+              </a:ext>
+            </a:extLst>
+          </p:cNvPr>
+          <p:cNvSpPr txBox="1"/>
           <p:nvPr/>
         </p:nvSpPr>
         <p:spPr>
           <a:xfrm>
-            <a:off x="4464424" y="3213847"/>
-            <a:ext cx="4921623" cy="457200"/>
+            <a:off x="2525455" y="189192"/>
+            <a:ext cx="1711354" cy="369332"/>
           </a:xfrm>
           <a:prstGeom prst="rect">
             <a:avLst/>
           </a:prstGeom>
-          <a:solidFill>
-            <a:schemeClr val="bg1"/>
-          </a:solidFill>
-          <a:ln>
-            <a:solidFill>
-              <a:schemeClr val="bg1"/>
-            </a:solidFill>
-          </a:ln>
+          <a:noFill/>
         </p:spPr>
-        <p:style>
-          <a:lnRef idx="2">
-            <a:schemeClr val="accent1">
-              <a:shade val="50000"/>
-            </a:schemeClr>
-          </a:lnRef>
-          <a:fillRef idx="1">
-            <a:schemeClr val="accent1"/>
-          </a:fillRef>
-          <a:effectRef idx="0">
-            <a:schemeClr val="accent1"/>
-          </a:effectRef>
-          <a:fontRef idx="minor">
-            <a:schemeClr val="lt1"/>
-          </a:fontRef>
-        </p:style>
         <p:txBody>
-          <a:bodyPr rtlCol="0" anchor="ctr"/>
+          <a:bodyPr wrap="square" rtlCol="0">
+            <a:spAutoFit/>
+          </a:bodyPr>
           <a:lstStyle/>
           <a:p>
-            <a:pPr algn="ctr"/>
-            <a:endParaRPr lang="en-CA"/>
+            <a:r>
+              <a:rPr lang="en-US" altLang="zh-CN" dirty="0">
+                <a:ln w="0"/>
+                <a:gradFill>
+                  <a:gsLst>
+                    <a:gs pos="0">
+                      <a:schemeClr val="accent5">
+                        <a:lumMod val="50000"/>
+                      </a:schemeClr>
+                    </a:gs>
+                    <a:gs pos="50000">
+                      <a:schemeClr val="accent5"/>
+                    </a:gs>
+                    <a:gs pos="100000">
+                      <a:schemeClr val="accent5">
+                        <a:lumMod val="60000"/>
+                        <a:lumOff val="40000"/>
+                      </a:schemeClr>
+                    </a:gs>
+                  </a:gsLst>
+                  <a:lin ang="5400000"/>
+                </a:gradFill>
+                <a:effectLst>
+                  <a:reflection blurRad="6350" stA="53000" endA="300" endPos="35500" dir="5400000" sy="-90000" algn="bl" rotWithShape="0"/>
+                </a:effectLst>
+              </a:rPr>
+              <a:t>Abstract Factory</a:t>
+            </a:r>
+            <a:endParaRPr lang="zh-CN" altLang="en-US" dirty="0">
+              <a:ln w="0"/>
+              <a:gradFill>
+                <a:gsLst>
+                  <a:gs pos="0">
+                    <a:schemeClr val="accent5">
+                      <a:lumMod val="50000"/>
+                    </a:schemeClr>
+                  </a:gs>
+                  <a:gs pos="50000">
+                    <a:schemeClr val="accent5"/>
+                  </a:gs>
+                  <a:gs pos="100000">
+                    <a:schemeClr val="accent5">
+                      <a:lumMod val="60000"/>
+                      <a:lumOff val="40000"/>
+                    </a:schemeClr>
+                  </a:gs>
+                </a:gsLst>
+                <a:lin ang="5400000"/>
+              </a:gradFill>
+              <a:effectLst>
+                <a:reflection blurRad="6350" stA="53000" endA="300" endPos="35500" dir="5400000" sy="-90000" algn="bl" rotWithShape="0"/>
+              </a:effectLst>
+            </a:endParaRPr>
           </a:p>
         </p:txBody>
       </p:sp>
     </p:spTree>
     <p:extLst>
       <p:ext uri="{BB962C8B-B14F-4D97-AF65-F5344CB8AC3E}">
-        <p14:creationId xmlns:p14="http://schemas.microsoft.com/office/powerpoint/2010/main" val="321175356"/>
+        <p14:creationId xmlns:p14="http://schemas.microsoft.com/office/powerpoint/2010/main" val="228876360"/>
       </p:ext>
     </p:extLst>
   </p:cSld>
@@ -9702,6 +9646,461 @@
 </file>
 
 <file path=ppt/slides/slide25.xml><?xml version="1.0" encoding="utf-8"?>
+<p:sld xmlns:a="http://schemas.openxmlformats.org/drawingml/2006/main" xmlns:r="http://schemas.openxmlformats.org/officeDocument/2006/relationships" xmlns:p="http://schemas.openxmlformats.org/presentationml/2006/main">
+  <p:cSld>
+    <p:spTree>
+      <p:nvGrpSpPr>
+        <p:cNvPr id="1" name=""/>
+        <p:cNvGrpSpPr/>
+        <p:nvPr/>
+      </p:nvGrpSpPr>
+      <p:grpSpPr>
+        <a:xfrm>
+          <a:off x="0" y="0"/>
+          <a:ext cx="0" cy="0"/>
+          <a:chOff x="0" y="0"/>
+          <a:chExt cx="0" cy="0"/>
+        </a:xfrm>
+      </p:grpSpPr>
+      <p:sp>
+        <p:nvSpPr>
+          <p:cNvPr id="2" name="Rectangle 1">
+            <a:extLst>
+              <a:ext uri="{FF2B5EF4-FFF2-40B4-BE49-F238E27FC236}">
+                <a16:creationId xmlns:a16="http://schemas.microsoft.com/office/drawing/2014/main" id="{A17768C5-E910-EAD8-4BF1-C76213121050}"/>
+              </a:ext>
+            </a:extLst>
+          </p:cNvPr>
+          <p:cNvSpPr/>
+          <p:nvPr/>
+        </p:nvSpPr>
+        <p:spPr>
+          <a:xfrm>
+            <a:off x="2391749" y="0"/>
+            <a:ext cx="6741526" cy="2585323"/>
+          </a:xfrm>
+          <a:prstGeom prst="rect">
+            <a:avLst/>
+          </a:prstGeom>
+          <a:noFill/>
+        </p:spPr>
+        <p:txBody>
+          <a:bodyPr wrap="none" lIns="91440" tIns="45720" rIns="91440" bIns="45720">
+            <a:spAutoFit/>
+          </a:bodyPr>
+          <a:lstStyle/>
+          <a:p>
+            <a:pPr algn="ctr"/>
+            <a:r>
+              <a:rPr lang="en-US" sz="5400" b="0" cap="none" spc="0" dirty="0">
+                <a:ln w="0"/>
+                <a:gradFill>
+                  <a:gsLst>
+                    <a:gs pos="0">
+                      <a:schemeClr val="accent5">
+                        <a:lumMod val="50000"/>
+                      </a:schemeClr>
+                    </a:gs>
+                    <a:gs pos="50000">
+                      <a:schemeClr val="accent5"/>
+                    </a:gs>
+                    <a:gs pos="100000">
+                      <a:schemeClr val="accent5">
+                        <a:lumMod val="60000"/>
+                        <a:lumOff val="40000"/>
+                      </a:schemeClr>
+                    </a:gs>
+                  </a:gsLst>
+                  <a:lin ang="5400000"/>
+                </a:gradFill>
+                <a:effectLst>
+                  <a:reflection blurRad="6350" stA="53000" endA="300" endPos="35500" dir="5400000" sy="-90000" algn="bl" rotWithShape="0"/>
+                </a:effectLst>
+              </a:rPr>
+              <a:t>Object Oriented Design</a:t>
+            </a:r>
+          </a:p>
+          <a:p>
+            <a:pPr algn="ctr"/>
+            <a:r>
+              <a:rPr lang="en-US" altLang="zh-CN" sz="5400" b="0" cap="none" spc="0" dirty="0">
+                <a:ln w="0"/>
+                <a:gradFill>
+                  <a:gsLst>
+                    <a:gs pos="0">
+                      <a:schemeClr val="accent5">
+                        <a:lumMod val="50000"/>
+                      </a:schemeClr>
+                    </a:gs>
+                    <a:gs pos="50000">
+                      <a:schemeClr val="accent5"/>
+                    </a:gs>
+                    <a:gs pos="100000">
+                      <a:schemeClr val="accent5">
+                        <a:lumMod val="60000"/>
+                        <a:lumOff val="40000"/>
+                      </a:schemeClr>
+                    </a:gs>
+                  </a:gsLst>
+                  <a:lin ang="5400000"/>
+                </a:gradFill>
+                <a:effectLst>
+                  <a:reflection blurRad="6350" stA="53000" endA="300" endPos="35500" dir="5400000" sy="-90000" algn="bl" rotWithShape="0"/>
+                </a:effectLst>
+              </a:rPr>
+              <a:t>·</a:t>
+            </a:r>
+          </a:p>
+          <a:p>
+            <a:pPr algn="ctr"/>
+            <a:r>
+              <a:rPr lang="en-US" altLang="zh-CN" sz="5400" dirty="0">
+                <a:ln w="0"/>
+                <a:gradFill>
+                  <a:gsLst>
+                    <a:gs pos="0">
+                      <a:schemeClr val="accent5">
+                        <a:lumMod val="50000"/>
+                      </a:schemeClr>
+                    </a:gs>
+                    <a:gs pos="50000">
+                      <a:schemeClr val="accent5"/>
+                    </a:gs>
+                    <a:gs pos="100000">
+                      <a:schemeClr val="accent5">
+                        <a:lumMod val="60000"/>
+                        <a:lumOff val="40000"/>
+                      </a:schemeClr>
+                    </a:gs>
+                  </a:gsLst>
+                  <a:lin ang="5400000"/>
+                </a:gradFill>
+                <a:effectLst>
+                  <a:reflection blurRad="6350" stA="53000" endA="300" endPos="35500" dir="5400000" sy="-90000" algn="bl" rotWithShape="0"/>
+                </a:effectLst>
+              </a:rPr>
+              <a:t>Design </a:t>
+            </a:r>
+            <a:r>
+              <a:rPr lang="en-CA" altLang="zh-CN" sz="5400" dirty="0">
+                <a:ln w="0"/>
+                <a:gradFill>
+                  <a:gsLst>
+                    <a:gs pos="0">
+                      <a:schemeClr val="accent5">
+                        <a:lumMod val="50000"/>
+                      </a:schemeClr>
+                    </a:gs>
+                    <a:gs pos="50000">
+                      <a:schemeClr val="accent5"/>
+                    </a:gs>
+                    <a:gs pos="100000">
+                      <a:schemeClr val="accent5">
+                        <a:lumMod val="60000"/>
+                        <a:lumOff val="40000"/>
+                      </a:schemeClr>
+                    </a:gs>
+                  </a:gsLst>
+                  <a:lin ang="5400000"/>
+                </a:gradFill>
+                <a:effectLst>
+                  <a:reflection blurRad="6350" stA="53000" endA="300" endPos="35500" dir="5400000" sy="-90000" algn="bl" rotWithShape="0"/>
+                </a:effectLst>
+              </a:rPr>
+              <a:t>a</a:t>
+            </a:r>
+            <a:r>
+              <a:rPr lang="zh-CN" altLang="en-US" sz="5400" dirty="0">
+                <a:ln w="0"/>
+                <a:gradFill>
+                  <a:gsLst>
+                    <a:gs pos="0">
+                      <a:schemeClr val="accent5">
+                        <a:lumMod val="50000"/>
+                      </a:schemeClr>
+                    </a:gs>
+                    <a:gs pos="50000">
+                      <a:schemeClr val="accent5"/>
+                    </a:gs>
+                    <a:gs pos="100000">
+                      <a:schemeClr val="accent5">
+                        <a:lumMod val="60000"/>
+                        <a:lumOff val="40000"/>
+                      </a:schemeClr>
+                    </a:gs>
+                  </a:gsLst>
+                  <a:lin ang="5400000"/>
+                </a:gradFill>
+                <a:effectLst>
+                  <a:reflection blurRad="6350" stA="53000" endA="300" endPos="35500" dir="5400000" sy="-90000" algn="bl" rotWithShape="0"/>
+                </a:effectLst>
+              </a:rPr>
+              <a:t> </a:t>
+            </a:r>
+            <a:r>
+              <a:rPr lang="en-CA" altLang="zh-CN" sz="5400" dirty="0">
+                <a:ln w="0"/>
+                <a:gradFill>
+                  <a:gsLst>
+                    <a:gs pos="0">
+                      <a:schemeClr val="accent5">
+                        <a:lumMod val="50000"/>
+                      </a:schemeClr>
+                    </a:gs>
+                    <a:gs pos="50000">
+                      <a:schemeClr val="accent5"/>
+                    </a:gs>
+                    <a:gs pos="100000">
+                      <a:schemeClr val="accent5">
+                        <a:lumMod val="60000"/>
+                        <a:lumOff val="40000"/>
+                      </a:schemeClr>
+                    </a:gs>
+                  </a:gsLst>
+                  <a:lin ang="5400000"/>
+                </a:gradFill>
+                <a:effectLst>
+                  <a:reflection blurRad="6350" stA="53000" endA="300" endPos="35500" dir="5400000" sy="-90000" algn="bl" rotWithShape="0"/>
+                </a:effectLst>
+              </a:rPr>
+              <a:t>Kindle</a:t>
+            </a:r>
+            <a:r>
+              <a:rPr lang="zh-CN" altLang="en-US" sz="5400" dirty="0">
+                <a:ln w="0"/>
+                <a:gradFill>
+                  <a:gsLst>
+                    <a:gs pos="0">
+                      <a:schemeClr val="accent5">
+                        <a:lumMod val="50000"/>
+                      </a:schemeClr>
+                    </a:gs>
+                    <a:gs pos="50000">
+                      <a:schemeClr val="accent5"/>
+                    </a:gs>
+                    <a:gs pos="100000">
+                      <a:schemeClr val="accent5">
+                        <a:lumMod val="60000"/>
+                        <a:lumOff val="40000"/>
+                      </a:schemeClr>
+                    </a:gs>
+                  </a:gsLst>
+                  <a:lin ang="5400000"/>
+                </a:gradFill>
+                <a:effectLst>
+                  <a:reflection blurRad="6350" stA="53000" endA="300" endPos="35500" dir="5400000" sy="-90000" algn="bl" rotWithShape="0"/>
+                </a:effectLst>
+              </a:rPr>
+              <a:t> </a:t>
+            </a:r>
+            <a:r>
+              <a:rPr lang="en-CA" altLang="zh-CN" sz="5400" dirty="0">
+                <a:ln w="0"/>
+                <a:gradFill>
+                  <a:gsLst>
+                    <a:gs pos="0">
+                      <a:schemeClr val="accent5">
+                        <a:lumMod val="50000"/>
+                      </a:schemeClr>
+                    </a:gs>
+                    <a:gs pos="50000">
+                      <a:schemeClr val="accent5"/>
+                    </a:gs>
+                    <a:gs pos="100000">
+                      <a:schemeClr val="accent5">
+                        <a:lumMod val="60000"/>
+                        <a:lumOff val="40000"/>
+                      </a:schemeClr>
+                    </a:gs>
+                  </a:gsLst>
+                  <a:lin ang="5400000"/>
+                </a:gradFill>
+                <a:effectLst>
+                  <a:reflection blurRad="6350" stA="53000" endA="300" endPos="35500" dir="5400000" sy="-90000" algn="bl" rotWithShape="0"/>
+                </a:effectLst>
+              </a:rPr>
+              <a:t>Reader</a:t>
+            </a:r>
+            <a:endParaRPr lang="en-US" sz="5400" b="0" cap="none" spc="0" dirty="0">
+              <a:ln w="0"/>
+              <a:gradFill>
+                <a:gsLst>
+                  <a:gs pos="0">
+                    <a:schemeClr val="accent5">
+                      <a:lumMod val="50000"/>
+                    </a:schemeClr>
+                  </a:gs>
+                  <a:gs pos="50000">
+                    <a:schemeClr val="accent5"/>
+                  </a:gs>
+                  <a:gs pos="100000">
+                    <a:schemeClr val="accent5">
+                      <a:lumMod val="60000"/>
+                      <a:lumOff val="40000"/>
+                    </a:schemeClr>
+                  </a:gs>
+                </a:gsLst>
+                <a:lin ang="5400000"/>
+              </a:gradFill>
+              <a:effectLst>
+                <a:reflection blurRad="6350" stA="53000" endA="300" endPos="35500" dir="5400000" sy="-90000" algn="bl" rotWithShape="0"/>
+              </a:effectLst>
+            </a:endParaRPr>
+          </a:p>
+        </p:txBody>
+      </p:sp>
+      <p:sp>
+        <p:nvSpPr>
+          <p:cNvPr id="3" name="TextBox 2">
+            <a:extLst>
+              <a:ext uri="{FF2B5EF4-FFF2-40B4-BE49-F238E27FC236}">
+                <a16:creationId xmlns:a16="http://schemas.microsoft.com/office/drawing/2014/main" id="{75FC4690-CAAD-2F6B-0AE6-BCEF94BE501A}"/>
+              </a:ext>
+            </a:extLst>
+          </p:cNvPr>
+          <p:cNvSpPr txBox="1"/>
+          <p:nvPr/>
+        </p:nvSpPr>
+        <p:spPr>
+          <a:xfrm>
+            <a:off x="1549101" y="3216536"/>
+            <a:ext cx="10305826" cy="646331"/>
+          </a:xfrm>
+          <a:prstGeom prst="rect">
+            <a:avLst/>
+          </a:prstGeom>
+          <a:noFill/>
+        </p:spPr>
+        <p:txBody>
+          <a:bodyPr wrap="square" rtlCol="0">
+            <a:spAutoFit/>
+          </a:bodyPr>
+          <a:lstStyle/>
+          <a:p>
+            <a:r>
+              <a:rPr lang="en-CA" dirty="0"/>
+              <a:t>Question: </a:t>
+            </a:r>
+          </a:p>
+          <a:p>
+            <a:r>
+              <a:rPr lang="en-CA" dirty="0"/>
+              <a:t>Please design a kindle that can open </a:t>
+            </a:r>
+            <a:r>
+              <a:rPr lang="en-CA" dirty="0">
+                <a:solidFill>
+                  <a:schemeClr val="accent2"/>
+                </a:solidFill>
+              </a:rPr>
+              <a:t>3</a:t>
+            </a:r>
+            <a:r>
+              <a:rPr lang="en-CA" dirty="0"/>
+              <a:t> different types of documents, including: </a:t>
+            </a:r>
+            <a:r>
+              <a:rPr lang="en-CA" dirty="0">
+                <a:solidFill>
+                  <a:schemeClr val="accent2"/>
+                </a:solidFill>
+              </a:rPr>
+              <a:t>PDF, MOBI, EPUB</a:t>
+            </a:r>
+          </a:p>
+        </p:txBody>
+      </p:sp>
+    </p:spTree>
+    <p:extLst>
+      <p:ext uri="{BB962C8B-B14F-4D97-AF65-F5344CB8AC3E}">
+        <p14:creationId xmlns:p14="http://schemas.microsoft.com/office/powerpoint/2010/main" val="3219399120"/>
+      </p:ext>
+    </p:extLst>
+  </p:cSld>
+  <p:clrMapOvr>
+    <a:masterClrMapping/>
+  </p:clrMapOvr>
+</p:sld>
+</file>
+
+<file path=ppt/slides/slide26.xml><?xml version="1.0" encoding="utf-8"?>
+<p:sld xmlns:a="http://schemas.openxmlformats.org/drawingml/2006/main" xmlns:r="http://schemas.openxmlformats.org/officeDocument/2006/relationships" xmlns:p="http://schemas.openxmlformats.org/presentationml/2006/main">
+  <p:cSld>
+    <p:spTree>
+      <p:nvGrpSpPr>
+        <p:cNvPr id="1" name=""/>
+        <p:cNvGrpSpPr/>
+        <p:nvPr/>
+      </p:nvGrpSpPr>
+      <p:grpSpPr>
+        <a:xfrm>
+          <a:off x="0" y="0"/>
+          <a:ext cx="0" cy="0"/>
+          <a:chOff x="0" y="0"/>
+          <a:chExt cx="0" cy="0"/>
+        </a:xfrm>
+      </p:grpSpPr>
+      <p:pic>
+        <p:nvPicPr>
+          <p:cNvPr id="1028" name="Picture 4">
+            <a:extLst>
+              <a:ext uri="{FF2B5EF4-FFF2-40B4-BE49-F238E27FC236}">
+                <a16:creationId xmlns:a16="http://schemas.microsoft.com/office/drawing/2014/main" id="{B0B6329B-6E23-5F6A-FF11-6855803BBA5A}"/>
+              </a:ext>
+            </a:extLst>
+          </p:cNvPr>
+          <p:cNvPicPr>
+            <a:picLocks noChangeAspect="1" noChangeArrowheads="1"/>
+          </p:cNvPicPr>
+          <p:nvPr/>
+        </p:nvPicPr>
+        <p:blipFill>
+          <a:blip r:embed="rId2">
+            <a:extLst>
+              <a:ext uri="{28A0092B-C50C-407E-A947-70E740481C1C}">
+                <a14:useLocalDpi xmlns:a14="http://schemas.microsoft.com/office/drawing/2010/main" val="0"/>
+              </a:ext>
+            </a:extLst>
+          </a:blip>
+          <a:srcRect/>
+          <a:stretch>
+            <a:fillRect/>
+          </a:stretch>
+        </p:blipFill>
+        <p:spPr bwMode="auto">
+          <a:xfrm>
+            <a:off x="357975" y="396117"/>
+            <a:ext cx="11197159" cy="6065766"/>
+          </a:xfrm>
+          <a:prstGeom prst="rect">
+            <a:avLst/>
+          </a:prstGeom>
+          <a:noFill/>
+          <a:extLst>
+            <a:ext uri="{909E8E84-426E-40DD-AFC4-6F175D3DCCD1}">
+              <a14:hiddenFill xmlns:a14="http://schemas.microsoft.com/office/drawing/2010/main">
+                <a:solidFill>
+                  <a:srgbClr val="FFFFFF"/>
+                </a:solidFill>
+              </a14:hiddenFill>
+            </a:ext>
+          </a:extLst>
+        </p:spPr>
+      </p:pic>
+    </p:spTree>
+    <p:extLst>
+      <p:ext uri="{BB962C8B-B14F-4D97-AF65-F5344CB8AC3E}">
+        <p14:creationId xmlns:p14="http://schemas.microsoft.com/office/powerpoint/2010/main" val="643962506"/>
+      </p:ext>
+    </p:extLst>
+  </p:cSld>
+  <p:clrMapOvr>
+    <a:masterClrMapping/>
+  </p:clrMapOvr>
+</p:sld>
+</file>
+
+<file path=ppt/slides/slide27.xml><?xml version="1.0" encoding="utf-8"?>
 <p:sld xmlns:a="http://schemas.openxmlformats.org/drawingml/2006/main" xmlns:r="http://schemas.openxmlformats.org/officeDocument/2006/relationships" xmlns:p="http://schemas.openxmlformats.org/presentationml/2006/main">
   <p:cSld>
     <p:spTree>
@@ -9791,7 +10190,7 @@
 </p:sld>
 </file>
 
-<file path=ppt/slides/slide26.xml><?xml version="1.0" encoding="utf-8"?>
+<file path=ppt/slides/slide28.xml><?xml version="1.0" encoding="utf-8"?>
 <p:sld xmlns:a="http://schemas.openxmlformats.org/drawingml/2006/main" xmlns:r="http://schemas.openxmlformats.org/officeDocument/2006/relationships" xmlns:p="http://schemas.openxmlformats.org/presentationml/2006/main">
   <p:cSld>
     <p:bg>
@@ -10402,207 +10801,6 @@
     <p:extLst>
       <p:ext uri="{BB962C8B-B14F-4D97-AF65-F5344CB8AC3E}">
         <p14:creationId xmlns:p14="http://schemas.microsoft.com/office/powerpoint/2010/main" val="947542350"/>
-      </p:ext>
-    </p:extLst>
-  </p:cSld>
-  <p:clrMapOvr>
-    <a:masterClrMapping/>
-  </p:clrMapOvr>
-</p:sld>
-</file>
-
-<file path=ppt/slides/slide27.xml><?xml version="1.0" encoding="utf-8"?>
-<p:sld xmlns:a="http://schemas.openxmlformats.org/drawingml/2006/main" xmlns:r="http://schemas.openxmlformats.org/officeDocument/2006/relationships" xmlns:p="http://schemas.openxmlformats.org/presentationml/2006/main">
-  <p:cSld>
-    <p:spTree>
-      <p:nvGrpSpPr>
-        <p:cNvPr id="1" name=""/>
-        <p:cNvGrpSpPr/>
-        <p:nvPr/>
-      </p:nvGrpSpPr>
-      <p:grpSpPr>
-        <a:xfrm>
-          <a:off x="0" y="0"/>
-          <a:ext cx="0" cy="0"/>
-          <a:chOff x="0" y="0"/>
-          <a:chExt cx="0" cy="0"/>
-        </a:xfrm>
-      </p:grpSpPr>
-      <p:pic>
-        <p:nvPicPr>
-          <p:cNvPr id="1026" name="Picture 2">
-            <a:extLst>
-              <a:ext uri="{FF2B5EF4-FFF2-40B4-BE49-F238E27FC236}">
-                <a16:creationId xmlns:a16="http://schemas.microsoft.com/office/drawing/2014/main" id="{BEA6FE55-7FF1-BC6D-4D9C-539303B4B4A4}"/>
-              </a:ext>
-            </a:extLst>
-          </p:cNvPr>
-          <p:cNvPicPr>
-            <a:picLocks noChangeAspect="1" noChangeArrowheads="1"/>
-          </p:cNvPicPr>
-          <p:nvPr/>
-        </p:nvPicPr>
-        <p:blipFill>
-          <a:blip r:embed="rId2">
-            <a:extLst>
-              <a:ext uri="{28A0092B-C50C-407E-A947-70E740481C1C}">
-                <a14:useLocalDpi xmlns:a14="http://schemas.microsoft.com/office/drawing/2010/main" val="0"/>
-              </a:ext>
-            </a:extLst>
-          </a:blip>
-          <a:srcRect/>
-          <a:stretch>
-            <a:fillRect/>
-          </a:stretch>
-        </p:blipFill>
-        <p:spPr bwMode="auto">
-          <a:xfrm>
-            <a:off x="330704" y="386927"/>
-            <a:ext cx="5765296" cy="5723316"/>
-          </a:xfrm>
-          <a:prstGeom prst="rect">
-            <a:avLst/>
-          </a:prstGeom>
-          <a:noFill/>
-          <a:extLst>
-            <a:ext uri="{909E8E84-426E-40DD-AFC4-6F175D3DCCD1}">
-              <a14:hiddenFill xmlns:a14="http://schemas.microsoft.com/office/drawing/2010/main">
-                <a:solidFill>
-                  <a:srgbClr val="FFFFFF"/>
-                </a:solidFill>
-              </a14:hiddenFill>
-            </a:ext>
-          </a:extLst>
-        </p:spPr>
-      </p:pic>
-      <p:pic>
-        <p:nvPicPr>
-          <p:cNvPr id="1028" name="Picture 4">
-            <a:extLst>
-              <a:ext uri="{FF2B5EF4-FFF2-40B4-BE49-F238E27FC236}">
-                <a16:creationId xmlns:a16="http://schemas.microsoft.com/office/drawing/2014/main" id="{09988A4A-CE2C-C1B2-2879-DF3C5CD127C6}"/>
-              </a:ext>
-            </a:extLst>
-          </p:cNvPr>
-          <p:cNvPicPr>
-            <a:picLocks noChangeAspect="1" noChangeArrowheads="1"/>
-          </p:cNvPicPr>
-          <p:nvPr/>
-        </p:nvPicPr>
-        <p:blipFill>
-          <a:blip r:embed="rId3">
-            <a:extLst>
-              <a:ext uri="{28A0092B-C50C-407E-A947-70E740481C1C}">
-                <a14:useLocalDpi xmlns:a14="http://schemas.microsoft.com/office/drawing/2010/main" val="0"/>
-              </a:ext>
-            </a:extLst>
-          </a:blip>
-          <a:srcRect/>
-          <a:stretch>
-            <a:fillRect/>
-          </a:stretch>
-        </p:blipFill>
-        <p:spPr bwMode="auto">
-          <a:xfrm>
-            <a:off x="6887910" y="386927"/>
-            <a:ext cx="4594771" cy="6095806"/>
-          </a:xfrm>
-          <a:prstGeom prst="rect">
-            <a:avLst/>
-          </a:prstGeom>
-          <a:noFill/>
-          <a:extLst>
-            <a:ext uri="{909E8E84-426E-40DD-AFC4-6F175D3DCCD1}">
-              <a14:hiddenFill xmlns:a14="http://schemas.microsoft.com/office/drawing/2010/main">
-                <a:solidFill>
-                  <a:srgbClr val="FFFFFF"/>
-                </a:solidFill>
-              </a14:hiddenFill>
-            </a:ext>
-          </a:extLst>
-        </p:spPr>
-      </p:pic>
-    </p:spTree>
-    <p:extLst>
-      <p:ext uri="{BB962C8B-B14F-4D97-AF65-F5344CB8AC3E}">
-        <p14:creationId xmlns:p14="http://schemas.microsoft.com/office/powerpoint/2010/main" val="3667645017"/>
-      </p:ext>
-    </p:extLst>
-  </p:cSld>
-  <p:clrMapOvr>
-    <a:masterClrMapping/>
-  </p:clrMapOvr>
-</p:sld>
-</file>
-
-<file path=ppt/slides/slide28.xml><?xml version="1.0" encoding="utf-8"?>
-<p:sld xmlns:a="http://schemas.openxmlformats.org/drawingml/2006/main" xmlns:r="http://schemas.openxmlformats.org/officeDocument/2006/relationships" xmlns:p="http://schemas.openxmlformats.org/presentationml/2006/main">
-  <p:cSld>
-    <p:spTree>
-      <p:nvGrpSpPr>
-        <p:cNvPr id="1" name=""/>
-        <p:cNvGrpSpPr/>
-        <p:nvPr/>
-      </p:nvGrpSpPr>
-      <p:grpSpPr>
-        <a:xfrm>
-          <a:off x="0" y="0"/>
-          <a:ext cx="0" cy="0"/>
-          <a:chOff x="0" y="0"/>
-          <a:chExt cx="0" cy="0"/>
-        </a:xfrm>
-      </p:grpSpPr>
-      <p:pic>
-        <p:nvPicPr>
-          <p:cNvPr id="2050" name="Picture 2">
-            <a:extLst>
-              <a:ext uri="{FF2B5EF4-FFF2-40B4-BE49-F238E27FC236}">
-                <a16:creationId xmlns:a16="http://schemas.microsoft.com/office/drawing/2014/main" id="{99539578-1F98-0036-FF53-188DA633102E}"/>
-              </a:ext>
-            </a:extLst>
-          </p:cNvPr>
-          <p:cNvPicPr>
-            <a:picLocks noChangeAspect="1" noChangeArrowheads="1"/>
-          </p:cNvPicPr>
-          <p:nvPr/>
-        </p:nvPicPr>
-        <p:blipFill>
-          <a:blip r:embed="rId2">
-            <a:extLst>
-              <a:ext uri="{28A0092B-C50C-407E-A947-70E740481C1C}">
-                <a14:useLocalDpi xmlns:a14="http://schemas.microsoft.com/office/drawing/2010/main" val="0"/>
-              </a:ext>
-            </a:extLst>
-          </a:blip>
-          <a:srcRect/>
-          <a:stretch>
-            <a:fillRect/>
-          </a:stretch>
-        </p:blipFill>
-        <p:spPr bwMode="auto">
-          <a:xfrm>
-            <a:off x="1719709" y="137757"/>
-            <a:ext cx="8227596" cy="6346385"/>
-          </a:xfrm>
-          <a:prstGeom prst="rect">
-            <a:avLst/>
-          </a:prstGeom>
-          <a:noFill/>
-          <a:extLst>
-            <a:ext uri="{909E8E84-426E-40DD-AFC4-6F175D3DCCD1}">
-              <a14:hiddenFill xmlns:a14="http://schemas.microsoft.com/office/drawing/2010/main">
-                <a:solidFill>
-                  <a:srgbClr val="FFFFFF"/>
-                </a:solidFill>
-              </a14:hiddenFill>
-            </a:ext>
-          </a:extLst>
-        </p:spPr>
-      </p:pic>
-    </p:spTree>
-    <p:extLst>
-      <p:ext uri="{BB962C8B-B14F-4D97-AF65-F5344CB8AC3E}">
-        <p14:creationId xmlns:p14="http://schemas.microsoft.com/office/powerpoint/2010/main" val="228876360"/>
       </p:ext>
     </p:extLst>
   </p:cSld>

--- a/赫桑的算法宝典/4.技术文章/Design Patterns and OOD.pptx
+++ b/赫桑的算法宝典/4.技术文章/Design Patterns and OOD.pptx
@@ -25,15 +25,22 @@
     <p:sldId id="272" r:id="rId19"/>
     <p:sldId id="273" r:id="rId20"/>
     <p:sldId id="274" r:id="rId21"/>
-    <p:sldId id="275" r:id="rId22"/>
-    <p:sldId id="276" r:id="rId23"/>
-    <p:sldId id="285" r:id="rId24"/>
-    <p:sldId id="286" r:id="rId25"/>
-    <p:sldId id="277" r:id="rId26"/>
-    <p:sldId id="287" r:id="rId27"/>
-    <p:sldId id="279" r:id="rId28"/>
-    <p:sldId id="280" r:id="rId29"/>
-    <p:sldId id="281" r:id="rId30"/>
+    <p:sldId id="292" r:id="rId22"/>
+    <p:sldId id="293" r:id="rId23"/>
+    <p:sldId id="275" r:id="rId24"/>
+    <p:sldId id="276" r:id="rId25"/>
+    <p:sldId id="285" r:id="rId26"/>
+    <p:sldId id="294" r:id="rId27"/>
+    <p:sldId id="286" r:id="rId28"/>
+    <p:sldId id="277" r:id="rId29"/>
+    <p:sldId id="287" r:id="rId30"/>
+    <p:sldId id="279" r:id="rId31"/>
+    <p:sldId id="280" r:id="rId32"/>
+    <p:sldId id="281" r:id="rId33"/>
+    <p:sldId id="288" r:id="rId34"/>
+    <p:sldId id="289" r:id="rId35"/>
+    <p:sldId id="290" r:id="rId36"/>
+    <p:sldId id="291" r:id="rId37"/>
   </p:sldIdLst>
   <p:sldSz cx="12192000" cy="6858000"/>
   <p:notesSz cx="6858000" cy="9144000"/>
@@ -289,7 +296,7 @@
           <a:p>
             <a:fld id="{DFD828E6-9BDE-49F8-80E1-230A40971B7D}" type="datetimeFigureOut">
               <a:rPr lang="en-CA" smtClean="0"/>
-              <a:t>2022-06-15</a:t>
+              <a:t>2022-06-16</a:t>
             </a:fld>
             <a:endParaRPr lang="en-CA"/>
           </a:p>
@@ -489,7 +496,7 @@
           <a:p>
             <a:fld id="{DFD828E6-9BDE-49F8-80E1-230A40971B7D}" type="datetimeFigureOut">
               <a:rPr lang="en-CA" smtClean="0"/>
-              <a:t>2022-06-15</a:t>
+              <a:t>2022-06-16</a:t>
             </a:fld>
             <a:endParaRPr lang="en-CA"/>
           </a:p>
@@ -699,7 +706,7 @@
           <a:p>
             <a:fld id="{DFD828E6-9BDE-49F8-80E1-230A40971B7D}" type="datetimeFigureOut">
               <a:rPr lang="en-CA" smtClean="0"/>
-              <a:t>2022-06-15</a:t>
+              <a:t>2022-06-16</a:t>
             </a:fld>
             <a:endParaRPr lang="en-CA"/>
           </a:p>
@@ -899,7 +906,7 @@
           <a:p>
             <a:fld id="{DFD828E6-9BDE-49F8-80E1-230A40971B7D}" type="datetimeFigureOut">
               <a:rPr lang="en-CA" smtClean="0"/>
-              <a:t>2022-06-15</a:t>
+              <a:t>2022-06-16</a:t>
             </a:fld>
             <a:endParaRPr lang="en-CA"/>
           </a:p>
@@ -1175,7 +1182,7 @@
           <a:p>
             <a:fld id="{DFD828E6-9BDE-49F8-80E1-230A40971B7D}" type="datetimeFigureOut">
               <a:rPr lang="en-CA" smtClean="0"/>
-              <a:t>2022-06-15</a:t>
+              <a:t>2022-06-16</a:t>
             </a:fld>
             <a:endParaRPr lang="en-CA"/>
           </a:p>
@@ -1443,7 +1450,7 @@
           <a:p>
             <a:fld id="{DFD828E6-9BDE-49F8-80E1-230A40971B7D}" type="datetimeFigureOut">
               <a:rPr lang="en-CA" smtClean="0"/>
-              <a:t>2022-06-15</a:t>
+              <a:t>2022-06-16</a:t>
             </a:fld>
             <a:endParaRPr lang="en-CA"/>
           </a:p>
@@ -1858,7 +1865,7 @@
           <a:p>
             <a:fld id="{DFD828E6-9BDE-49F8-80E1-230A40971B7D}" type="datetimeFigureOut">
               <a:rPr lang="en-CA" smtClean="0"/>
-              <a:t>2022-06-15</a:t>
+              <a:t>2022-06-16</a:t>
             </a:fld>
             <a:endParaRPr lang="en-CA"/>
           </a:p>
@@ -2000,7 +2007,7 @@
           <a:p>
             <a:fld id="{DFD828E6-9BDE-49F8-80E1-230A40971B7D}" type="datetimeFigureOut">
               <a:rPr lang="en-CA" smtClean="0"/>
-              <a:t>2022-06-15</a:t>
+              <a:t>2022-06-16</a:t>
             </a:fld>
             <a:endParaRPr lang="en-CA"/>
           </a:p>
@@ -2113,7 +2120,7 @@
           <a:p>
             <a:fld id="{DFD828E6-9BDE-49F8-80E1-230A40971B7D}" type="datetimeFigureOut">
               <a:rPr lang="en-CA" smtClean="0"/>
-              <a:t>2022-06-15</a:t>
+              <a:t>2022-06-16</a:t>
             </a:fld>
             <a:endParaRPr lang="en-CA"/>
           </a:p>
@@ -2426,7 +2433,7 @@
           <a:p>
             <a:fld id="{DFD828E6-9BDE-49F8-80E1-230A40971B7D}" type="datetimeFigureOut">
               <a:rPr lang="en-CA" smtClean="0"/>
-              <a:t>2022-06-15</a:t>
+              <a:t>2022-06-16</a:t>
             </a:fld>
             <a:endParaRPr lang="en-CA"/>
           </a:p>
@@ -2715,7 +2722,7 @@
           <a:p>
             <a:fld id="{DFD828E6-9BDE-49F8-80E1-230A40971B7D}" type="datetimeFigureOut">
               <a:rPr lang="en-CA" smtClean="0"/>
-              <a:t>2022-06-15</a:t>
+              <a:t>2022-06-16</a:t>
             </a:fld>
             <a:endParaRPr lang="en-CA"/>
           </a:p>
@@ -2958,7 +2965,7 @@
           <a:p>
             <a:fld id="{DFD828E6-9BDE-49F8-80E1-230A40971B7D}" type="datetimeFigureOut">
               <a:rPr lang="en-CA" smtClean="0"/>
-              <a:t>2022-06-15</a:t>
+              <a:t>2022-06-16</a:t>
             </a:fld>
             <a:endParaRPr lang="en-CA"/>
           </a:p>
@@ -8209,6 +8216,902 @@
       </p:grpSpPr>
       <p:sp>
         <p:nvSpPr>
+          <p:cNvPr id="2" name="TextBox 1">
+            <a:extLst>
+              <a:ext uri="{FF2B5EF4-FFF2-40B4-BE49-F238E27FC236}">
+                <a16:creationId xmlns:a16="http://schemas.microsoft.com/office/drawing/2014/main" id="{53BF0FA8-AE6B-D6F1-C347-331EF3F9CE3E}"/>
+              </a:ext>
+            </a:extLst>
+          </p:cNvPr>
+          <p:cNvSpPr txBox="1"/>
+          <p:nvPr/>
+        </p:nvSpPr>
+        <p:spPr>
+          <a:xfrm>
+            <a:off x="1845892" y="68366"/>
+            <a:ext cx="3899257" cy="369332"/>
+          </a:xfrm>
+          <a:prstGeom prst="rect">
+            <a:avLst/>
+          </a:prstGeom>
+          <a:noFill/>
+        </p:spPr>
+        <p:txBody>
+          <a:bodyPr wrap="square" rtlCol="0">
+            <a:spAutoFit/>
+          </a:bodyPr>
+          <a:lstStyle/>
+          <a:p>
+            <a:r>
+              <a:rPr lang="en-CA" dirty="0"/>
+              <a:t>So what if the </a:t>
+            </a:r>
+            <a:r>
+              <a:rPr lang="en-CA" i="1" dirty="0">
+                <a:solidFill>
+                  <a:schemeClr val="accent2"/>
+                </a:solidFill>
+              </a:rPr>
+              <a:t>input String </a:t>
+            </a:r>
+            <a:r>
+              <a:rPr lang="en-CA" dirty="0"/>
+              <a:t>is wrong?</a:t>
+            </a:r>
+          </a:p>
+        </p:txBody>
+      </p:sp>
+      <p:pic>
+        <p:nvPicPr>
+          <p:cNvPr id="4" name="Picture 3">
+            <a:extLst>
+              <a:ext uri="{FF2B5EF4-FFF2-40B4-BE49-F238E27FC236}">
+                <a16:creationId xmlns:a16="http://schemas.microsoft.com/office/drawing/2014/main" id="{D6E9BA07-06D1-3EDD-BE11-7D69C4DC9E19}"/>
+              </a:ext>
+            </a:extLst>
+          </p:cNvPr>
+          <p:cNvPicPr>
+            <a:picLocks noChangeAspect="1"/>
+          </p:cNvPicPr>
+          <p:nvPr/>
+        </p:nvPicPr>
+        <p:blipFill>
+          <a:blip r:embed="rId2"/>
+          <a:stretch>
+            <a:fillRect/>
+          </a:stretch>
+        </p:blipFill>
+        <p:spPr>
+          <a:xfrm>
+            <a:off x="760576" y="1958019"/>
+            <a:ext cx="6561408" cy="2941961"/>
+          </a:xfrm>
+          <a:prstGeom prst="rect">
+            <a:avLst/>
+          </a:prstGeom>
+        </p:spPr>
+      </p:pic>
+      <p:pic>
+        <p:nvPicPr>
+          <p:cNvPr id="6" name="Picture 5">
+            <a:extLst>
+              <a:ext uri="{FF2B5EF4-FFF2-40B4-BE49-F238E27FC236}">
+                <a16:creationId xmlns:a16="http://schemas.microsoft.com/office/drawing/2014/main" id="{D71D344D-67DD-1BC3-3B9D-B685B5E3C8E5}"/>
+              </a:ext>
+            </a:extLst>
+          </p:cNvPr>
+          <p:cNvPicPr>
+            <a:picLocks noChangeAspect="1"/>
+          </p:cNvPicPr>
+          <p:nvPr/>
+        </p:nvPicPr>
+        <p:blipFill>
+          <a:blip r:embed="rId3"/>
+          <a:stretch>
+            <a:fillRect/>
+          </a:stretch>
+        </p:blipFill>
+        <p:spPr>
+          <a:xfrm>
+            <a:off x="7874000" y="0"/>
+            <a:ext cx="4318000" cy="6858000"/>
+          </a:xfrm>
+          <a:prstGeom prst="rect">
+            <a:avLst/>
+          </a:prstGeom>
+        </p:spPr>
+      </p:pic>
+      <p:sp>
+        <p:nvSpPr>
+          <p:cNvPr id="7" name="TextBox 6">
+            <a:extLst>
+              <a:ext uri="{FF2B5EF4-FFF2-40B4-BE49-F238E27FC236}">
+                <a16:creationId xmlns:a16="http://schemas.microsoft.com/office/drawing/2014/main" id="{04B93720-62D7-A6AA-45B5-C5CFDC9A03B0}"/>
+              </a:ext>
+            </a:extLst>
+          </p:cNvPr>
+          <p:cNvSpPr txBox="1"/>
+          <p:nvPr/>
+        </p:nvSpPr>
+        <p:spPr>
+          <a:xfrm>
+            <a:off x="1845892" y="1135166"/>
+            <a:ext cx="3899257" cy="369332"/>
+          </a:xfrm>
+          <a:prstGeom prst="rect">
+            <a:avLst/>
+          </a:prstGeom>
+          <a:noFill/>
+        </p:spPr>
+        <p:txBody>
+          <a:bodyPr wrap="square" rtlCol="0">
+            <a:spAutoFit/>
+          </a:bodyPr>
+          <a:lstStyle/>
+          <a:p>
+            <a:r>
+              <a:rPr lang="en-CA" dirty="0"/>
+              <a:t>Potential Solution: </a:t>
+            </a:r>
+            <a:r>
+              <a:rPr lang="en-CA" dirty="0">
+                <a:solidFill>
+                  <a:schemeClr val="accent2"/>
+                </a:solidFill>
+              </a:rPr>
+              <a:t>Multi-Methods</a:t>
+            </a:r>
+          </a:p>
+        </p:txBody>
+      </p:sp>
+    </p:spTree>
+    <p:extLst>
+      <p:ext uri="{BB962C8B-B14F-4D97-AF65-F5344CB8AC3E}">
+        <p14:creationId xmlns:p14="http://schemas.microsoft.com/office/powerpoint/2010/main" val="1884140708"/>
+      </p:ext>
+    </p:extLst>
+  </p:cSld>
+  <p:clrMapOvr>
+    <a:masterClrMapping/>
+  </p:clrMapOvr>
+  <p:timing>
+    <p:tnLst>
+      <p:par>
+        <p:cTn id="1" dur="indefinite" restart="never" nodeType="tmRoot">
+          <p:childTnLst>
+            <p:seq concurrent="1" nextAc="seek">
+              <p:cTn id="2" dur="indefinite" nodeType="mainSeq">
+                <p:childTnLst>
+                  <p:par>
+                    <p:cTn id="3" fill="hold">
+                      <p:stCondLst>
+                        <p:cond delay="indefinite"/>
+                      </p:stCondLst>
+                      <p:childTnLst>
+                        <p:par>
+                          <p:cTn id="4" fill="hold">
+                            <p:stCondLst>
+                              <p:cond delay="0"/>
+                            </p:stCondLst>
+                            <p:childTnLst>
+                              <p:par>
+                                <p:cTn id="5" presetID="10" presetClass="entr" presetSubtype="0" fill="hold" grpId="0" nodeType="clickEffect">
+                                  <p:stCondLst>
+                                    <p:cond delay="0"/>
+                                  </p:stCondLst>
+                                  <p:childTnLst>
+                                    <p:set>
+                                      <p:cBhvr>
+                                        <p:cTn id="6" dur="1" fill="hold">
+                                          <p:stCondLst>
+                                            <p:cond delay="0"/>
+                                          </p:stCondLst>
+                                        </p:cTn>
+                                        <p:tgtEl>
+                                          <p:spTgt spid="7"/>
+                                        </p:tgtEl>
+                                        <p:attrNameLst>
+                                          <p:attrName>style.visibility</p:attrName>
+                                        </p:attrNameLst>
+                                      </p:cBhvr>
+                                      <p:to>
+                                        <p:strVal val="visible"/>
+                                      </p:to>
+                                    </p:set>
+                                    <p:animEffect transition="in" filter="fade">
+                                      <p:cBhvr>
+                                        <p:cTn id="7" dur="500"/>
+                                        <p:tgtEl>
+                                          <p:spTgt spid="7"/>
+                                        </p:tgtEl>
+                                      </p:cBhvr>
+                                    </p:animEffect>
+                                  </p:childTnLst>
+                                </p:cTn>
+                              </p:par>
+                              <p:par>
+                                <p:cTn id="8" presetID="10" presetClass="entr" presetSubtype="0" fill="hold" nodeType="withEffect">
+                                  <p:stCondLst>
+                                    <p:cond delay="0"/>
+                                  </p:stCondLst>
+                                  <p:childTnLst>
+                                    <p:set>
+                                      <p:cBhvr>
+                                        <p:cTn id="9" dur="1" fill="hold">
+                                          <p:stCondLst>
+                                            <p:cond delay="0"/>
+                                          </p:stCondLst>
+                                        </p:cTn>
+                                        <p:tgtEl>
+                                          <p:spTgt spid="6"/>
+                                        </p:tgtEl>
+                                        <p:attrNameLst>
+                                          <p:attrName>style.visibility</p:attrName>
+                                        </p:attrNameLst>
+                                      </p:cBhvr>
+                                      <p:to>
+                                        <p:strVal val="visible"/>
+                                      </p:to>
+                                    </p:set>
+                                    <p:animEffect transition="in" filter="fade">
+                                      <p:cBhvr>
+                                        <p:cTn id="10" dur="500"/>
+                                        <p:tgtEl>
+                                          <p:spTgt spid="6"/>
+                                        </p:tgtEl>
+                                      </p:cBhvr>
+                                    </p:animEffect>
+                                  </p:childTnLst>
+                                </p:cTn>
+                              </p:par>
+                              <p:par>
+                                <p:cTn id="11" presetID="10" presetClass="entr" presetSubtype="0" fill="hold" nodeType="withEffect">
+                                  <p:stCondLst>
+                                    <p:cond delay="0"/>
+                                  </p:stCondLst>
+                                  <p:childTnLst>
+                                    <p:set>
+                                      <p:cBhvr>
+                                        <p:cTn id="12" dur="1" fill="hold">
+                                          <p:stCondLst>
+                                            <p:cond delay="0"/>
+                                          </p:stCondLst>
+                                        </p:cTn>
+                                        <p:tgtEl>
+                                          <p:spTgt spid="4"/>
+                                        </p:tgtEl>
+                                        <p:attrNameLst>
+                                          <p:attrName>style.visibility</p:attrName>
+                                        </p:attrNameLst>
+                                      </p:cBhvr>
+                                      <p:to>
+                                        <p:strVal val="visible"/>
+                                      </p:to>
+                                    </p:set>
+                                    <p:animEffect transition="in" filter="fade">
+                                      <p:cBhvr>
+                                        <p:cTn id="13" dur="500"/>
+                                        <p:tgtEl>
+                                          <p:spTgt spid="4"/>
+                                        </p:tgtEl>
+                                      </p:cBhvr>
+                                    </p:animEffect>
+                                  </p:childTnLst>
+                                </p:cTn>
+                              </p:par>
+                            </p:childTnLst>
+                          </p:cTn>
+                        </p:par>
+                      </p:childTnLst>
+                    </p:cTn>
+                  </p:par>
+                </p:childTnLst>
+              </p:cTn>
+              <p:prevCondLst>
+                <p:cond evt="onPrev" delay="0">
+                  <p:tgtEl>
+                    <p:sldTgt/>
+                  </p:tgtEl>
+                </p:cond>
+              </p:prevCondLst>
+              <p:nextCondLst>
+                <p:cond evt="onNext" delay="0">
+                  <p:tgtEl>
+                    <p:sldTgt/>
+                  </p:tgtEl>
+                </p:cond>
+              </p:nextCondLst>
+            </p:seq>
+          </p:childTnLst>
+        </p:cTn>
+      </p:par>
+    </p:tnLst>
+    <p:bldLst>
+      <p:bldP spid="7" grpId="0"/>
+    </p:bldLst>
+  </p:timing>
+</p:sld>
+</file>
+
+<file path=ppt/slides/slide22.xml><?xml version="1.0" encoding="utf-8"?>
+<p:sld xmlns:a="http://schemas.openxmlformats.org/drawingml/2006/main" xmlns:r="http://schemas.openxmlformats.org/officeDocument/2006/relationships" xmlns:p="http://schemas.openxmlformats.org/presentationml/2006/main">
+  <p:cSld>
+    <p:spTree>
+      <p:nvGrpSpPr>
+        <p:cNvPr id="1" name=""/>
+        <p:cNvGrpSpPr/>
+        <p:nvPr/>
+      </p:nvGrpSpPr>
+      <p:grpSpPr>
+        <a:xfrm>
+          <a:off x="0" y="0"/>
+          <a:ext cx="0" cy="0"/>
+          <a:chOff x="0" y="0"/>
+          <a:chExt cx="0" cy="0"/>
+        </a:xfrm>
+      </p:grpSpPr>
+      <p:sp>
+        <p:nvSpPr>
+          <p:cNvPr id="2" name="TextBox 1">
+            <a:extLst>
+              <a:ext uri="{FF2B5EF4-FFF2-40B4-BE49-F238E27FC236}">
+                <a16:creationId xmlns:a16="http://schemas.microsoft.com/office/drawing/2014/main" id="{900EA78B-D9DF-A5EF-2C99-3D220B4A873C}"/>
+              </a:ext>
+            </a:extLst>
+          </p:cNvPr>
+          <p:cNvSpPr txBox="1"/>
+          <p:nvPr/>
+        </p:nvSpPr>
+        <p:spPr>
+          <a:xfrm>
+            <a:off x="1760433" y="418743"/>
+            <a:ext cx="2204815" cy="369332"/>
+          </a:xfrm>
+          <a:prstGeom prst="rect">
+            <a:avLst/>
+          </a:prstGeom>
+          <a:noFill/>
+        </p:spPr>
+        <p:txBody>
+          <a:bodyPr wrap="square" rtlCol="0">
+            <a:spAutoFit/>
+          </a:bodyPr>
+          <a:lstStyle/>
+          <a:p>
+            <a:r>
+              <a:rPr lang="en-CA" dirty="0"/>
+              <a:t>Is it </a:t>
+            </a:r>
+            <a:r>
+              <a:rPr lang="en-CA" dirty="0">
+                <a:solidFill>
+                  <a:schemeClr val="accent2"/>
+                </a:solidFill>
+              </a:rPr>
+              <a:t>good enough</a:t>
+            </a:r>
+            <a:r>
+              <a:rPr lang="en-CA" dirty="0"/>
+              <a:t>?</a:t>
+            </a:r>
+          </a:p>
+        </p:txBody>
+      </p:sp>
+      <p:pic>
+        <p:nvPicPr>
+          <p:cNvPr id="4" name="Picture 3">
+            <a:extLst>
+              <a:ext uri="{FF2B5EF4-FFF2-40B4-BE49-F238E27FC236}">
+                <a16:creationId xmlns:a16="http://schemas.microsoft.com/office/drawing/2014/main" id="{23BDE6E1-28AA-D686-B18B-DF5762B0D02D}"/>
+              </a:ext>
+            </a:extLst>
+          </p:cNvPr>
+          <p:cNvPicPr>
+            <a:picLocks noChangeAspect="1"/>
+          </p:cNvPicPr>
+          <p:nvPr/>
+        </p:nvPicPr>
+        <p:blipFill>
+          <a:blip r:embed="rId2"/>
+          <a:stretch>
+            <a:fillRect/>
+          </a:stretch>
+        </p:blipFill>
+        <p:spPr>
+          <a:xfrm>
+            <a:off x="5858667" y="323366"/>
+            <a:ext cx="6333333" cy="5723809"/>
+          </a:xfrm>
+          <a:prstGeom prst="rect">
+            <a:avLst/>
+          </a:prstGeom>
+        </p:spPr>
+      </p:pic>
+      <p:sp>
+        <p:nvSpPr>
+          <p:cNvPr id="5" name="TextBox 4">
+            <a:extLst>
+              <a:ext uri="{FF2B5EF4-FFF2-40B4-BE49-F238E27FC236}">
+                <a16:creationId xmlns:a16="http://schemas.microsoft.com/office/drawing/2014/main" id="{40A2982F-F65A-3FDD-7E17-156AD07D1C4C}"/>
+              </a:ext>
+            </a:extLst>
+          </p:cNvPr>
+          <p:cNvSpPr txBox="1"/>
+          <p:nvPr/>
+        </p:nvSpPr>
+        <p:spPr>
+          <a:xfrm>
+            <a:off x="926032" y="2246119"/>
+            <a:ext cx="4454734" cy="369332"/>
+          </a:xfrm>
+          <a:prstGeom prst="rect">
+            <a:avLst/>
+          </a:prstGeom>
+          <a:noFill/>
+        </p:spPr>
+        <p:txBody>
+          <a:bodyPr wrap="square" rtlCol="0">
+            <a:spAutoFit/>
+          </a:bodyPr>
+          <a:lstStyle/>
+          <a:p>
+            <a:r>
+              <a:rPr lang="en-CA" dirty="0"/>
+              <a:t>Potential Solution: </a:t>
+            </a:r>
+            <a:r>
+              <a:rPr lang="en-CA" dirty="0">
+                <a:solidFill>
+                  <a:schemeClr val="accent2"/>
+                </a:solidFill>
+              </a:rPr>
+              <a:t>Static</a:t>
+            </a:r>
+            <a:r>
+              <a:rPr lang="en-CA" dirty="0"/>
+              <a:t> </a:t>
+            </a:r>
+            <a:r>
+              <a:rPr lang="en-CA" dirty="0">
+                <a:solidFill>
+                  <a:schemeClr val="accent2"/>
+                </a:solidFill>
+              </a:rPr>
+              <a:t>Multi-Methods</a:t>
+            </a:r>
+          </a:p>
+        </p:txBody>
+      </p:sp>
+      <p:sp>
+        <p:nvSpPr>
+          <p:cNvPr id="6" name="Rectangle 5">
+            <a:extLst>
+              <a:ext uri="{FF2B5EF4-FFF2-40B4-BE49-F238E27FC236}">
+                <a16:creationId xmlns:a16="http://schemas.microsoft.com/office/drawing/2014/main" id="{8479CA3B-B92B-6A8C-DABB-7E5DC17CFE56}"/>
+              </a:ext>
+            </a:extLst>
+          </p:cNvPr>
+          <p:cNvSpPr/>
+          <p:nvPr/>
+        </p:nvSpPr>
+        <p:spPr>
+          <a:xfrm>
+            <a:off x="7246834" y="2246119"/>
+            <a:ext cx="863125" cy="369332"/>
+          </a:xfrm>
+          <a:prstGeom prst="rect">
+            <a:avLst/>
+          </a:prstGeom>
+          <a:noFill/>
+          <a:ln w="38100">
+            <a:solidFill>
+              <a:srgbClr val="FF0000"/>
+            </a:solidFill>
+          </a:ln>
+        </p:spPr>
+        <p:style>
+          <a:lnRef idx="2">
+            <a:schemeClr val="accent1">
+              <a:shade val="50000"/>
+            </a:schemeClr>
+          </a:lnRef>
+          <a:fillRef idx="1">
+            <a:schemeClr val="accent1"/>
+          </a:fillRef>
+          <a:effectRef idx="0">
+            <a:schemeClr val="accent1"/>
+          </a:effectRef>
+          <a:fontRef idx="minor">
+            <a:schemeClr val="lt1"/>
+          </a:fontRef>
+        </p:style>
+        <p:txBody>
+          <a:bodyPr rtlCol="0" anchor="ctr"/>
+          <a:lstStyle/>
+          <a:p>
+            <a:pPr algn="ctr"/>
+            <a:endParaRPr lang="en-CA"/>
+          </a:p>
+        </p:txBody>
+      </p:sp>
+      <p:sp>
+        <p:nvSpPr>
+          <p:cNvPr id="7" name="Rectangle 6">
+            <a:extLst>
+              <a:ext uri="{FF2B5EF4-FFF2-40B4-BE49-F238E27FC236}">
+                <a16:creationId xmlns:a16="http://schemas.microsoft.com/office/drawing/2014/main" id="{8D5342F1-493C-1AA4-BFF3-CC7B7CAE1118}"/>
+              </a:ext>
+            </a:extLst>
+          </p:cNvPr>
+          <p:cNvSpPr/>
+          <p:nvPr/>
+        </p:nvSpPr>
+        <p:spPr>
+          <a:xfrm>
+            <a:off x="7246834" y="997009"/>
+            <a:ext cx="863125" cy="369332"/>
+          </a:xfrm>
+          <a:prstGeom prst="rect">
+            <a:avLst/>
+          </a:prstGeom>
+          <a:noFill/>
+          <a:ln w="38100">
+            <a:solidFill>
+              <a:srgbClr val="FF0000"/>
+            </a:solidFill>
+          </a:ln>
+        </p:spPr>
+        <p:style>
+          <a:lnRef idx="2">
+            <a:schemeClr val="accent1">
+              <a:shade val="50000"/>
+            </a:schemeClr>
+          </a:lnRef>
+          <a:fillRef idx="1">
+            <a:schemeClr val="accent1"/>
+          </a:fillRef>
+          <a:effectRef idx="0">
+            <a:schemeClr val="accent1"/>
+          </a:effectRef>
+          <a:fontRef idx="minor">
+            <a:schemeClr val="lt1"/>
+          </a:fontRef>
+        </p:style>
+        <p:txBody>
+          <a:bodyPr rtlCol="0" anchor="ctr"/>
+          <a:lstStyle/>
+          <a:p>
+            <a:pPr algn="ctr"/>
+            <a:endParaRPr lang="en-CA"/>
+          </a:p>
+        </p:txBody>
+      </p:sp>
+      <p:sp>
+        <p:nvSpPr>
+          <p:cNvPr id="8" name="TextBox 7">
+            <a:extLst>
+              <a:ext uri="{FF2B5EF4-FFF2-40B4-BE49-F238E27FC236}">
+                <a16:creationId xmlns:a16="http://schemas.microsoft.com/office/drawing/2014/main" id="{19EF2E9A-6606-2D4E-3943-739D366B3993}"/>
+              </a:ext>
+            </a:extLst>
+          </p:cNvPr>
+          <p:cNvSpPr txBox="1"/>
+          <p:nvPr/>
+        </p:nvSpPr>
+        <p:spPr>
+          <a:xfrm>
+            <a:off x="574705" y="4485117"/>
+            <a:ext cx="5157388" cy="369332"/>
+          </a:xfrm>
+          <a:prstGeom prst="rect">
+            <a:avLst/>
+          </a:prstGeom>
+          <a:noFill/>
+        </p:spPr>
+        <p:txBody>
+          <a:bodyPr wrap="square" rtlCol="0">
+            <a:spAutoFit/>
+          </a:bodyPr>
+          <a:lstStyle/>
+          <a:p>
+            <a:r>
+              <a:rPr lang="en-CA" dirty="0"/>
+              <a:t>What’s the </a:t>
+            </a:r>
+            <a:r>
+              <a:rPr lang="en-CA" dirty="0">
+                <a:solidFill>
+                  <a:schemeClr val="accent2"/>
+                </a:solidFill>
+              </a:rPr>
+              <a:t>disadvantage</a:t>
+            </a:r>
+            <a:r>
+              <a:rPr lang="en-CA" dirty="0"/>
+              <a:t> of Simple Factory Pattern?</a:t>
+            </a:r>
+          </a:p>
+        </p:txBody>
+      </p:sp>
+    </p:spTree>
+    <p:extLst>
+      <p:ext uri="{BB962C8B-B14F-4D97-AF65-F5344CB8AC3E}">
+        <p14:creationId xmlns:p14="http://schemas.microsoft.com/office/powerpoint/2010/main" val="2962506997"/>
+      </p:ext>
+    </p:extLst>
+  </p:cSld>
+  <p:clrMapOvr>
+    <a:masterClrMapping/>
+  </p:clrMapOvr>
+  <p:timing>
+    <p:tnLst>
+      <p:par>
+        <p:cTn id="1" dur="indefinite" restart="never" nodeType="tmRoot">
+          <p:childTnLst>
+            <p:seq concurrent="1" nextAc="seek">
+              <p:cTn id="2" dur="indefinite" nodeType="mainSeq">
+                <p:childTnLst>
+                  <p:par>
+                    <p:cTn id="3" fill="hold">
+                      <p:stCondLst>
+                        <p:cond delay="indefinite"/>
+                      </p:stCondLst>
+                      <p:childTnLst>
+                        <p:par>
+                          <p:cTn id="4" fill="hold">
+                            <p:stCondLst>
+                              <p:cond delay="0"/>
+                            </p:stCondLst>
+                            <p:childTnLst>
+                              <p:par>
+                                <p:cTn id="5" presetID="10" presetClass="entr" presetSubtype="0" fill="hold" grpId="0" nodeType="clickEffect">
+                                  <p:stCondLst>
+                                    <p:cond delay="0"/>
+                                  </p:stCondLst>
+                                  <p:childTnLst>
+                                    <p:set>
+                                      <p:cBhvr>
+                                        <p:cTn id="6" dur="1" fill="hold">
+                                          <p:stCondLst>
+                                            <p:cond delay="0"/>
+                                          </p:stCondLst>
+                                        </p:cTn>
+                                        <p:tgtEl>
+                                          <p:spTgt spid="5"/>
+                                        </p:tgtEl>
+                                        <p:attrNameLst>
+                                          <p:attrName>style.visibility</p:attrName>
+                                        </p:attrNameLst>
+                                      </p:cBhvr>
+                                      <p:to>
+                                        <p:strVal val="visible"/>
+                                      </p:to>
+                                    </p:set>
+                                    <p:animEffect transition="in" filter="fade">
+                                      <p:cBhvr>
+                                        <p:cTn id="7" dur="500"/>
+                                        <p:tgtEl>
+                                          <p:spTgt spid="5"/>
+                                        </p:tgtEl>
+                                      </p:cBhvr>
+                                    </p:animEffect>
+                                  </p:childTnLst>
+                                </p:cTn>
+                              </p:par>
+                              <p:par>
+                                <p:cTn id="8" presetID="10" presetClass="entr" presetSubtype="0" fill="hold" nodeType="withEffect">
+                                  <p:stCondLst>
+                                    <p:cond delay="0"/>
+                                  </p:stCondLst>
+                                  <p:childTnLst>
+                                    <p:set>
+                                      <p:cBhvr>
+                                        <p:cTn id="9" dur="1" fill="hold">
+                                          <p:stCondLst>
+                                            <p:cond delay="0"/>
+                                          </p:stCondLst>
+                                        </p:cTn>
+                                        <p:tgtEl>
+                                          <p:spTgt spid="4"/>
+                                        </p:tgtEl>
+                                        <p:attrNameLst>
+                                          <p:attrName>style.visibility</p:attrName>
+                                        </p:attrNameLst>
+                                      </p:cBhvr>
+                                      <p:to>
+                                        <p:strVal val="visible"/>
+                                      </p:to>
+                                    </p:set>
+                                    <p:animEffect transition="in" filter="fade">
+                                      <p:cBhvr>
+                                        <p:cTn id="10" dur="500"/>
+                                        <p:tgtEl>
+                                          <p:spTgt spid="4"/>
+                                        </p:tgtEl>
+                                      </p:cBhvr>
+                                    </p:animEffect>
+                                  </p:childTnLst>
+                                </p:cTn>
+                              </p:par>
+                              <p:par>
+                                <p:cTn id="11" presetID="10" presetClass="entr" presetSubtype="0" fill="hold" grpId="0" nodeType="withEffect">
+                                  <p:stCondLst>
+                                    <p:cond delay="0"/>
+                                  </p:stCondLst>
+                                  <p:childTnLst>
+                                    <p:set>
+                                      <p:cBhvr>
+                                        <p:cTn id="12" dur="1" fill="hold">
+                                          <p:stCondLst>
+                                            <p:cond delay="0"/>
+                                          </p:stCondLst>
+                                        </p:cTn>
+                                        <p:tgtEl>
+                                          <p:spTgt spid="7"/>
+                                        </p:tgtEl>
+                                        <p:attrNameLst>
+                                          <p:attrName>style.visibility</p:attrName>
+                                        </p:attrNameLst>
+                                      </p:cBhvr>
+                                      <p:to>
+                                        <p:strVal val="visible"/>
+                                      </p:to>
+                                    </p:set>
+                                    <p:animEffect transition="in" filter="fade">
+                                      <p:cBhvr>
+                                        <p:cTn id="13" dur="500"/>
+                                        <p:tgtEl>
+                                          <p:spTgt spid="7"/>
+                                        </p:tgtEl>
+                                      </p:cBhvr>
+                                    </p:animEffect>
+                                  </p:childTnLst>
+                                </p:cTn>
+                              </p:par>
+                              <p:par>
+                                <p:cTn id="14" presetID="10" presetClass="entr" presetSubtype="0" fill="hold" grpId="0" nodeType="withEffect">
+                                  <p:stCondLst>
+                                    <p:cond delay="0"/>
+                                  </p:stCondLst>
+                                  <p:childTnLst>
+                                    <p:set>
+                                      <p:cBhvr>
+                                        <p:cTn id="15" dur="1" fill="hold">
+                                          <p:stCondLst>
+                                            <p:cond delay="0"/>
+                                          </p:stCondLst>
+                                        </p:cTn>
+                                        <p:tgtEl>
+                                          <p:spTgt spid="6"/>
+                                        </p:tgtEl>
+                                        <p:attrNameLst>
+                                          <p:attrName>style.visibility</p:attrName>
+                                        </p:attrNameLst>
+                                      </p:cBhvr>
+                                      <p:to>
+                                        <p:strVal val="visible"/>
+                                      </p:to>
+                                    </p:set>
+                                    <p:animEffect transition="in" filter="fade">
+                                      <p:cBhvr>
+                                        <p:cTn id="16" dur="500"/>
+                                        <p:tgtEl>
+                                          <p:spTgt spid="6"/>
+                                        </p:tgtEl>
+                                      </p:cBhvr>
+                                    </p:animEffect>
+                                  </p:childTnLst>
+                                </p:cTn>
+                              </p:par>
+                            </p:childTnLst>
+                          </p:cTn>
+                        </p:par>
+                      </p:childTnLst>
+                    </p:cTn>
+                  </p:par>
+                  <p:par>
+                    <p:cTn id="17" fill="hold">
+                      <p:stCondLst>
+                        <p:cond delay="indefinite"/>
+                      </p:stCondLst>
+                      <p:childTnLst>
+                        <p:par>
+                          <p:cTn id="18" fill="hold">
+                            <p:stCondLst>
+                              <p:cond delay="0"/>
+                            </p:stCondLst>
+                            <p:childTnLst>
+                              <p:par>
+                                <p:cTn id="19" presetID="6" presetClass="entr" presetSubtype="16" fill="hold" grpId="0" nodeType="clickEffect">
+                                  <p:stCondLst>
+                                    <p:cond delay="0"/>
+                                  </p:stCondLst>
+                                  <p:childTnLst>
+                                    <p:set>
+                                      <p:cBhvr>
+                                        <p:cTn id="20" dur="1" fill="hold">
+                                          <p:stCondLst>
+                                            <p:cond delay="0"/>
+                                          </p:stCondLst>
+                                        </p:cTn>
+                                        <p:tgtEl>
+                                          <p:spTgt spid="8"/>
+                                        </p:tgtEl>
+                                        <p:attrNameLst>
+                                          <p:attrName>style.visibility</p:attrName>
+                                        </p:attrNameLst>
+                                      </p:cBhvr>
+                                      <p:to>
+                                        <p:strVal val="visible"/>
+                                      </p:to>
+                                    </p:set>
+                                    <p:animEffect transition="in" filter="circle(in)">
+                                      <p:cBhvr>
+                                        <p:cTn id="21" dur="2000"/>
+                                        <p:tgtEl>
+                                          <p:spTgt spid="8"/>
+                                        </p:tgtEl>
+                                      </p:cBhvr>
+                                    </p:animEffect>
+                                  </p:childTnLst>
+                                </p:cTn>
+                              </p:par>
+                            </p:childTnLst>
+                          </p:cTn>
+                        </p:par>
+                      </p:childTnLst>
+                    </p:cTn>
+                  </p:par>
+                </p:childTnLst>
+              </p:cTn>
+              <p:prevCondLst>
+                <p:cond evt="onPrev" delay="0">
+                  <p:tgtEl>
+                    <p:sldTgt/>
+                  </p:tgtEl>
+                </p:cond>
+              </p:prevCondLst>
+              <p:nextCondLst>
+                <p:cond evt="onNext" delay="0">
+                  <p:tgtEl>
+                    <p:sldTgt/>
+                  </p:tgtEl>
+                </p:cond>
+              </p:nextCondLst>
+            </p:seq>
+          </p:childTnLst>
+        </p:cTn>
+      </p:par>
+    </p:tnLst>
+    <p:bldLst>
+      <p:bldP spid="5" grpId="0"/>
+      <p:bldP spid="6" grpId="0" animBg="1"/>
+      <p:bldP spid="7" grpId="0" animBg="1"/>
+      <p:bldP spid="8" grpId="0"/>
+    </p:bldLst>
+  </p:timing>
+</p:sld>
+</file>
+
+<file path=ppt/slides/slide23.xml><?xml version="1.0" encoding="utf-8"?>
+<p:sld xmlns:a="http://schemas.openxmlformats.org/drawingml/2006/main" xmlns:r="http://schemas.openxmlformats.org/officeDocument/2006/relationships" xmlns:p="http://schemas.openxmlformats.org/presentationml/2006/main">
+  <p:cSld>
+    <p:spTree>
+      <p:nvGrpSpPr>
+        <p:cNvPr id="1" name=""/>
+        <p:cNvGrpSpPr/>
+        <p:nvPr/>
+      </p:nvGrpSpPr>
+      <p:grpSpPr>
+        <a:xfrm>
+          <a:off x="0" y="0"/>
+          <a:ext cx="0" cy="0"/>
+          <a:chOff x="0" y="0"/>
+          <a:chExt cx="0" cy="0"/>
+        </a:xfrm>
+      </p:grpSpPr>
+      <p:sp>
+        <p:nvSpPr>
           <p:cNvPr id="2" name="Rectangle 1">
             <a:extLst>
               <a:ext uri="{FF2B5EF4-FFF2-40B4-BE49-F238E27FC236}">
@@ -8504,7 +9407,7 @@
 </p:sld>
 </file>
 
-<file path=ppt/slides/slide22.xml><?xml version="1.0" encoding="utf-8"?>
+<file path=ppt/slides/slide24.xml><?xml version="1.0" encoding="utf-8"?>
 <p:sld xmlns:a="http://schemas.openxmlformats.org/drawingml/2006/main" xmlns:r="http://schemas.openxmlformats.org/officeDocument/2006/relationships" xmlns:p="http://schemas.openxmlformats.org/presentationml/2006/main">
   <p:cSld>
     <p:bg>
@@ -9113,10 +10016,10 @@
       </p:sp>
       <p:pic>
         <p:nvPicPr>
-          <p:cNvPr id="5" name="Picture 4">
-            <a:extLst>
-              <a:ext uri="{FF2B5EF4-FFF2-40B4-BE49-F238E27FC236}">
-                <a16:creationId xmlns:a16="http://schemas.microsoft.com/office/drawing/2014/main" id="{935EA35C-E9D0-E6F8-EB0E-7D82C671789F}"/>
+          <p:cNvPr id="4" name="Picture 3">
+            <a:extLst>
+              <a:ext uri="{FF2B5EF4-FFF2-40B4-BE49-F238E27FC236}">
+                <a16:creationId xmlns:a16="http://schemas.microsoft.com/office/drawing/2014/main" id="{3AA6CDA9-5F77-4708-906D-DDF3A82B1804}"/>
               </a:ext>
             </a:extLst>
           </p:cNvPr>
@@ -9133,8 +10036,8 @@
         </p:blipFill>
         <p:spPr>
           <a:xfrm>
-            <a:off x="5801524" y="-10234"/>
-            <a:ext cx="6390476" cy="6114286"/>
+            <a:off x="5785503" y="-10758"/>
+            <a:ext cx="6538097" cy="6161905"/>
           </a:xfrm>
           <a:prstGeom prst="rect">
             <a:avLst/>
@@ -9192,7 +10095,7 @@
 </p:sld>
 </file>
 
-<file path=ppt/slides/slide23.xml><?xml version="1.0" encoding="utf-8"?>
+<file path=ppt/slides/slide25.xml><?xml version="1.0" encoding="utf-8"?>
 <p:sld xmlns:a="http://schemas.openxmlformats.org/drawingml/2006/main" xmlns:r="http://schemas.openxmlformats.org/officeDocument/2006/relationships" xmlns:p="http://schemas.openxmlformats.org/presentationml/2006/main">
   <p:cSld>
     <p:spTree>
@@ -9401,7 +10304,7 @@
         </p:nvSpPr>
         <p:spPr>
           <a:xfrm>
-            <a:off x="8329618" y="22821"/>
+            <a:off x="8235614" y="83890"/>
             <a:ext cx="1711354" cy="369332"/>
           </a:xfrm>
           <a:prstGeom prst="rect">
@@ -9484,7 +10387,381 @@
 </p:sld>
 </file>
 
-<file path=ppt/slides/slide24.xml><?xml version="1.0" encoding="utf-8"?>
+<file path=ppt/slides/slide26.xml><?xml version="1.0" encoding="utf-8"?>
+<p:sld xmlns:a="http://schemas.openxmlformats.org/drawingml/2006/main" xmlns:r="http://schemas.openxmlformats.org/officeDocument/2006/relationships" xmlns:p="http://schemas.openxmlformats.org/presentationml/2006/main">
+  <p:cSld>
+    <p:spTree>
+      <p:nvGrpSpPr>
+        <p:cNvPr id="1" name=""/>
+        <p:cNvGrpSpPr/>
+        <p:nvPr/>
+      </p:nvGrpSpPr>
+      <p:grpSpPr>
+        <a:xfrm>
+          <a:off x="0" y="0"/>
+          <a:ext cx="0" cy="0"/>
+          <a:chOff x="0" y="0"/>
+          <a:chExt cx="0" cy="0"/>
+        </a:xfrm>
+      </p:grpSpPr>
+      <p:sp>
+        <p:nvSpPr>
+          <p:cNvPr id="2" name="TextBox 1">
+            <a:extLst>
+              <a:ext uri="{FF2B5EF4-FFF2-40B4-BE49-F238E27FC236}">
+                <a16:creationId xmlns:a16="http://schemas.microsoft.com/office/drawing/2014/main" id="{34CE312E-7EC8-2B61-8B02-42C7FE9FCAE6}"/>
+              </a:ext>
+            </a:extLst>
+          </p:cNvPr>
+          <p:cNvSpPr txBox="1"/>
+          <p:nvPr/>
+        </p:nvSpPr>
+        <p:spPr>
+          <a:xfrm>
+            <a:off x="324740" y="222191"/>
+            <a:ext cx="6221339" cy="646331"/>
+          </a:xfrm>
+          <a:prstGeom prst="rect">
+            <a:avLst/>
+          </a:prstGeom>
+          <a:noFill/>
+        </p:spPr>
+        <p:txBody>
+          <a:bodyPr wrap="square" rtlCol="0">
+            <a:spAutoFit/>
+          </a:bodyPr>
+          <a:lstStyle/>
+          <a:p>
+            <a:r>
+              <a:rPr lang="en-CA" dirty="0"/>
+              <a:t>What is a </a:t>
+            </a:r>
+            <a:r>
+              <a:rPr lang="en-CA" dirty="0">
+                <a:solidFill>
+                  <a:schemeClr val="accent2"/>
+                </a:solidFill>
+              </a:rPr>
+              <a:t>Abstract Factory Method</a:t>
+            </a:r>
+            <a:r>
+              <a:rPr lang="en-CA" dirty="0"/>
+              <a:t>?</a:t>
+            </a:r>
+          </a:p>
+          <a:p>
+            <a:endParaRPr lang="en-CA" dirty="0"/>
+          </a:p>
+        </p:txBody>
+      </p:sp>
+      <p:graphicFrame>
+        <p:nvGraphicFramePr>
+          <p:cNvPr id="3" name="Table 3">
+            <a:extLst>
+              <a:ext uri="{FF2B5EF4-FFF2-40B4-BE49-F238E27FC236}">
+                <a16:creationId xmlns:a16="http://schemas.microsoft.com/office/drawing/2014/main" id="{786EEA7D-D346-4591-6500-2EE426918785}"/>
+              </a:ext>
+            </a:extLst>
+          </p:cNvPr>
+          <p:cNvGraphicFramePr>
+            <a:graphicFrameLocks noGrp="1"/>
+          </p:cNvGraphicFramePr>
+          <p:nvPr>
+            <p:extLst>
+              <p:ext uri="{D42A27DB-BD31-4B8C-83A1-F6EECF244321}">
+                <p14:modId xmlns:p14="http://schemas.microsoft.com/office/powerpoint/2010/main" val="2528160732"/>
+              </p:ext>
+            </p:extLst>
+          </p:nvPr>
+        </p:nvGraphicFramePr>
+        <p:xfrm>
+          <a:off x="1963633" y="1840391"/>
+          <a:ext cx="8385324" cy="2416054"/>
+        </p:xfrm>
+        <a:graphic>
+          <a:graphicData uri="http://schemas.openxmlformats.org/drawingml/2006/table">
+            <a:tbl>
+              <a:tblPr firstRow="1" bandRow="1">
+                <a:tableStyleId>{7DF18680-E054-41AD-8BC1-D1AEF772440D}</a:tableStyleId>
+              </a:tblPr>
+              <a:tblGrid>
+                <a:gridCol w="2795108">
+                  <a:extLst>
+                    <a:ext uri="{9D8B030D-6E8A-4147-A177-3AD203B41FA5}">
+                      <a16:colId xmlns:a16="http://schemas.microsoft.com/office/drawing/2014/main" val="3472275078"/>
+                    </a:ext>
+                  </a:extLst>
+                </a:gridCol>
+                <a:gridCol w="2795108">
+                  <a:extLst>
+                    <a:ext uri="{9D8B030D-6E8A-4147-A177-3AD203B41FA5}">
+                      <a16:colId xmlns:a16="http://schemas.microsoft.com/office/drawing/2014/main" val="617316412"/>
+                    </a:ext>
+                  </a:extLst>
+                </a:gridCol>
+                <a:gridCol w="2795108">
+                  <a:extLst>
+                    <a:ext uri="{9D8B030D-6E8A-4147-A177-3AD203B41FA5}">
+                      <a16:colId xmlns:a16="http://schemas.microsoft.com/office/drawing/2014/main" val="412881521"/>
+                    </a:ext>
+                  </a:extLst>
+                </a:gridCol>
+              </a:tblGrid>
+              <a:tr h="792406">
+                <a:tc>
+                  <a:txBody>
+                    <a:bodyPr/>
+                    <a:lstStyle/>
+                    <a:p>
+                      <a:pPr algn="ctr"/>
+                      <a:endParaRPr lang="en-CA" dirty="0"/>
+                    </a:p>
+                  </a:txBody>
+                  <a:tcPr anchor="ctr"/>
+                </a:tc>
+                <a:tc>
+                  <a:txBody>
+                    <a:bodyPr/>
+                    <a:lstStyle/>
+                    <a:p>
+                      <a:pPr algn="ctr"/>
+                      <a:r>
+                        <a:rPr lang="en-CA" dirty="0"/>
+                        <a:t>Factory Method</a:t>
+                      </a:r>
+                    </a:p>
+                  </a:txBody>
+                  <a:tcPr anchor="ctr"/>
+                </a:tc>
+                <a:tc>
+                  <a:txBody>
+                    <a:bodyPr/>
+                    <a:lstStyle/>
+                    <a:p>
+                      <a:pPr algn="ctr"/>
+                      <a:r>
+                        <a:rPr lang="en-CA" dirty="0"/>
+                        <a:t>Abstract Factory</a:t>
+                      </a:r>
+                    </a:p>
+                  </a:txBody>
+                  <a:tcPr anchor="ctr"/>
+                </a:tc>
+                <a:extLst>
+                  <a:ext uri="{0D108BD9-81ED-4DB2-BD59-A6C34878D82A}">
+                    <a16:rowId xmlns:a16="http://schemas.microsoft.com/office/drawing/2014/main" val="1889805870"/>
+                  </a:ext>
+                </a:extLst>
+              </a:tr>
+              <a:tr h="792406">
+                <a:tc>
+                  <a:txBody>
+                    <a:bodyPr/>
+                    <a:lstStyle/>
+                    <a:p>
+                      <a:pPr algn="ctr"/>
+                      <a:r>
+                        <a:rPr lang="en-CA" dirty="0"/>
+                        <a:t>Factory</a:t>
+                      </a:r>
+                    </a:p>
+                  </a:txBody>
+                  <a:tcPr anchor="ctr"/>
+                </a:tc>
+                <a:tc>
+                  <a:txBody>
+                    <a:bodyPr/>
+                    <a:lstStyle/>
+                    <a:p>
+                      <a:pPr algn="l"/>
+                      <a:r>
+                        <a:rPr lang="en-CA" b="1" dirty="0">
+                          <a:solidFill>
+                            <a:schemeClr val="accent2"/>
+                          </a:solidFill>
+                        </a:rPr>
+                        <a:t>One</a:t>
+                      </a:r>
+                      <a:r>
+                        <a:rPr lang="en-CA" dirty="0"/>
+                        <a:t> Abstract Factory</a:t>
+                      </a:r>
+                    </a:p>
+                    <a:p>
+                      <a:pPr algn="l"/>
+                      <a:r>
+                        <a:rPr lang="en-CA" b="1" dirty="0">
+                          <a:solidFill>
+                            <a:schemeClr val="accent2"/>
+                          </a:solidFill>
+                        </a:rPr>
+                        <a:t>Many</a:t>
+                      </a:r>
+                      <a:r>
+                        <a:rPr lang="en-CA" dirty="0"/>
+                        <a:t> Concrete Factories</a:t>
+                      </a:r>
+                    </a:p>
+                  </a:txBody>
+                  <a:tcPr anchor="ctr"/>
+                </a:tc>
+                <a:tc>
+                  <a:txBody>
+                    <a:bodyPr/>
+                    <a:lstStyle/>
+                    <a:p>
+                      <a:pPr algn="l"/>
+                      <a:r>
+                        <a:rPr lang="en-US" altLang="zh-CN" b="1" dirty="0">
+                          <a:solidFill>
+                            <a:schemeClr val="accent2"/>
+                          </a:solidFill>
+                        </a:rPr>
+                        <a:t>One</a:t>
+                      </a:r>
+                      <a:r>
+                        <a:rPr lang="en-US" altLang="zh-CN" dirty="0"/>
+                        <a:t> Abstract Factory</a:t>
+                      </a:r>
+                    </a:p>
+                    <a:p>
+                      <a:pPr algn="l"/>
+                      <a:r>
+                        <a:rPr lang="en-US" b="1" dirty="0">
+                          <a:solidFill>
+                            <a:schemeClr val="accent2"/>
+                          </a:solidFill>
+                        </a:rPr>
+                        <a:t>Many</a:t>
+                      </a:r>
+                      <a:r>
+                        <a:rPr lang="en-US" dirty="0"/>
+                        <a:t> Concrete Factories</a:t>
+                      </a:r>
+                      <a:endParaRPr lang="en-CA" dirty="0"/>
+                    </a:p>
+                  </a:txBody>
+                  <a:tcPr anchor="ctr"/>
+                </a:tc>
+                <a:extLst>
+                  <a:ext uri="{0D108BD9-81ED-4DB2-BD59-A6C34878D82A}">
+                    <a16:rowId xmlns:a16="http://schemas.microsoft.com/office/drawing/2014/main" val="3372888808"/>
+                  </a:ext>
+                </a:extLst>
+              </a:tr>
+              <a:tr h="831242">
+                <a:tc>
+                  <a:txBody>
+                    <a:bodyPr/>
+                    <a:lstStyle/>
+                    <a:p>
+                      <a:pPr algn="ctr"/>
+                      <a:r>
+                        <a:rPr lang="en-CA" dirty="0"/>
+                        <a:t>Product</a:t>
+                      </a:r>
+                    </a:p>
+                  </a:txBody>
+                  <a:tcPr anchor="ctr"/>
+                </a:tc>
+                <a:tc>
+                  <a:txBody>
+                    <a:bodyPr/>
+                    <a:lstStyle/>
+                    <a:p>
+                      <a:pPr algn="l"/>
+                      <a:r>
+                        <a:rPr lang="en-CA" b="1" dirty="0">
+                          <a:solidFill>
+                            <a:schemeClr val="accent2"/>
+                          </a:solidFill>
+                        </a:rPr>
+                        <a:t>One</a:t>
+                      </a:r>
+                      <a:r>
+                        <a:rPr lang="en-CA" dirty="0"/>
+                        <a:t> Abstract Product</a:t>
+                      </a:r>
+                    </a:p>
+                    <a:p>
+                      <a:pPr algn="l"/>
+                      <a:r>
+                        <a:rPr lang="en-CA" b="1" dirty="0">
+                          <a:solidFill>
+                            <a:schemeClr val="accent2"/>
+                          </a:solidFill>
+                        </a:rPr>
+                        <a:t>Many</a:t>
+                      </a:r>
+                      <a:r>
+                        <a:rPr lang="en-CA" dirty="0"/>
+                        <a:t> Concrete Products</a:t>
+                      </a:r>
+                    </a:p>
+                  </a:txBody>
+                  <a:tcPr anchor="ctr"/>
+                </a:tc>
+                <a:tc>
+                  <a:txBody>
+                    <a:bodyPr/>
+                    <a:lstStyle/>
+                    <a:p>
+                      <a:pPr algn="l"/>
+                      <a:r>
+                        <a:rPr lang="en-CA" b="1" dirty="0">
+                          <a:solidFill>
+                            <a:schemeClr val="accent2"/>
+                          </a:solidFill>
+                        </a:rPr>
+                        <a:t>Many</a:t>
+                      </a:r>
+                      <a:r>
+                        <a:rPr lang="en-CA" dirty="0"/>
+                        <a:t> Abstract Products</a:t>
+                      </a:r>
+                    </a:p>
+                    <a:p>
+                      <a:pPr algn="l"/>
+                      <a:r>
+                        <a:rPr lang="en-CA" b="1" dirty="0">
+                          <a:solidFill>
+                            <a:schemeClr val="accent2"/>
+                          </a:solidFill>
+                        </a:rPr>
+                        <a:t>Many</a:t>
+                      </a:r>
+                      <a:r>
+                        <a:rPr lang="en-CA" dirty="0"/>
+                        <a:t> Concrete Products</a:t>
+                      </a:r>
+                    </a:p>
+                  </a:txBody>
+                  <a:tcPr anchor="ctr"/>
+                </a:tc>
+                <a:extLst>
+                  <a:ext uri="{0D108BD9-81ED-4DB2-BD59-A6C34878D82A}">
+                    <a16:rowId xmlns:a16="http://schemas.microsoft.com/office/drawing/2014/main" val="3023114053"/>
+                  </a:ext>
+                </a:extLst>
+              </a:tr>
+            </a:tbl>
+          </a:graphicData>
+        </a:graphic>
+      </p:graphicFrame>
+    </p:spTree>
+    <p:extLst>
+      <p:ext uri="{BB962C8B-B14F-4D97-AF65-F5344CB8AC3E}">
+        <p14:creationId xmlns:p14="http://schemas.microsoft.com/office/powerpoint/2010/main" val="303532759"/>
+      </p:ext>
+    </p:extLst>
+  </p:cSld>
+  <p:clrMapOvr>
+    <a:masterClrMapping/>
+  </p:clrMapOvr>
+</p:sld>
+</file>
+
+<file path=ppt/slides/slide27.xml><?xml version="1.0" encoding="utf-8"?>
 <p:sld xmlns:a="http://schemas.openxmlformats.org/drawingml/2006/main" xmlns:r="http://schemas.openxmlformats.org/officeDocument/2006/relationships" xmlns:p="http://schemas.openxmlformats.org/presentationml/2006/main">
   <p:cSld>
     <p:spTree>
@@ -9645,7 +10922,7 @@
 </p:sld>
 </file>
 
-<file path=ppt/slides/slide25.xml><?xml version="1.0" encoding="utf-8"?>
+<file path=ppt/slides/slide28.xml><?xml version="1.0" encoding="utf-8"?>
 <p:sld xmlns:a="http://schemas.openxmlformats.org/drawingml/2006/main" xmlns:r="http://schemas.openxmlformats.org/officeDocument/2006/relationships" xmlns:p="http://schemas.openxmlformats.org/presentationml/2006/main">
   <p:cSld>
     <p:spTree>
@@ -9963,8 +11240,8 @@
         </p:nvSpPr>
         <p:spPr>
           <a:xfrm>
-            <a:off x="1549101" y="3216536"/>
-            <a:ext cx="10305826" cy="646331"/>
+            <a:off x="493160" y="3216536"/>
+            <a:ext cx="11361767" cy="1384995"/>
           </a:xfrm>
           <a:prstGeom prst="rect">
             <a:avLst/>
@@ -9978,17 +11255,17 @@
           <a:lstStyle/>
           <a:p>
             <a:r>
-              <a:rPr lang="en-CA" dirty="0"/>
+              <a:rPr lang="en-CA" sz="2800" dirty="0"/>
               <a:t>Question: </a:t>
             </a:r>
           </a:p>
           <a:p>
             <a:r>
-              <a:rPr lang="en-CA" dirty="0"/>
+              <a:rPr lang="en-CA" sz="2800" dirty="0"/>
               <a:t>Please design a kindle that can open </a:t>
             </a:r>
             <a:r>
-              <a:rPr lang="en-CA" dirty="0">
+              <a:rPr lang="en-CA" sz="2800" dirty="0">
                 <a:solidFill>
                   <a:schemeClr val="accent2"/>
                 </a:solidFill>
@@ -9996,11 +11273,11 @@
               <a:t>3</a:t>
             </a:r>
             <a:r>
-              <a:rPr lang="en-CA" dirty="0"/>
+              <a:rPr lang="en-CA" sz="2800" dirty="0"/>
               <a:t> different types of documents, including: </a:t>
             </a:r>
             <a:r>
-              <a:rPr lang="en-CA" dirty="0">
+              <a:rPr lang="en-CA" sz="2800" dirty="0">
                 <a:solidFill>
                   <a:schemeClr val="accent2"/>
                 </a:solidFill>
@@ -10023,7 +11300,7 @@
 </p:sld>
 </file>
 
-<file path=ppt/slides/slide26.xml><?xml version="1.0" encoding="utf-8"?>
+<file path=ppt/slides/slide29.xml><?xml version="1.0" encoding="utf-8"?>
 <p:sld xmlns:a="http://schemas.openxmlformats.org/drawingml/2006/main" xmlns:r="http://schemas.openxmlformats.org/officeDocument/2006/relationships" xmlns:p="http://schemas.openxmlformats.org/presentationml/2006/main">
   <p:cSld>
     <p:spTree>
@@ -10100,7 +11377,184 @@
 </p:sld>
 </file>
 
-<file path=ppt/slides/slide27.xml><?xml version="1.0" encoding="utf-8"?>
+<file path=ppt/slides/slide3.xml><?xml version="1.0" encoding="utf-8"?>
+<p:sld xmlns:a="http://schemas.openxmlformats.org/drawingml/2006/main" xmlns:r="http://schemas.openxmlformats.org/officeDocument/2006/relationships" xmlns:p="http://schemas.openxmlformats.org/presentationml/2006/main">
+  <p:cSld>
+    <p:spTree>
+      <p:nvGrpSpPr>
+        <p:cNvPr id="1" name=""/>
+        <p:cNvGrpSpPr/>
+        <p:nvPr/>
+      </p:nvGrpSpPr>
+      <p:grpSpPr>
+        <a:xfrm>
+          <a:off x="0" y="0"/>
+          <a:ext cx="0" cy="0"/>
+          <a:chOff x="0" y="0"/>
+          <a:chExt cx="0" cy="0"/>
+        </a:xfrm>
+      </p:grpSpPr>
+      <p:sp>
+        <p:nvSpPr>
+          <p:cNvPr id="2" name="Title 1">
+            <a:extLst>
+              <a:ext uri="{FF2B5EF4-FFF2-40B4-BE49-F238E27FC236}">
+                <a16:creationId xmlns:a16="http://schemas.microsoft.com/office/drawing/2014/main" id="{5BAC672A-B040-664D-F834-3911C8CCFF93}"/>
+              </a:ext>
+            </a:extLst>
+          </p:cNvPr>
+          <p:cNvSpPr>
+            <a:spLocks noGrp="1"/>
+          </p:cNvSpPr>
+          <p:nvPr>
+            <p:ph type="title"/>
+          </p:nvPr>
+        </p:nvSpPr>
+        <p:spPr/>
+        <p:txBody>
+          <a:bodyPr/>
+          <a:lstStyle/>
+          <a:p>
+            <a:r>
+              <a:rPr lang="zh-CN" altLang="en-US" dirty="0"/>
+              <a:t>设计模式的六大原则</a:t>
+            </a:r>
+            <a:r>
+              <a:rPr lang="en-CA" altLang="zh-CN" dirty="0"/>
+              <a:t>- S.O.L.I.D</a:t>
+            </a:r>
+            <a:endParaRPr lang="en-CA" dirty="0"/>
+          </a:p>
+        </p:txBody>
+      </p:sp>
+      <p:sp>
+        <p:nvSpPr>
+          <p:cNvPr id="3" name="Content Placeholder 2">
+            <a:extLst>
+              <a:ext uri="{FF2B5EF4-FFF2-40B4-BE49-F238E27FC236}">
+                <a16:creationId xmlns:a16="http://schemas.microsoft.com/office/drawing/2014/main" id="{F9110975-98D8-B0B3-22F0-2514B07CF9A3}"/>
+              </a:ext>
+            </a:extLst>
+          </p:cNvPr>
+          <p:cNvSpPr>
+            <a:spLocks noGrp="1"/>
+          </p:cNvSpPr>
+          <p:nvPr>
+            <p:ph idx="1"/>
+          </p:nvPr>
+        </p:nvSpPr>
+        <p:spPr/>
+        <p:txBody>
+          <a:bodyPr/>
+          <a:lstStyle/>
+          <a:p>
+            <a:r>
+              <a:rPr lang="en-CA" dirty="0"/>
+              <a:t>Single Responsibility Principle </a:t>
+            </a:r>
+            <a:r>
+              <a:rPr lang="zh-CN" altLang="en-US" dirty="0"/>
+              <a:t>单一责任原则</a:t>
+            </a:r>
+            <a:endParaRPr lang="en-CA" altLang="zh-CN" dirty="0"/>
+          </a:p>
+          <a:p>
+            <a:r>
+              <a:rPr lang="en-CA" dirty="0"/>
+              <a:t>Open Close Principle </a:t>
+            </a:r>
+            <a:r>
+              <a:rPr lang="zh-CN" altLang="en-US" dirty="0"/>
+              <a:t>开放封闭原则</a:t>
+            </a:r>
+            <a:endParaRPr lang="en-CA" altLang="zh-CN" dirty="0"/>
+          </a:p>
+          <a:p>
+            <a:r>
+              <a:rPr lang="en-CA" dirty="0"/>
+              <a:t>Liskov Substitution Principle </a:t>
+            </a:r>
+            <a:r>
+              <a:rPr lang="zh-CN" altLang="en-US" dirty="0"/>
+              <a:t>里氏替换原则</a:t>
+            </a:r>
+            <a:endParaRPr lang="en-CA" altLang="zh-CN" dirty="0"/>
+          </a:p>
+          <a:p>
+            <a:r>
+              <a:rPr lang="en-CA" dirty="0"/>
+              <a:t>Interface Segregation Principle </a:t>
+            </a:r>
+            <a:r>
+              <a:rPr lang="zh-CN" altLang="en-US" dirty="0"/>
+              <a:t>接口分离原则</a:t>
+            </a:r>
+            <a:endParaRPr lang="en-CA" altLang="zh-CN" dirty="0"/>
+          </a:p>
+          <a:p>
+            <a:r>
+              <a:rPr lang="en-CA" dirty="0"/>
+              <a:t>Dependency Inversion Principle </a:t>
+            </a:r>
+            <a:r>
+              <a:rPr lang="zh-CN" altLang="en-US" dirty="0"/>
+              <a:t>依赖反转原则</a:t>
+            </a:r>
+          </a:p>
+          <a:p>
+            <a:r>
+              <a:rPr lang="en-CA" altLang="zh-CN" dirty="0"/>
+              <a:t>* </a:t>
+            </a:r>
+            <a:r>
+              <a:rPr lang="zh-CN" altLang="en-US" dirty="0"/>
+              <a:t>迪米特法则（最少知道原则）（</a:t>
+            </a:r>
+            <a:r>
+              <a:rPr lang="en-CA" altLang="zh-CN" dirty="0"/>
+              <a:t>Demeter Principle</a:t>
+            </a:r>
+            <a:r>
+              <a:rPr lang="zh-CN" altLang="en-CA" dirty="0"/>
+              <a:t>）</a:t>
+            </a:r>
+            <a:endParaRPr lang="en-CA" altLang="zh-CN" dirty="0"/>
+          </a:p>
+          <a:p>
+            <a:r>
+              <a:rPr lang="en-CA" altLang="zh-CN" dirty="0"/>
+              <a:t>* </a:t>
+            </a:r>
+            <a:r>
+              <a:rPr lang="zh-CN" altLang="en-US" dirty="0"/>
+              <a:t>合成复用原则（</a:t>
+            </a:r>
+            <a:r>
+              <a:rPr lang="en-CA" altLang="zh-CN" dirty="0"/>
+              <a:t>Composite Reuse Principle</a:t>
+            </a:r>
+            <a:r>
+              <a:rPr lang="zh-CN" altLang="en-CA" dirty="0"/>
+              <a:t>）</a:t>
+            </a:r>
+            <a:endParaRPr lang="zh-CN" altLang="en-US" dirty="0"/>
+          </a:p>
+        </p:txBody>
+      </p:sp>
+    </p:spTree>
+    <p:extLst>
+      <p:ext uri="{BB962C8B-B14F-4D97-AF65-F5344CB8AC3E}">
+        <p14:creationId xmlns:p14="http://schemas.microsoft.com/office/powerpoint/2010/main" val="314576399"/>
+      </p:ext>
+    </p:extLst>
+  </p:cSld>
+  <p:clrMapOvr>
+    <a:masterClrMapping/>
+  </p:clrMapOvr>
+</p:sld>
+</file>
+
+<file path=ppt/slides/slide30.xml><?xml version="1.0" encoding="utf-8"?>
 <p:sld xmlns:a="http://schemas.openxmlformats.org/drawingml/2006/main" xmlns:r="http://schemas.openxmlformats.org/officeDocument/2006/relationships" xmlns:p="http://schemas.openxmlformats.org/presentationml/2006/main">
   <p:cSld>
     <p:spTree>
@@ -10190,7 +11644,7 @@
 </p:sld>
 </file>
 
-<file path=ppt/slides/slide28.xml><?xml version="1.0" encoding="utf-8"?>
+<file path=ppt/slides/slide31.xml><?xml version="1.0" encoding="utf-8"?>
 <p:sld xmlns:a="http://schemas.openxmlformats.org/drawingml/2006/main" xmlns:r="http://schemas.openxmlformats.org/officeDocument/2006/relationships" xmlns:p="http://schemas.openxmlformats.org/presentationml/2006/main">
   <p:cSld>
     <p:bg>
@@ -10810,7 +12264,7 @@
 </p:sld>
 </file>
 
-<file path=ppt/slides/slide29.xml><?xml version="1.0" encoding="utf-8"?>
+<file path=ppt/slides/slide32.xml><?xml version="1.0" encoding="utf-8"?>
 <p:sld xmlns:a="http://schemas.openxmlformats.org/drawingml/2006/main" xmlns:r="http://schemas.openxmlformats.org/officeDocument/2006/relationships" xmlns:p="http://schemas.openxmlformats.org/presentationml/2006/main">
   <p:cSld>
     <p:spTree>
@@ -10936,7 +12390,7 @@
 </p:sld>
 </file>
 
-<file path=ppt/slides/slide3.xml><?xml version="1.0" encoding="utf-8"?>
+<file path=ppt/slides/slide33.xml><?xml version="1.0" encoding="utf-8"?>
 <p:sld xmlns:a="http://schemas.openxmlformats.org/drawingml/2006/main" xmlns:r="http://schemas.openxmlformats.org/officeDocument/2006/relationships" xmlns:p="http://schemas.openxmlformats.org/presentationml/2006/main">
   <p:cSld>
     <p:spTree>
@@ -10955,155 +12409,651 @@
       </p:grpSpPr>
       <p:sp>
         <p:nvSpPr>
-          <p:cNvPr id="2" name="Title 1">
-            <a:extLst>
-              <a:ext uri="{FF2B5EF4-FFF2-40B4-BE49-F238E27FC236}">
-                <a16:creationId xmlns:a16="http://schemas.microsoft.com/office/drawing/2014/main" id="{5BAC672A-B040-664D-F834-3911C8CCFF93}"/>
-              </a:ext>
-            </a:extLst>
-          </p:cNvPr>
-          <p:cNvSpPr>
-            <a:spLocks noGrp="1"/>
-          </p:cNvSpPr>
-          <p:nvPr>
-            <p:ph type="title"/>
-          </p:nvPr>
+          <p:cNvPr id="2" name="Rectangle 1">
+            <a:extLst>
+              <a:ext uri="{FF2B5EF4-FFF2-40B4-BE49-F238E27FC236}">
+                <a16:creationId xmlns:a16="http://schemas.microsoft.com/office/drawing/2014/main" id="{BF834D23-DC70-8225-B9C9-FABD5A877981}"/>
+              </a:ext>
+            </a:extLst>
+          </p:cNvPr>
+          <p:cNvSpPr/>
+          <p:nvPr/>
         </p:nvSpPr>
-        <p:spPr/>
+        <p:spPr>
+          <a:xfrm>
+            <a:off x="1631733" y="132695"/>
+            <a:ext cx="8928534" cy="923330"/>
+          </a:xfrm>
+          <a:prstGeom prst="rect">
+            <a:avLst/>
+          </a:prstGeom>
+          <a:noFill/>
+        </p:spPr>
         <p:txBody>
-          <a:bodyPr/>
+          <a:bodyPr wrap="none" lIns="91440" tIns="45720" rIns="91440" bIns="45720">
+            <a:spAutoFit/>
+          </a:bodyPr>
           <a:lstStyle/>
           <a:p>
-            <a:r>
-              <a:rPr lang="zh-CN" altLang="en-US" dirty="0"/>
-              <a:t>设计模式的六大原则</a:t>
-            </a:r>
-            <a:r>
-              <a:rPr lang="en-CA" altLang="zh-CN" dirty="0"/>
-              <a:t>- S.O.L.I.D</a:t>
-            </a:r>
-            <a:endParaRPr lang="en-CA" dirty="0"/>
+            <a:pPr algn="ctr"/>
+            <a:r>
+              <a:rPr lang="en-US" altLang="zh-CN" sz="5400" b="0" cap="none" spc="0" dirty="0">
+                <a:ln w="0"/>
+                <a:solidFill>
+                  <a:schemeClr val="tx1"/>
+                </a:solidFill>
+                <a:effectLst>
+                  <a:outerShdw blurRad="38100" dist="19050" dir="2700000" algn="tl" rotWithShape="0">
+                    <a:schemeClr val="dk1">
+                      <a:alpha val="40000"/>
+                    </a:schemeClr>
+                  </a:outerShdw>
+                </a:effectLst>
+              </a:rPr>
+              <a:t>Structural – Decoration Pattern</a:t>
+            </a:r>
+            <a:endParaRPr lang="en-US" sz="5400" b="0" cap="none" spc="0" dirty="0">
+              <a:ln w="0"/>
+              <a:solidFill>
+                <a:schemeClr val="tx1"/>
+              </a:solidFill>
+              <a:effectLst>
+                <a:outerShdw blurRad="38100" dist="19050" dir="2700000" algn="tl" rotWithShape="0">
+                  <a:schemeClr val="dk1">
+                    <a:alpha val="40000"/>
+                  </a:schemeClr>
+                </a:outerShdw>
+              </a:effectLst>
+            </a:endParaRPr>
           </a:p>
         </p:txBody>
       </p:sp>
       <p:sp>
         <p:nvSpPr>
-          <p:cNvPr id="3" name="Content Placeholder 2">
-            <a:extLst>
-              <a:ext uri="{FF2B5EF4-FFF2-40B4-BE49-F238E27FC236}">
-                <a16:creationId xmlns:a16="http://schemas.microsoft.com/office/drawing/2014/main" id="{F9110975-98D8-B0B3-22F0-2514B07CF9A3}"/>
-              </a:ext>
-            </a:extLst>
-          </p:cNvPr>
-          <p:cNvSpPr>
-            <a:spLocks noGrp="1"/>
-          </p:cNvSpPr>
-          <p:nvPr>
-            <p:ph idx="1"/>
-          </p:nvPr>
+          <p:cNvPr id="3" name="TextBox 2">
+            <a:extLst>
+              <a:ext uri="{FF2B5EF4-FFF2-40B4-BE49-F238E27FC236}">
+                <a16:creationId xmlns:a16="http://schemas.microsoft.com/office/drawing/2014/main" id="{7DA565B3-3A0A-1213-BA37-53AABF7886BA}"/>
+              </a:ext>
+            </a:extLst>
+          </p:cNvPr>
+          <p:cNvSpPr txBox="1"/>
+          <p:nvPr/>
         </p:nvSpPr>
-        <p:spPr/>
+        <p:spPr>
+          <a:xfrm>
+            <a:off x="788670" y="1337310"/>
+            <a:ext cx="10629900" cy="2677656"/>
+          </a:xfrm>
+          <a:prstGeom prst="rect">
+            <a:avLst/>
+          </a:prstGeom>
+          <a:noFill/>
+        </p:spPr>
         <p:txBody>
-          <a:bodyPr/>
+          <a:bodyPr wrap="square" rtlCol="0">
+            <a:spAutoFit/>
+          </a:bodyPr>
           <a:lstStyle/>
           <a:p>
             <a:r>
-              <a:rPr lang="en-CA" dirty="0"/>
-              <a:t>Single Responsibility Principle </a:t>
-            </a:r>
-            <a:r>
-              <a:rPr lang="zh-CN" altLang="en-US" dirty="0"/>
-              <a:t>单一责任原则</a:t>
-            </a:r>
-            <a:endParaRPr lang="en-CA" altLang="zh-CN" dirty="0"/>
-          </a:p>
-          <a:p>
-            <a:r>
-              <a:rPr lang="en-CA" dirty="0"/>
-              <a:t>Open Close Principle </a:t>
-            </a:r>
-            <a:r>
-              <a:rPr lang="zh-CN" altLang="en-US" dirty="0"/>
-              <a:t>开放封闭原则</a:t>
-            </a:r>
-            <a:endParaRPr lang="en-CA" altLang="zh-CN" dirty="0"/>
-          </a:p>
-          <a:p>
-            <a:r>
-              <a:rPr lang="en-CA" dirty="0"/>
-              <a:t>Liskov Substitution Principle </a:t>
-            </a:r>
-            <a:r>
-              <a:rPr lang="zh-CN" altLang="en-US" dirty="0"/>
-              <a:t>里氏替换原则</a:t>
-            </a:r>
-            <a:endParaRPr lang="en-CA" altLang="zh-CN" dirty="0"/>
-          </a:p>
-          <a:p>
-            <a:r>
-              <a:rPr lang="en-CA" dirty="0"/>
-              <a:t>Interface Segregation Principle </a:t>
-            </a:r>
-            <a:r>
-              <a:rPr lang="zh-CN" altLang="en-US" dirty="0"/>
-              <a:t>接口分离原则</a:t>
-            </a:r>
-            <a:endParaRPr lang="en-CA" altLang="zh-CN" dirty="0"/>
-          </a:p>
-          <a:p>
-            <a:r>
-              <a:rPr lang="en-CA" dirty="0"/>
-              <a:t>Dependency Inversion Principle </a:t>
-            </a:r>
-            <a:r>
-              <a:rPr lang="zh-CN" altLang="en-US" dirty="0"/>
-              <a:t>依赖反转原则</a:t>
-            </a:r>
-          </a:p>
-          <a:p>
-            <a:r>
-              <a:rPr lang="en-CA" altLang="zh-CN" dirty="0"/>
-              <a:t>* </a:t>
-            </a:r>
-            <a:r>
-              <a:rPr lang="zh-CN" altLang="en-US" dirty="0"/>
-              <a:t>迪米特法则（最少知道原则）（</a:t>
-            </a:r>
-            <a:r>
-              <a:rPr lang="en-CA" altLang="zh-CN" dirty="0"/>
-              <a:t>Demeter Principle</a:t>
-            </a:r>
-            <a:r>
-              <a:rPr lang="zh-CN" altLang="en-CA" dirty="0"/>
-              <a:t>）</a:t>
-            </a:r>
-            <a:endParaRPr lang="en-CA" altLang="zh-CN" dirty="0"/>
-          </a:p>
-          <a:p>
-            <a:r>
-              <a:rPr lang="en-CA" altLang="zh-CN" dirty="0"/>
-              <a:t>* </a:t>
-            </a:r>
-            <a:r>
-              <a:rPr lang="zh-CN" altLang="en-US" dirty="0"/>
-              <a:t>合成复用原则（</a:t>
-            </a:r>
-            <a:r>
-              <a:rPr lang="en-CA" altLang="zh-CN" dirty="0"/>
-              <a:t>Composite Reuse Principle</a:t>
-            </a:r>
-            <a:r>
-              <a:rPr lang="zh-CN" altLang="en-CA" dirty="0"/>
-              <a:t>）</a:t>
-            </a:r>
-            <a:endParaRPr lang="zh-CN" altLang="en-US" dirty="0"/>
+              <a:rPr lang="en-CA" sz="2400" dirty="0"/>
+              <a:t>The decorator pattern can be thought of as a wrapper or more formally a way to </a:t>
+            </a:r>
+            <a:r>
+              <a:rPr lang="en-CA" sz="2400" b="1" dirty="0"/>
+              <a:t>enhance or extend the behavior of an object dynamically</a:t>
+            </a:r>
+            <a:r>
+              <a:rPr lang="en-CA" sz="2400" dirty="0"/>
+              <a:t>. The pattern provides an </a:t>
+            </a:r>
+            <a:r>
+              <a:rPr lang="en-CA" sz="2400" b="1" dirty="0"/>
+              <a:t>alternative to subclassing</a:t>
+            </a:r>
+            <a:r>
+              <a:rPr lang="en-CA" sz="2400" dirty="0"/>
+              <a:t> when new functionality is desired.</a:t>
+            </a:r>
+          </a:p>
+          <a:p>
+            <a:endParaRPr lang="en-CA" sz="2400" dirty="0"/>
+          </a:p>
+          <a:p>
+            <a:endParaRPr lang="en-CA" sz="2400" dirty="0"/>
+          </a:p>
+          <a:p>
+            <a:r>
+              <a:rPr lang="en-CA" sz="2400" dirty="0"/>
+              <a:t>In short : The decorator </a:t>
+            </a:r>
+            <a:r>
+              <a:rPr lang="en-CA" sz="2400" b="1" dirty="0"/>
+              <a:t>adds behavior to the existing functionality </a:t>
+            </a:r>
+            <a:r>
+              <a:rPr lang="en-CA" sz="2400" dirty="0"/>
+              <a:t>of the wrapped object</a:t>
+            </a:r>
           </a:p>
         </p:txBody>
       </p:sp>
     </p:spTree>
     <p:extLst>
       <p:ext uri="{BB962C8B-B14F-4D97-AF65-F5344CB8AC3E}">
-        <p14:creationId xmlns:p14="http://schemas.microsoft.com/office/powerpoint/2010/main" val="314576399"/>
+        <p14:creationId xmlns:p14="http://schemas.microsoft.com/office/powerpoint/2010/main" val="2710166056"/>
+      </p:ext>
+    </p:extLst>
+  </p:cSld>
+  <p:clrMapOvr>
+    <a:masterClrMapping/>
+  </p:clrMapOvr>
+</p:sld>
+</file>
+
+<file path=ppt/slides/slide34.xml><?xml version="1.0" encoding="utf-8"?>
+<p:sld xmlns:a="http://schemas.openxmlformats.org/drawingml/2006/main" xmlns:r="http://schemas.openxmlformats.org/officeDocument/2006/relationships" xmlns:p="http://schemas.openxmlformats.org/presentationml/2006/main">
+  <p:cSld>
+    <p:spTree>
+      <p:nvGrpSpPr>
+        <p:cNvPr id="1" name=""/>
+        <p:cNvGrpSpPr/>
+        <p:nvPr/>
+      </p:nvGrpSpPr>
+      <p:grpSpPr>
+        <a:xfrm>
+          <a:off x="0" y="0"/>
+          <a:ext cx="0" cy="0"/>
+          <a:chOff x="0" y="0"/>
+          <a:chExt cx="0" cy="0"/>
+        </a:xfrm>
+      </p:grpSpPr>
+      <p:pic>
+        <p:nvPicPr>
+          <p:cNvPr id="2050" name="Picture 2">
+            <a:extLst>
+              <a:ext uri="{FF2B5EF4-FFF2-40B4-BE49-F238E27FC236}">
+                <a16:creationId xmlns:a16="http://schemas.microsoft.com/office/drawing/2014/main" id="{2202F326-A7EA-A67C-D680-31AEB793F2E8}"/>
+              </a:ext>
+            </a:extLst>
+          </p:cNvPr>
+          <p:cNvPicPr>
+            <a:picLocks noChangeAspect="1" noChangeArrowheads="1"/>
+          </p:cNvPicPr>
+          <p:nvPr/>
+        </p:nvPicPr>
+        <p:blipFill>
+          <a:blip r:embed="rId2">
+            <a:extLst>
+              <a:ext uri="{28A0092B-C50C-407E-A947-70E740481C1C}">
+                <a14:useLocalDpi xmlns:a14="http://schemas.microsoft.com/office/drawing/2010/main" val="0"/>
+              </a:ext>
+            </a:extLst>
+          </a:blip>
+          <a:srcRect/>
+          <a:stretch>
+            <a:fillRect/>
+          </a:stretch>
+        </p:blipFill>
+        <p:spPr bwMode="auto">
+          <a:xfrm>
+            <a:off x="1945586" y="178312"/>
+            <a:ext cx="9047747" cy="6501375"/>
+          </a:xfrm>
+          <a:prstGeom prst="rect">
+            <a:avLst/>
+          </a:prstGeom>
+          <a:noFill/>
+          <a:extLst>
+            <a:ext uri="{909E8E84-426E-40DD-AFC4-6F175D3DCCD1}">
+              <a14:hiddenFill xmlns:a14="http://schemas.microsoft.com/office/drawing/2010/main">
+                <a:solidFill>
+                  <a:srgbClr val="FFFFFF"/>
+                </a:solidFill>
+              </a14:hiddenFill>
+            </a:ext>
+          </a:extLst>
+        </p:spPr>
+      </p:pic>
+    </p:spTree>
+    <p:extLst>
+      <p:ext uri="{BB962C8B-B14F-4D97-AF65-F5344CB8AC3E}">
+        <p14:creationId xmlns:p14="http://schemas.microsoft.com/office/powerpoint/2010/main" val="2837500284"/>
+      </p:ext>
+    </p:extLst>
+  </p:cSld>
+  <p:clrMapOvr>
+    <a:masterClrMapping/>
+  </p:clrMapOvr>
+</p:sld>
+</file>
+
+<file path=ppt/slides/slide35.xml><?xml version="1.0" encoding="utf-8"?>
+<p:sld xmlns:a="http://schemas.openxmlformats.org/drawingml/2006/main" xmlns:r="http://schemas.openxmlformats.org/officeDocument/2006/relationships" xmlns:p="http://schemas.openxmlformats.org/presentationml/2006/main">
+  <p:cSld>
+    <p:spTree>
+      <p:nvGrpSpPr>
+        <p:cNvPr id="1" name=""/>
+        <p:cNvGrpSpPr/>
+        <p:nvPr/>
+      </p:nvGrpSpPr>
+      <p:grpSpPr>
+        <a:xfrm>
+          <a:off x="0" y="0"/>
+          <a:ext cx="0" cy="0"/>
+          <a:chOff x="0" y="0"/>
+          <a:chExt cx="0" cy="0"/>
+        </a:xfrm>
+      </p:grpSpPr>
+      <p:pic>
+        <p:nvPicPr>
+          <p:cNvPr id="3074" name="Picture 2">
+            <a:extLst>
+              <a:ext uri="{FF2B5EF4-FFF2-40B4-BE49-F238E27FC236}">
+                <a16:creationId xmlns:a16="http://schemas.microsoft.com/office/drawing/2014/main" id="{BC15172B-C958-CBE7-482D-3280B6CFF6CF}"/>
+              </a:ext>
+            </a:extLst>
+          </p:cNvPr>
+          <p:cNvPicPr>
+            <a:picLocks noChangeAspect="1" noChangeArrowheads="1"/>
+          </p:cNvPicPr>
+          <p:nvPr/>
+        </p:nvPicPr>
+        <p:blipFill>
+          <a:blip r:embed="rId2">
+            <a:extLst>
+              <a:ext uri="{28A0092B-C50C-407E-A947-70E740481C1C}">
+                <a14:useLocalDpi xmlns:a14="http://schemas.microsoft.com/office/drawing/2010/main" val="0"/>
+              </a:ext>
+            </a:extLst>
+          </a:blip>
+          <a:srcRect/>
+          <a:stretch>
+            <a:fillRect/>
+          </a:stretch>
+        </p:blipFill>
+        <p:spPr bwMode="auto">
+          <a:xfrm>
+            <a:off x="1758464" y="196515"/>
+            <a:ext cx="9705807" cy="6464969"/>
+          </a:xfrm>
+          <a:prstGeom prst="rect">
+            <a:avLst/>
+          </a:prstGeom>
+          <a:noFill/>
+          <a:extLst>
+            <a:ext uri="{909E8E84-426E-40DD-AFC4-6F175D3DCCD1}">
+              <a14:hiddenFill xmlns:a14="http://schemas.microsoft.com/office/drawing/2010/main">
+                <a:solidFill>
+                  <a:srgbClr val="FFFFFF"/>
+                </a:solidFill>
+              </a14:hiddenFill>
+            </a:ext>
+          </a:extLst>
+        </p:spPr>
+      </p:pic>
+    </p:spTree>
+    <p:extLst>
+      <p:ext uri="{BB962C8B-B14F-4D97-AF65-F5344CB8AC3E}">
+        <p14:creationId xmlns:p14="http://schemas.microsoft.com/office/powerpoint/2010/main" val="2970919889"/>
+      </p:ext>
+    </p:extLst>
+  </p:cSld>
+  <p:clrMapOvr>
+    <a:masterClrMapping/>
+  </p:clrMapOvr>
+</p:sld>
+</file>
+
+<file path=ppt/slides/slide36.xml><?xml version="1.0" encoding="utf-8"?>
+<p:sld xmlns:a="http://schemas.openxmlformats.org/drawingml/2006/main" xmlns:r="http://schemas.openxmlformats.org/officeDocument/2006/relationships" xmlns:p="http://schemas.openxmlformats.org/presentationml/2006/main">
+  <p:cSld>
+    <p:spTree>
+      <p:nvGrpSpPr>
+        <p:cNvPr id="1" name=""/>
+        <p:cNvGrpSpPr/>
+        <p:nvPr/>
+      </p:nvGrpSpPr>
+      <p:grpSpPr>
+        <a:xfrm>
+          <a:off x="0" y="0"/>
+          <a:ext cx="0" cy="0"/>
+          <a:chOff x="0" y="0"/>
+          <a:chExt cx="0" cy="0"/>
+        </a:xfrm>
+      </p:grpSpPr>
+      <p:sp>
+        <p:nvSpPr>
+          <p:cNvPr id="2" name="Rectangle 1">
+            <a:extLst>
+              <a:ext uri="{FF2B5EF4-FFF2-40B4-BE49-F238E27FC236}">
+                <a16:creationId xmlns:a16="http://schemas.microsoft.com/office/drawing/2014/main" id="{0DBB6069-935A-770E-0A40-DEFEBD3FAB54}"/>
+              </a:ext>
+            </a:extLst>
+          </p:cNvPr>
+          <p:cNvSpPr/>
+          <p:nvPr/>
+        </p:nvSpPr>
+        <p:spPr>
+          <a:xfrm>
+            <a:off x="2391749" y="0"/>
+            <a:ext cx="6741526" cy="2585323"/>
+          </a:xfrm>
+          <a:prstGeom prst="rect">
+            <a:avLst/>
+          </a:prstGeom>
+          <a:noFill/>
+        </p:spPr>
+        <p:txBody>
+          <a:bodyPr wrap="none" lIns="91440" tIns="45720" rIns="91440" bIns="45720">
+            <a:spAutoFit/>
+          </a:bodyPr>
+          <a:lstStyle/>
+          <a:p>
+            <a:pPr algn="ctr"/>
+            <a:r>
+              <a:rPr lang="en-US" sz="5400" b="0" cap="none" spc="0" dirty="0">
+                <a:ln w="0"/>
+                <a:gradFill>
+                  <a:gsLst>
+                    <a:gs pos="0">
+                      <a:schemeClr val="accent5">
+                        <a:lumMod val="50000"/>
+                      </a:schemeClr>
+                    </a:gs>
+                    <a:gs pos="50000">
+                      <a:schemeClr val="accent5"/>
+                    </a:gs>
+                    <a:gs pos="100000">
+                      <a:schemeClr val="accent5">
+                        <a:lumMod val="60000"/>
+                        <a:lumOff val="40000"/>
+                      </a:schemeClr>
+                    </a:gs>
+                  </a:gsLst>
+                  <a:lin ang="5400000"/>
+                </a:gradFill>
+                <a:effectLst>
+                  <a:reflection blurRad="6350" stA="53000" endA="300" endPos="35500" dir="5400000" sy="-90000" algn="bl" rotWithShape="0"/>
+                </a:effectLst>
+              </a:rPr>
+              <a:t>Object Oriented Design</a:t>
+            </a:r>
+          </a:p>
+          <a:p>
+            <a:pPr algn="ctr"/>
+            <a:r>
+              <a:rPr lang="en-US" altLang="zh-CN" sz="5400" b="0" cap="none" spc="0" dirty="0">
+                <a:ln w="0"/>
+                <a:gradFill>
+                  <a:gsLst>
+                    <a:gs pos="0">
+                      <a:schemeClr val="accent5">
+                        <a:lumMod val="50000"/>
+                      </a:schemeClr>
+                    </a:gs>
+                    <a:gs pos="50000">
+                      <a:schemeClr val="accent5"/>
+                    </a:gs>
+                    <a:gs pos="100000">
+                      <a:schemeClr val="accent5">
+                        <a:lumMod val="60000"/>
+                        <a:lumOff val="40000"/>
+                      </a:schemeClr>
+                    </a:gs>
+                  </a:gsLst>
+                  <a:lin ang="5400000"/>
+                </a:gradFill>
+                <a:effectLst>
+                  <a:reflection blurRad="6350" stA="53000" endA="300" endPos="35500" dir="5400000" sy="-90000" algn="bl" rotWithShape="0"/>
+                </a:effectLst>
+              </a:rPr>
+              <a:t>·</a:t>
+            </a:r>
+          </a:p>
+          <a:p>
+            <a:pPr algn="ctr"/>
+            <a:r>
+              <a:rPr lang="en-US" altLang="zh-CN" sz="5400" dirty="0">
+                <a:ln w="0"/>
+                <a:gradFill>
+                  <a:gsLst>
+                    <a:gs pos="0">
+                      <a:schemeClr val="accent5">
+                        <a:lumMod val="50000"/>
+                      </a:schemeClr>
+                    </a:gs>
+                    <a:gs pos="50000">
+                      <a:schemeClr val="accent5"/>
+                    </a:gs>
+                    <a:gs pos="100000">
+                      <a:schemeClr val="accent5">
+                        <a:lumMod val="60000"/>
+                        <a:lumOff val="40000"/>
+                      </a:schemeClr>
+                    </a:gs>
+                  </a:gsLst>
+                  <a:lin ang="5400000"/>
+                </a:gradFill>
+                <a:effectLst>
+                  <a:reflection blurRad="6350" stA="53000" endA="300" endPos="35500" dir="5400000" sy="-90000" algn="bl" rotWithShape="0"/>
+                </a:effectLst>
+              </a:rPr>
+              <a:t>Design </a:t>
+            </a:r>
+            <a:r>
+              <a:rPr lang="en-CA" altLang="zh-CN" sz="5400" dirty="0">
+                <a:ln w="0"/>
+                <a:gradFill>
+                  <a:gsLst>
+                    <a:gs pos="0">
+                      <a:schemeClr val="accent5">
+                        <a:lumMod val="50000"/>
+                      </a:schemeClr>
+                    </a:gs>
+                    <a:gs pos="50000">
+                      <a:schemeClr val="accent5"/>
+                    </a:gs>
+                    <a:gs pos="100000">
+                      <a:schemeClr val="accent5">
+                        <a:lumMod val="60000"/>
+                        <a:lumOff val="40000"/>
+                      </a:schemeClr>
+                    </a:gs>
+                  </a:gsLst>
+                  <a:lin ang="5400000"/>
+                </a:gradFill>
+                <a:effectLst>
+                  <a:reflection blurRad="6350" stA="53000" endA="300" endPos="35500" dir="5400000" sy="-90000" algn="bl" rotWithShape="0"/>
+                </a:effectLst>
+              </a:rPr>
+              <a:t>a</a:t>
+            </a:r>
+            <a:r>
+              <a:rPr lang="zh-CN" altLang="en-US" sz="5400" dirty="0">
+                <a:ln w="0"/>
+                <a:gradFill>
+                  <a:gsLst>
+                    <a:gs pos="0">
+                      <a:schemeClr val="accent5">
+                        <a:lumMod val="50000"/>
+                      </a:schemeClr>
+                    </a:gs>
+                    <a:gs pos="50000">
+                      <a:schemeClr val="accent5"/>
+                    </a:gs>
+                    <a:gs pos="100000">
+                      <a:schemeClr val="accent5">
+                        <a:lumMod val="60000"/>
+                        <a:lumOff val="40000"/>
+                      </a:schemeClr>
+                    </a:gs>
+                  </a:gsLst>
+                  <a:lin ang="5400000"/>
+                </a:gradFill>
+                <a:effectLst>
+                  <a:reflection blurRad="6350" stA="53000" endA="300" endPos="35500" dir="5400000" sy="-90000" algn="bl" rotWithShape="0"/>
+                </a:effectLst>
+              </a:rPr>
+              <a:t> </a:t>
+            </a:r>
+            <a:r>
+              <a:rPr lang="en-CA" altLang="zh-CN" sz="5400" dirty="0">
+                <a:ln w="0"/>
+                <a:gradFill>
+                  <a:gsLst>
+                    <a:gs pos="0">
+                      <a:schemeClr val="accent5">
+                        <a:lumMod val="50000"/>
+                      </a:schemeClr>
+                    </a:gs>
+                    <a:gs pos="50000">
+                      <a:schemeClr val="accent5"/>
+                    </a:gs>
+                    <a:gs pos="100000">
+                      <a:schemeClr val="accent5">
+                        <a:lumMod val="60000"/>
+                        <a:lumOff val="40000"/>
+                      </a:schemeClr>
+                    </a:gs>
+                  </a:gsLst>
+                  <a:lin ang="5400000"/>
+                </a:gradFill>
+                <a:effectLst>
+                  <a:reflection blurRad="6350" stA="53000" endA="300" endPos="35500" dir="5400000" sy="-90000" algn="bl" rotWithShape="0"/>
+                </a:effectLst>
+              </a:rPr>
+              <a:t>Coffee Maker</a:t>
+            </a:r>
+            <a:endParaRPr lang="en-US" sz="5400" b="0" cap="none" spc="0" dirty="0">
+              <a:ln w="0"/>
+              <a:gradFill>
+                <a:gsLst>
+                  <a:gs pos="0">
+                    <a:schemeClr val="accent5">
+                      <a:lumMod val="50000"/>
+                    </a:schemeClr>
+                  </a:gs>
+                  <a:gs pos="50000">
+                    <a:schemeClr val="accent5"/>
+                  </a:gs>
+                  <a:gs pos="100000">
+                    <a:schemeClr val="accent5">
+                      <a:lumMod val="60000"/>
+                      <a:lumOff val="40000"/>
+                    </a:schemeClr>
+                  </a:gs>
+                </a:gsLst>
+                <a:lin ang="5400000"/>
+              </a:gradFill>
+              <a:effectLst>
+                <a:reflection blurRad="6350" stA="53000" endA="300" endPos="35500" dir="5400000" sy="-90000" algn="bl" rotWithShape="0"/>
+              </a:effectLst>
+            </a:endParaRPr>
+          </a:p>
+        </p:txBody>
+      </p:sp>
+      <p:sp>
+        <p:nvSpPr>
+          <p:cNvPr id="3" name="TextBox 2">
+            <a:extLst>
+              <a:ext uri="{FF2B5EF4-FFF2-40B4-BE49-F238E27FC236}">
+                <a16:creationId xmlns:a16="http://schemas.microsoft.com/office/drawing/2014/main" id="{5420072D-D8F3-B8A4-A9AD-D3DD8278C6BC}"/>
+              </a:ext>
+            </a:extLst>
+          </p:cNvPr>
+          <p:cNvSpPr txBox="1"/>
+          <p:nvPr/>
+        </p:nvSpPr>
+        <p:spPr>
+          <a:xfrm>
+            <a:off x="493160" y="3216536"/>
+            <a:ext cx="11361767" cy="2677656"/>
+          </a:xfrm>
+          <a:prstGeom prst="rect">
+            <a:avLst/>
+          </a:prstGeom>
+          <a:noFill/>
+        </p:spPr>
+        <p:txBody>
+          <a:bodyPr wrap="square" rtlCol="0">
+            <a:spAutoFit/>
+          </a:bodyPr>
+          <a:lstStyle/>
+          <a:p>
+            <a:r>
+              <a:rPr lang="en-CA" sz="2800" dirty="0"/>
+              <a:t>Question: </a:t>
+            </a:r>
+          </a:p>
+          <a:p>
+            <a:r>
+              <a:rPr lang="en-CA" sz="2800" dirty="0"/>
+              <a:t>Please design a coffee maker that can input a coffee pack and output a cup of coffee</a:t>
+            </a:r>
+          </a:p>
+          <a:p>
+            <a:pPr marL="914400" lvl="1" indent="-457200">
+              <a:buFont typeface="Arial" panose="020B0604020202020204" pitchFamily="34" charset="0"/>
+              <a:buChar char="•"/>
+            </a:pPr>
+            <a:r>
+              <a:rPr lang="en-CA" sz="2800" dirty="0">
+                <a:solidFill>
+                  <a:schemeClr val="accent2"/>
+                </a:solidFill>
+              </a:rPr>
+              <a:t>Each Coffee Pack has </a:t>
+            </a:r>
+            <a:r>
+              <a:rPr lang="en-US" altLang="zh-CN" sz="2800" dirty="0">
+                <a:solidFill>
+                  <a:schemeClr val="accent2"/>
+                </a:solidFill>
+              </a:rPr>
+              <a:t>recipe that includes Sugar and Milk</a:t>
+            </a:r>
+          </a:p>
+          <a:p>
+            <a:pPr marL="914400" lvl="1" indent="-457200">
+              <a:buFont typeface="Arial" panose="020B0604020202020204" pitchFamily="34" charset="0"/>
+              <a:buChar char="•"/>
+            </a:pPr>
+            <a:r>
+              <a:rPr lang="en-US" sz="2800" dirty="0">
+                <a:solidFill>
+                  <a:schemeClr val="accent2"/>
+                </a:solidFill>
+              </a:rPr>
+              <a:t>The cost of normal coffee is $2, for each ingredients, add $0.5</a:t>
+            </a:r>
+          </a:p>
+          <a:p>
+            <a:pPr marL="914400" lvl="1" indent="-457200">
+              <a:buFont typeface="Arial" panose="020B0604020202020204" pitchFamily="34" charset="0"/>
+              <a:buChar char="•"/>
+            </a:pPr>
+            <a:r>
+              <a:rPr lang="en-US" sz="2800" dirty="0">
+                <a:solidFill>
+                  <a:schemeClr val="accent2"/>
+                </a:solidFill>
+              </a:rPr>
+              <a:t>Please use Decoration Design Pattern</a:t>
+            </a:r>
+            <a:endParaRPr lang="en-CA" sz="2800" dirty="0">
+              <a:solidFill>
+                <a:schemeClr val="accent2"/>
+              </a:solidFill>
+            </a:endParaRPr>
+          </a:p>
+        </p:txBody>
+      </p:sp>
+    </p:spTree>
+    <p:extLst>
+      <p:ext uri="{BB962C8B-B14F-4D97-AF65-F5344CB8AC3E}">
+        <p14:creationId xmlns:p14="http://schemas.microsoft.com/office/powerpoint/2010/main" val="1986748198"/>
       </p:ext>
     </p:extLst>
   </p:cSld>

--- a/赫桑的算法宝典/4.技术文章/Design Patterns and OOD.pptx
+++ b/赫桑的算法宝典/4.技术文章/Design Patterns and OOD.pptx
@@ -30,8 +30,8 @@
     <p:sldId id="275" r:id="rId24"/>
     <p:sldId id="276" r:id="rId25"/>
     <p:sldId id="285" r:id="rId26"/>
-    <p:sldId id="294" r:id="rId27"/>
-    <p:sldId id="286" r:id="rId28"/>
+    <p:sldId id="286" r:id="rId27"/>
+    <p:sldId id="294" r:id="rId28"/>
     <p:sldId id="277" r:id="rId29"/>
     <p:sldId id="287" r:id="rId30"/>
     <p:sldId id="279" r:id="rId31"/>
@@ -3486,7 +3486,7 @@
 </file>
 
 <file path=ppt/slides/slide10.xml><?xml version="1.0" encoding="utf-8"?>
-<p:sld xmlns:a="http://schemas.openxmlformats.org/drawingml/2006/main" xmlns:r="http://schemas.openxmlformats.org/officeDocument/2006/relationships" xmlns:p="http://schemas.openxmlformats.org/presentationml/2006/main">
+<p:sld xmlns:a="http://schemas.openxmlformats.org/drawingml/2006/main" xmlns:r="http://schemas.openxmlformats.org/officeDocument/2006/relationships" xmlns:p="http://schemas.openxmlformats.org/presentationml/2006/main" show="0">
   <p:cSld>
     <p:spTree>
       <p:nvGrpSpPr>
@@ -3671,7 +3671,7 @@
 </file>
 
 <file path=ppt/slides/slide11.xml><?xml version="1.0" encoding="utf-8"?>
-<p:sld xmlns:a="http://schemas.openxmlformats.org/drawingml/2006/main" xmlns:r="http://schemas.openxmlformats.org/officeDocument/2006/relationships" xmlns:p="http://schemas.openxmlformats.org/presentationml/2006/main">
+<p:sld xmlns:a="http://schemas.openxmlformats.org/drawingml/2006/main" xmlns:r="http://schemas.openxmlformats.org/officeDocument/2006/relationships" xmlns:p="http://schemas.openxmlformats.org/presentationml/2006/main" show="0">
   <p:cSld>
     <p:spTree>
       <p:nvGrpSpPr>
@@ -4052,7 +4052,7 @@
 </file>
 
 <file path=ppt/slides/slide12.xml><?xml version="1.0" encoding="utf-8"?>
-<p:sld xmlns:a="http://schemas.openxmlformats.org/drawingml/2006/main" xmlns:r="http://schemas.openxmlformats.org/officeDocument/2006/relationships" xmlns:p="http://schemas.openxmlformats.org/presentationml/2006/main">
+<p:sld xmlns:a="http://schemas.openxmlformats.org/drawingml/2006/main" xmlns:r="http://schemas.openxmlformats.org/officeDocument/2006/relationships" xmlns:p="http://schemas.openxmlformats.org/presentationml/2006/main" show="0">
   <p:cSld>
     <p:bg>
       <p:bgPr>
@@ -4664,7 +4664,7 @@
 </file>
 
 <file path=ppt/slides/slide13.xml><?xml version="1.0" encoding="utf-8"?>
-<p:sld xmlns:a="http://schemas.openxmlformats.org/drawingml/2006/main" xmlns:r="http://schemas.openxmlformats.org/officeDocument/2006/relationships" xmlns:p="http://schemas.openxmlformats.org/presentationml/2006/main">
+<p:sld xmlns:a="http://schemas.openxmlformats.org/drawingml/2006/main" xmlns:r="http://schemas.openxmlformats.org/officeDocument/2006/relationships" xmlns:p="http://schemas.openxmlformats.org/presentationml/2006/main" show="0">
   <p:cSld>
     <p:bg>
       <p:bgPr>
@@ -5251,7 +5251,7 @@
 </file>
 
 <file path=ppt/slides/slide14.xml><?xml version="1.0" encoding="utf-8"?>
-<p:sld xmlns:a="http://schemas.openxmlformats.org/drawingml/2006/main" xmlns:r="http://schemas.openxmlformats.org/officeDocument/2006/relationships" xmlns:p="http://schemas.openxmlformats.org/presentationml/2006/main">
+<p:sld xmlns:a="http://schemas.openxmlformats.org/drawingml/2006/main" xmlns:r="http://schemas.openxmlformats.org/officeDocument/2006/relationships" xmlns:p="http://schemas.openxmlformats.org/presentationml/2006/main" show="0">
   <p:cSld>
     <p:spTree>
       <p:nvGrpSpPr>
@@ -5448,7 +5448,7 @@
 </file>
 
 <file path=ppt/slides/slide15.xml><?xml version="1.0" encoding="utf-8"?>
-<p:sld xmlns:a="http://schemas.openxmlformats.org/drawingml/2006/main" xmlns:r="http://schemas.openxmlformats.org/officeDocument/2006/relationships" xmlns:p="http://schemas.openxmlformats.org/presentationml/2006/main">
+<p:sld xmlns:a="http://schemas.openxmlformats.org/drawingml/2006/main" xmlns:r="http://schemas.openxmlformats.org/officeDocument/2006/relationships" xmlns:p="http://schemas.openxmlformats.org/presentationml/2006/main" show="0">
   <p:cSld>
     <p:spTree>
       <p:nvGrpSpPr>
@@ -10388,6 +10388,167 @@
 </file>
 
 <file path=ppt/slides/slide26.xml><?xml version="1.0" encoding="utf-8"?>
+<p:sld xmlns:a="http://schemas.openxmlformats.org/drawingml/2006/main" xmlns:r="http://schemas.openxmlformats.org/officeDocument/2006/relationships" xmlns:p="http://schemas.openxmlformats.org/presentationml/2006/main">
+  <p:cSld>
+    <p:spTree>
+      <p:nvGrpSpPr>
+        <p:cNvPr id="1" name=""/>
+        <p:cNvGrpSpPr/>
+        <p:nvPr/>
+      </p:nvGrpSpPr>
+      <p:grpSpPr>
+        <a:xfrm>
+          <a:off x="0" y="0"/>
+          <a:ext cx="0" cy="0"/>
+          <a:chOff x="0" y="0"/>
+          <a:chExt cx="0" cy="0"/>
+        </a:xfrm>
+      </p:grpSpPr>
+      <p:pic>
+        <p:nvPicPr>
+          <p:cNvPr id="2050" name="Picture 2">
+            <a:extLst>
+              <a:ext uri="{FF2B5EF4-FFF2-40B4-BE49-F238E27FC236}">
+                <a16:creationId xmlns:a16="http://schemas.microsoft.com/office/drawing/2014/main" id="{99539578-1F98-0036-FF53-188DA633102E}"/>
+              </a:ext>
+            </a:extLst>
+          </p:cNvPr>
+          <p:cNvPicPr>
+            <a:picLocks noChangeAspect="1" noChangeArrowheads="1"/>
+          </p:cNvPicPr>
+          <p:nvPr/>
+        </p:nvPicPr>
+        <p:blipFill>
+          <a:blip r:embed="rId2">
+            <a:extLst>
+              <a:ext uri="{28A0092B-C50C-407E-A947-70E740481C1C}">
+                <a14:useLocalDpi xmlns:a14="http://schemas.microsoft.com/office/drawing/2010/main" val="0"/>
+              </a:ext>
+            </a:extLst>
+          </a:blip>
+          <a:srcRect/>
+          <a:stretch>
+            <a:fillRect/>
+          </a:stretch>
+        </p:blipFill>
+        <p:spPr bwMode="auto">
+          <a:xfrm>
+            <a:off x="1553378" y="-51180"/>
+            <a:ext cx="8957217" cy="6909180"/>
+          </a:xfrm>
+          <a:prstGeom prst="rect">
+            <a:avLst/>
+          </a:prstGeom>
+          <a:noFill/>
+          <a:extLst>
+            <a:ext uri="{909E8E84-426E-40DD-AFC4-6F175D3DCCD1}">
+              <a14:hiddenFill xmlns:a14="http://schemas.microsoft.com/office/drawing/2010/main">
+                <a:solidFill>
+                  <a:srgbClr val="FFFFFF"/>
+                </a:solidFill>
+              </a14:hiddenFill>
+            </a:ext>
+          </a:extLst>
+        </p:spPr>
+      </p:pic>
+      <p:sp>
+        <p:nvSpPr>
+          <p:cNvPr id="3" name="文本框 2">
+            <a:extLst>
+              <a:ext uri="{FF2B5EF4-FFF2-40B4-BE49-F238E27FC236}">
+                <a16:creationId xmlns:a16="http://schemas.microsoft.com/office/drawing/2014/main" id="{15F2BC72-44D8-0BB0-FE8F-5A3085038116}"/>
+              </a:ext>
+            </a:extLst>
+          </p:cNvPr>
+          <p:cNvSpPr txBox="1"/>
+          <p:nvPr/>
+        </p:nvSpPr>
+        <p:spPr>
+          <a:xfrm>
+            <a:off x="2525455" y="189192"/>
+            <a:ext cx="1711354" cy="369332"/>
+          </a:xfrm>
+          <a:prstGeom prst="rect">
+            <a:avLst/>
+          </a:prstGeom>
+          <a:noFill/>
+        </p:spPr>
+        <p:txBody>
+          <a:bodyPr wrap="square" rtlCol="0">
+            <a:spAutoFit/>
+          </a:bodyPr>
+          <a:lstStyle/>
+          <a:p>
+            <a:r>
+              <a:rPr lang="en-US" altLang="zh-CN" dirty="0">
+                <a:ln w="0"/>
+                <a:gradFill>
+                  <a:gsLst>
+                    <a:gs pos="0">
+                      <a:schemeClr val="accent5">
+                        <a:lumMod val="50000"/>
+                      </a:schemeClr>
+                    </a:gs>
+                    <a:gs pos="50000">
+                      <a:schemeClr val="accent5"/>
+                    </a:gs>
+                    <a:gs pos="100000">
+                      <a:schemeClr val="accent5">
+                        <a:lumMod val="60000"/>
+                        <a:lumOff val="40000"/>
+                      </a:schemeClr>
+                    </a:gs>
+                  </a:gsLst>
+                  <a:lin ang="5400000"/>
+                </a:gradFill>
+                <a:effectLst>
+                  <a:reflection blurRad="6350" stA="53000" endA="300" endPos="35500" dir="5400000" sy="-90000" algn="bl" rotWithShape="0"/>
+                </a:effectLst>
+              </a:rPr>
+              <a:t>Abstract Factory</a:t>
+            </a:r>
+            <a:endParaRPr lang="zh-CN" altLang="en-US" dirty="0">
+              <a:ln w="0"/>
+              <a:gradFill>
+                <a:gsLst>
+                  <a:gs pos="0">
+                    <a:schemeClr val="accent5">
+                      <a:lumMod val="50000"/>
+                    </a:schemeClr>
+                  </a:gs>
+                  <a:gs pos="50000">
+                    <a:schemeClr val="accent5"/>
+                  </a:gs>
+                  <a:gs pos="100000">
+                    <a:schemeClr val="accent5">
+                      <a:lumMod val="60000"/>
+                      <a:lumOff val="40000"/>
+                    </a:schemeClr>
+                  </a:gs>
+                </a:gsLst>
+                <a:lin ang="5400000"/>
+              </a:gradFill>
+              <a:effectLst>
+                <a:reflection blurRad="6350" stA="53000" endA="300" endPos="35500" dir="5400000" sy="-90000" algn="bl" rotWithShape="0"/>
+              </a:effectLst>
+            </a:endParaRPr>
+          </a:p>
+        </p:txBody>
+      </p:sp>
+    </p:spTree>
+    <p:extLst>
+      <p:ext uri="{BB962C8B-B14F-4D97-AF65-F5344CB8AC3E}">
+        <p14:creationId xmlns:p14="http://schemas.microsoft.com/office/powerpoint/2010/main" val="228876360"/>
+      </p:ext>
+    </p:extLst>
+  </p:cSld>
+  <p:clrMapOvr>
+    <a:masterClrMapping/>
+  </p:clrMapOvr>
+</p:sld>
+</file>
+
+<file path=ppt/slides/slide27.xml><?xml version="1.0" encoding="utf-8"?>
 <p:sld xmlns:a="http://schemas.openxmlformats.org/drawingml/2006/main" xmlns:r="http://schemas.openxmlformats.org/officeDocument/2006/relationships" xmlns:p="http://schemas.openxmlformats.org/presentationml/2006/main">
   <p:cSld>
     <p:spTree>
@@ -10761,167 +10922,6 @@
 </p:sld>
 </file>
 
-<file path=ppt/slides/slide27.xml><?xml version="1.0" encoding="utf-8"?>
-<p:sld xmlns:a="http://schemas.openxmlformats.org/drawingml/2006/main" xmlns:r="http://schemas.openxmlformats.org/officeDocument/2006/relationships" xmlns:p="http://schemas.openxmlformats.org/presentationml/2006/main">
-  <p:cSld>
-    <p:spTree>
-      <p:nvGrpSpPr>
-        <p:cNvPr id="1" name=""/>
-        <p:cNvGrpSpPr/>
-        <p:nvPr/>
-      </p:nvGrpSpPr>
-      <p:grpSpPr>
-        <a:xfrm>
-          <a:off x="0" y="0"/>
-          <a:ext cx="0" cy="0"/>
-          <a:chOff x="0" y="0"/>
-          <a:chExt cx="0" cy="0"/>
-        </a:xfrm>
-      </p:grpSpPr>
-      <p:pic>
-        <p:nvPicPr>
-          <p:cNvPr id="2050" name="Picture 2">
-            <a:extLst>
-              <a:ext uri="{FF2B5EF4-FFF2-40B4-BE49-F238E27FC236}">
-                <a16:creationId xmlns:a16="http://schemas.microsoft.com/office/drawing/2014/main" id="{99539578-1F98-0036-FF53-188DA633102E}"/>
-              </a:ext>
-            </a:extLst>
-          </p:cNvPr>
-          <p:cNvPicPr>
-            <a:picLocks noChangeAspect="1" noChangeArrowheads="1"/>
-          </p:cNvPicPr>
-          <p:nvPr/>
-        </p:nvPicPr>
-        <p:blipFill>
-          <a:blip r:embed="rId2">
-            <a:extLst>
-              <a:ext uri="{28A0092B-C50C-407E-A947-70E740481C1C}">
-                <a14:useLocalDpi xmlns:a14="http://schemas.microsoft.com/office/drawing/2010/main" val="0"/>
-              </a:ext>
-            </a:extLst>
-          </a:blip>
-          <a:srcRect/>
-          <a:stretch>
-            <a:fillRect/>
-          </a:stretch>
-        </p:blipFill>
-        <p:spPr bwMode="auto">
-          <a:xfrm>
-            <a:off x="1719709" y="137757"/>
-            <a:ext cx="8227596" cy="6346385"/>
-          </a:xfrm>
-          <a:prstGeom prst="rect">
-            <a:avLst/>
-          </a:prstGeom>
-          <a:noFill/>
-          <a:extLst>
-            <a:ext uri="{909E8E84-426E-40DD-AFC4-6F175D3DCCD1}">
-              <a14:hiddenFill xmlns:a14="http://schemas.microsoft.com/office/drawing/2010/main">
-                <a:solidFill>
-                  <a:srgbClr val="FFFFFF"/>
-                </a:solidFill>
-              </a14:hiddenFill>
-            </a:ext>
-          </a:extLst>
-        </p:spPr>
-      </p:pic>
-      <p:sp>
-        <p:nvSpPr>
-          <p:cNvPr id="3" name="文本框 2">
-            <a:extLst>
-              <a:ext uri="{FF2B5EF4-FFF2-40B4-BE49-F238E27FC236}">
-                <a16:creationId xmlns:a16="http://schemas.microsoft.com/office/drawing/2014/main" id="{15F2BC72-44D8-0BB0-FE8F-5A3085038116}"/>
-              </a:ext>
-            </a:extLst>
-          </p:cNvPr>
-          <p:cNvSpPr txBox="1"/>
-          <p:nvPr/>
-        </p:nvSpPr>
-        <p:spPr>
-          <a:xfrm>
-            <a:off x="2525455" y="189192"/>
-            <a:ext cx="1711354" cy="369332"/>
-          </a:xfrm>
-          <a:prstGeom prst="rect">
-            <a:avLst/>
-          </a:prstGeom>
-          <a:noFill/>
-        </p:spPr>
-        <p:txBody>
-          <a:bodyPr wrap="square" rtlCol="0">
-            <a:spAutoFit/>
-          </a:bodyPr>
-          <a:lstStyle/>
-          <a:p>
-            <a:r>
-              <a:rPr lang="en-US" altLang="zh-CN" dirty="0">
-                <a:ln w="0"/>
-                <a:gradFill>
-                  <a:gsLst>
-                    <a:gs pos="0">
-                      <a:schemeClr val="accent5">
-                        <a:lumMod val="50000"/>
-                      </a:schemeClr>
-                    </a:gs>
-                    <a:gs pos="50000">
-                      <a:schemeClr val="accent5"/>
-                    </a:gs>
-                    <a:gs pos="100000">
-                      <a:schemeClr val="accent5">
-                        <a:lumMod val="60000"/>
-                        <a:lumOff val="40000"/>
-                      </a:schemeClr>
-                    </a:gs>
-                  </a:gsLst>
-                  <a:lin ang="5400000"/>
-                </a:gradFill>
-                <a:effectLst>
-                  <a:reflection blurRad="6350" stA="53000" endA="300" endPos="35500" dir="5400000" sy="-90000" algn="bl" rotWithShape="0"/>
-                </a:effectLst>
-              </a:rPr>
-              <a:t>Abstract Factory</a:t>
-            </a:r>
-            <a:endParaRPr lang="zh-CN" altLang="en-US" dirty="0">
-              <a:ln w="0"/>
-              <a:gradFill>
-                <a:gsLst>
-                  <a:gs pos="0">
-                    <a:schemeClr val="accent5">
-                      <a:lumMod val="50000"/>
-                    </a:schemeClr>
-                  </a:gs>
-                  <a:gs pos="50000">
-                    <a:schemeClr val="accent5"/>
-                  </a:gs>
-                  <a:gs pos="100000">
-                    <a:schemeClr val="accent5">
-                      <a:lumMod val="60000"/>
-                      <a:lumOff val="40000"/>
-                    </a:schemeClr>
-                  </a:gs>
-                </a:gsLst>
-                <a:lin ang="5400000"/>
-              </a:gradFill>
-              <a:effectLst>
-                <a:reflection blurRad="6350" stA="53000" endA="300" endPos="35500" dir="5400000" sy="-90000" algn="bl" rotWithShape="0"/>
-              </a:effectLst>
-            </a:endParaRPr>
-          </a:p>
-        </p:txBody>
-      </p:sp>
-    </p:spTree>
-    <p:extLst>
-      <p:ext uri="{BB962C8B-B14F-4D97-AF65-F5344CB8AC3E}">
-        <p14:creationId xmlns:p14="http://schemas.microsoft.com/office/powerpoint/2010/main" val="228876360"/>
-      </p:ext>
-    </p:extLst>
-  </p:cSld>
-  <p:clrMapOvr>
-    <a:masterClrMapping/>
-  </p:clrMapOvr>
-</p:sld>
-</file>
-
 <file path=ppt/slides/slide28.xml><?xml version="1.0" encoding="utf-8"?>
 <p:sld xmlns:a="http://schemas.openxmlformats.org/drawingml/2006/main" xmlns:r="http://schemas.openxmlformats.org/officeDocument/2006/relationships" xmlns:p="http://schemas.openxmlformats.org/presentationml/2006/main">
   <p:cSld>
@@ -11416,12 +11416,8 @@
           <a:lstStyle/>
           <a:p>
             <a:r>
-              <a:rPr lang="zh-CN" altLang="en-US" dirty="0"/>
-              <a:t>设计模式的六大原则</a:t>
-            </a:r>
-            <a:r>
               <a:rPr lang="en-CA" altLang="zh-CN" dirty="0"/>
-              <a:t>- S.O.L.I.D</a:t>
+              <a:t>S.O.L.I.D</a:t>
             </a:r>
             <a:endParaRPr lang="en-CA" dirty="0"/>
           </a:p>
@@ -11551,6 +11547,466 @@
   <p:clrMapOvr>
     <a:masterClrMapping/>
   </p:clrMapOvr>
+  <p:timing>
+    <p:tnLst>
+      <p:par>
+        <p:cTn id="1" dur="indefinite" restart="never" nodeType="tmRoot">
+          <p:childTnLst>
+            <p:seq concurrent="1" nextAc="seek">
+              <p:cTn id="2" dur="indefinite" nodeType="mainSeq">
+                <p:childTnLst>
+                  <p:par>
+                    <p:cTn id="3" fill="hold">
+                      <p:stCondLst>
+                        <p:cond delay="indefinite"/>
+                      </p:stCondLst>
+                      <p:childTnLst>
+                        <p:par>
+                          <p:cTn id="4" fill="hold">
+                            <p:stCondLst>
+                              <p:cond delay="0"/>
+                            </p:stCondLst>
+                            <p:childTnLst>
+                              <p:par>
+                                <p:cTn id="5" presetID="10" presetClass="entr" presetSubtype="0" fill="hold" grpId="0" nodeType="clickEffect">
+                                  <p:stCondLst>
+                                    <p:cond delay="0"/>
+                                  </p:stCondLst>
+                                  <p:childTnLst>
+                                    <p:set>
+                                      <p:cBhvr>
+                                        <p:cTn id="6" dur="1" fill="hold">
+                                          <p:stCondLst>
+                                            <p:cond delay="0"/>
+                                          </p:stCondLst>
+                                        </p:cTn>
+                                        <p:tgtEl>
+                                          <p:spTgt spid="3">
+                                            <p:txEl>
+                                              <p:pRg st="0" end="0"/>
+                                            </p:txEl>
+                                          </p:spTgt>
+                                        </p:tgtEl>
+                                        <p:attrNameLst>
+                                          <p:attrName>style.visibility</p:attrName>
+                                        </p:attrNameLst>
+                                      </p:cBhvr>
+                                      <p:to>
+                                        <p:strVal val="visible"/>
+                                      </p:to>
+                                    </p:set>
+                                    <p:animEffect transition="in" filter="fade">
+                                      <p:cBhvr>
+                                        <p:cTn id="7" dur="500"/>
+                                        <p:tgtEl>
+                                          <p:spTgt spid="3">
+                                            <p:txEl>
+                                              <p:pRg st="0" end="0"/>
+                                            </p:txEl>
+                                          </p:spTgt>
+                                        </p:tgtEl>
+                                      </p:cBhvr>
+                                    </p:animEffect>
+                                  </p:childTnLst>
+                                </p:cTn>
+                              </p:par>
+                            </p:childTnLst>
+                          </p:cTn>
+                        </p:par>
+                      </p:childTnLst>
+                    </p:cTn>
+                  </p:par>
+                  <p:par>
+                    <p:cTn id="8" fill="hold">
+                      <p:stCondLst>
+                        <p:cond delay="indefinite"/>
+                      </p:stCondLst>
+                      <p:childTnLst>
+                        <p:par>
+                          <p:cTn id="9" fill="hold">
+                            <p:stCondLst>
+                              <p:cond delay="0"/>
+                            </p:stCondLst>
+                            <p:childTnLst>
+                              <p:par>
+                                <p:cTn id="10" presetID="10" presetClass="entr" presetSubtype="0" fill="hold" grpId="0" nodeType="clickEffect">
+                                  <p:stCondLst>
+                                    <p:cond delay="0"/>
+                                  </p:stCondLst>
+                                  <p:childTnLst>
+                                    <p:set>
+                                      <p:cBhvr>
+                                        <p:cTn id="11" dur="1" fill="hold">
+                                          <p:stCondLst>
+                                            <p:cond delay="0"/>
+                                          </p:stCondLst>
+                                        </p:cTn>
+                                        <p:tgtEl>
+                                          <p:spTgt spid="3">
+                                            <p:txEl>
+                                              <p:pRg st="1" end="1"/>
+                                            </p:txEl>
+                                          </p:spTgt>
+                                        </p:tgtEl>
+                                        <p:attrNameLst>
+                                          <p:attrName>style.visibility</p:attrName>
+                                        </p:attrNameLst>
+                                      </p:cBhvr>
+                                      <p:to>
+                                        <p:strVal val="visible"/>
+                                      </p:to>
+                                    </p:set>
+                                    <p:animEffect transition="in" filter="fade">
+                                      <p:cBhvr>
+                                        <p:cTn id="12" dur="500"/>
+                                        <p:tgtEl>
+                                          <p:spTgt spid="3">
+                                            <p:txEl>
+                                              <p:pRg st="1" end="1"/>
+                                            </p:txEl>
+                                          </p:spTgt>
+                                        </p:tgtEl>
+                                      </p:cBhvr>
+                                    </p:animEffect>
+                                  </p:childTnLst>
+                                </p:cTn>
+                              </p:par>
+                            </p:childTnLst>
+                          </p:cTn>
+                        </p:par>
+                      </p:childTnLst>
+                    </p:cTn>
+                  </p:par>
+                  <p:par>
+                    <p:cTn id="13" fill="hold">
+                      <p:stCondLst>
+                        <p:cond delay="indefinite"/>
+                      </p:stCondLst>
+                      <p:childTnLst>
+                        <p:par>
+                          <p:cTn id="14" fill="hold">
+                            <p:stCondLst>
+                              <p:cond delay="0"/>
+                            </p:stCondLst>
+                            <p:childTnLst>
+                              <p:par>
+                                <p:cTn id="15" presetID="10" presetClass="entr" presetSubtype="0" fill="hold" grpId="0" nodeType="clickEffect">
+                                  <p:stCondLst>
+                                    <p:cond delay="0"/>
+                                  </p:stCondLst>
+                                  <p:childTnLst>
+                                    <p:set>
+                                      <p:cBhvr>
+                                        <p:cTn id="16" dur="1" fill="hold">
+                                          <p:stCondLst>
+                                            <p:cond delay="0"/>
+                                          </p:stCondLst>
+                                        </p:cTn>
+                                        <p:tgtEl>
+                                          <p:spTgt spid="3">
+                                            <p:txEl>
+                                              <p:pRg st="2" end="2"/>
+                                            </p:txEl>
+                                          </p:spTgt>
+                                        </p:tgtEl>
+                                        <p:attrNameLst>
+                                          <p:attrName>style.visibility</p:attrName>
+                                        </p:attrNameLst>
+                                      </p:cBhvr>
+                                      <p:to>
+                                        <p:strVal val="visible"/>
+                                      </p:to>
+                                    </p:set>
+                                    <p:animEffect transition="in" filter="fade">
+                                      <p:cBhvr>
+                                        <p:cTn id="17" dur="500"/>
+                                        <p:tgtEl>
+                                          <p:spTgt spid="3">
+                                            <p:txEl>
+                                              <p:pRg st="2" end="2"/>
+                                            </p:txEl>
+                                          </p:spTgt>
+                                        </p:tgtEl>
+                                      </p:cBhvr>
+                                    </p:animEffect>
+                                  </p:childTnLst>
+                                </p:cTn>
+                              </p:par>
+                            </p:childTnLst>
+                          </p:cTn>
+                        </p:par>
+                      </p:childTnLst>
+                    </p:cTn>
+                  </p:par>
+                  <p:par>
+                    <p:cTn id="18" fill="hold">
+                      <p:stCondLst>
+                        <p:cond delay="indefinite"/>
+                      </p:stCondLst>
+                      <p:childTnLst>
+                        <p:par>
+                          <p:cTn id="19" fill="hold">
+                            <p:stCondLst>
+                              <p:cond delay="0"/>
+                            </p:stCondLst>
+                            <p:childTnLst>
+                              <p:par>
+                                <p:cTn id="20" presetID="10" presetClass="entr" presetSubtype="0" fill="hold" grpId="0" nodeType="clickEffect">
+                                  <p:stCondLst>
+                                    <p:cond delay="0"/>
+                                  </p:stCondLst>
+                                  <p:childTnLst>
+                                    <p:set>
+                                      <p:cBhvr>
+                                        <p:cTn id="21" dur="1" fill="hold">
+                                          <p:stCondLst>
+                                            <p:cond delay="0"/>
+                                          </p:stCondLst>
+                                        </p:cTn>
+                                        <p:tgtEl>
+                                          <p:spTgt spid="3">
+                                            <p:txEl>
+                                              <p:pRg st="3" end="3"/>
+                                            </p:txEl>
+                                          </p:spTgt>
+                                        </p:tgtEl>
+                                        <p:attrNameLst>
+                                          <p:attrName>style.visibility</p:attrName>
+                                        </p:attrNameLst>
+                                      </p:cBhvr>
+                                      <p:to>
+                                        <p:strVal val="visible"/>
+                                      </p:to>
+                                    </p:set>
+                                    <p:animEffect transition="in" filter="fade">
+                                      <p:cBhvr>
+                                        <p:cTn id="22" dur="500"/>
+                                        <p:tgtEl>
+                                          <p:spTgt spid="3">
+                                            <p:txEl>
+                                              <p:pRg st="3" end="3"/>
+                                            </p:txEl>
+                                          </p:spTgt>
+                                        </p:tgtEl>
+                                      </p:cBhvr>
+                                    </p:animEffect>
+                                  </p:childTnLst>
+                                </p:cTn>
+                              </p:par>
+                            </p:childTnLst>
+                          </p:cTn>
+                        </p:par>
+                      </p:childTnLst>
+                    </p:cTn>
+                  </p:par>
+                  <p:par>
+                    <p:cTn id="23" fill="hold">
+                      <p:stCondLst>
+                        <p:cond delay="indefinite"/>
+                      </p:stCondLst>
+                      <p:childTnLst>
+                        <p:par>
+                          <p:cTn id="24" fill="hold">
+                            <p:stCondLst>
+                              <p:cond delay="0"/>
+                            </p:stCondLst>
+                            <p:childTnLst>
+                              <p:par>
+                                <p:cTn id="25" presetID="10" presetClass="entr" presetSubtype="0" fill="hold" grpId="0" nodeType="clickEffect">
+                                  <p:stCondLst>
+                                    <p:cond delay="0"/>
+                                  </p:stCondLst>
+                                  <p:childTnLst>
+                                    <p:set>
+                                      <p:cBhvr>
+                                        <p:cTn id="26" dur="1" fill="hold">
+                                          <p:stCondLst>
+                                            <p:cond delay="0"/>
+                                          </p:stCondLst>
+                                        </p:cTn>
+                                        <p:tgtEl>
+                                          <p:spTgt spid="3">
+                                            <p:txEl>
+                                              <p:pRg st="4" end="4"/>
+                                            </p:txEl>
+                                          </p:spTgt>
+                                        </p:tgtEl>
+                                        <p:attrNameLst>
+                                          <p:attrName>style.visibility</p:attrName>
+                                        </p:attrNameLst>
+                                      </p:cBhvr>
+                                      <p:to>
+                                        <p:strVal val="visible"/>
+                                      </p:to>
+                                    </p:set>
+                                    <p:animEffect transition="in" filter="fade">
+                                      <p:cBhvr>
+                                        <p:cTn id="27" dur="500"/>
+                                        <p:tgtEl>
+                                          <p:spTgt spid="3">
+                                            <p:txEl>
+                                              <p:pRg st="4" end="4"/>
+                                            </p:txEl>
+                                          </p:spTgt>
+                                        </p:tgtEl>
+                                      </p:cBhvr>
+                                    </p:animEffect>
+                                  </p:childTnLst>
+                                </p:cTn>
+                              </p:par>
+                            </p:childTnLst>
+                          </p:cTn>
+                        </p:par>
+                      </p:childTnLst>
+                    </p:cTn>
+                  </p:par>
+                  <p:par>
+                    <p:cTn id="28" fill="hold">
+                      <p:stCondLst>
+                        <p:cond delay="indefinite"/>
+                      </p:stCondLst>
+                      <p:childTnLst>
+                        <p:par>
+                          <p:cTn id="29" fill="hold">
+                            <p:stCondLst>
+                              <p:cond delay="0"/>
+                            </p:stCondLst>
+                            <p:childTnLst>
+                              <p:par>
+                                <p:cTn id="30" presetID="10" presetClass="entr" presetSubtype="0" fill="hold" grpId="0" nodeType="clickEffect">
+                                  <p:stCondLst>
+                                    <p:cond delay="0"/>
+                                  </p:stCondLst>
+                                  <p:childTnLst>
+                                    <p:set>
+                                      <p:cBhvr>
+                                        <p:cTn id="31" dur="1" fill="hold">
+                                          <p:stCondLst>
+                                            <p:cond delay="0"/>
+                                          </p:stCondLst>
+                                        </p:cTn>
+                                        <p:tgtEl>
+                                          <p:spTgt spid="3">
+                                            <p:txEl>
+                                              <p:pRg st="5" end="5"/>
+                                            </p:txEl>
+                                          </p:spTgt>
+                                        </p:tgtEl>
+                                        <p:attrNameLst>
+                                          <p:attrName>style.visibility</p:attrName>
+                                        </p:attrNameLst>
+                                      </p:cBhvr>
+                                      <p:to>
+                                        <p:strVal val="visible"/>
+                                      </p:to>
+                                    </p:set>
+                                    <p:animEffect transition="in" filter="fade">
+                                      <p:cBhvr>
+                                        <p:cTn id="32" dur="500"/>
+                                        <p:tgtEl>
+                                          <p:spTgt spid="3">
+                                            <p:txEl>
+                                              <p:pRg st="5" end="5"/>
+                                            </p:txEl>
+                                          </p:spTgt>
+                                        </p:tgtEl>
+                                      </p:cBhvr>
+                                    </p:animEffect>
+                                  </p:childTnLst>
+                                </p:cTn>
+                              </p:par>
+                            </p:childTnLst>
+                          </p:cTn>
+                        </p:par>
+                      </p:childTnLst>
+                    </p:cTn>
+                  </p:par>
+                  <p:par>
+                    <p:cTn id="33" fill="hold">
+                      <p:stCondLst>
+                        <p:cond delay="indefinite"/>
+                      </p:stCondLst>
+                      <p:childTnLst>
+                        <p:par>
+                          <p:cTn id="34" fill="hold">
+                            <p:stCondLst>
+                              <p:cond delay="0"/>
+                            </p:stCondLst>
+                            <p:childTnLst>
+                              <p:par>
+                                <p:cTn id="35" presetID="10" presetClass="entr" presetSubtype="0" fill="hold" grpId="0" nodeType="clickEffect">
+                                  <p:stCondLst>
+                                    <p:cond delay="0"/>
+                                  </p:stCondLst>
+                                  <p:childTnLst>
+                                    <p:set>
+                                      <p:cBhvr>
+                                        <p:cTn id="36" dur="1" fill="hold">
+                                          <p:stCondLst>
+                                            <p:cond delay="0"/>
+                                          </p:stCondLst>
+                                        </p:cTn>
+                                        <p:tgtEl>
+                                          <p:spTgt spid="3">
+                                            <p:txEl>
+                                              <p:pRg st="6" end="6"/>
+                                            </p:txEl>
+                                          </p:spTgt>
+                                        </p:tgtEl>
+                                        <p:attrNameLst>
+                                          <p:attrName>style.visibility</p:attrName>
+                                        </p:attrNameLst>
+                                      </p:cBhvr>
+                                      <p:to>
+                                        <p:strVal val="visible"/>
+                                      </p:to>
+                                    </p:set>
+                                    <p:animEffect transition="in" filter="fade">
+                                      <p:cBhvr>
+                                        <p:cTn id="37" dur="500"/>
+                                        <p:tgtEl>
+                                          <p:spTgt spid="3">
+                                            <p:txEl>
+                                              <p:pRg st="6" end="6"/>
+                                            </p:txEl>
+                                          </p:spTgt>
+                                        </p:tgtEl>
+                                      </p:cBhvr>
+                                    </p:animEffect>
+                                  </p:childTnLst>
+                                </p:cTn>
+                              </p:par>
+                            </p:childTnLst>
+                          </p:cTn>
+                        </p:par>
+                      </p:childTnLst>
+                    </p:cTn>
+                  </p:par>
+                </p:childTnLst>
+              </p:cTn>
+              <p:prevCondLst>
+                <p:cond evt="onPrev" delay="0">
+                  <p:tgtEl>
+                    <p:sldTgt/>
+                  </p:tgtEl>
+                </p:cond>
+              </p:prevCondLst>
+              <p:nextCondLst>
+                <p:cond evt="onNext" delay="0">
+                  <p:tgtEl>
+                    <p:sldTgt/>
+                  </p:tgtEl>
+                </p:cond>
+              </p:nextCondLst>
+            </p:seq>
+          </p:childTnLst>
+        </p:cTn>
+      </p:par>
+    </p:tnLst>
+    <p:bldLst>
+      <p:bldP spid="3" grpId="0" build="p"/>
+    </p:bldLst>
+  </p:timing>
 </p:sld>
 </file>
 
@@ -13064,7 +13520,7 @@
 </file>
 
 <file path=ppt/slides/slide4.xml><?xml version="1.0" encoding="utf-8"?>
-<p:sld xmlns:a="http://schemas.openxmlformats.org/drawingml/2006/main" xmlns:r="http://schemas.openxmlformats.org/officeDocument/2006/relationships" xmlns:p="http://schemas.openxmlformats.org/presentationml/2006/main">
+<p:sld xmlns:a="http://schemas.openxmlformats.org/drawingml/2006/main" xmlns:r="http://schemas.openxmlformats.org/officeDocument/2006/relationships" xmlns:p="http://schemas.openxmlformats.org/presentationml/2006/main" show="0">
   <p:cSld>
     <p:bg>
       <p:bgPr>
@@ -15844,7 +16300,7 @@
                   </a:schemeClr>
                 </a:solidFill>
               </a:rPr>
-              <a:t>只有一项工作</a:t>
+              <a:t>只有一项工作 </a:t>
             </a:r>
           </a:p>
           <a:p>
@@ -16128,7 +16584,7 @@
 </file>
 
 <file path=ppt/slides/slide5.xml><?xml version="1.0" encoding="utf-8"?>
-<p:sld xmlns:a="http://schemas.openxmlformats.org/drawingml/2006/main" xmlns:r="http://schemas.openxmlformats.org/officeDocument/2006/relationships" xmlns:p="http://schemas.openxmlformats.org/presentationml/2006/main">
+<p:sld xmlns:a="http://schemas.openxmlformats.org/drawingml/2006/main" xmlns:r="http://schemas.openxmlformats.org/officeDocument/2006/relationships" xmlns:p="http://schemas.openxmlformats.org/presentationml/2006/main" show="0">
   <p:cSld>
     <p:spTree>
       <p:nvGrpSpPr>
@@ -16317,7 +16773,7 @@
 </file>
 
 <file path=ppt/slides/slide6.xml><?xml version="1.0" encoding="utf-8"?>
-<p:sld xmlns:a="http://schemas.openxmlformats.org/drawingml/2006/main" xmlns:r="http://schemas.openxmlformats.org/officeDocument/2006/relationships" xmlns:p="http://schemas.openxmlformats.org/presentationml/2006/main">
+<p:sld xmlns:a="http://schemas.openxmlformats.org/drawingml/2006/main" xmlns:r="http://schemas.openxmlformats.org/officeDocument/2006/relationships" xmlns:p="http://schemas.openxmlformats.org/presentationml/2006/main" show="0">
   <p:cSld>
     <p:spTree>
       <p:nvGrpSpPr>
@@ -16472,7 +16928,7 @@
 </file>
 
 <file path=ppt/slides/slide7.xml><?xml version="1.0" encoding="utf-8"?>
-<p:sld xmlns:a="http://schemas.openxmlformats.org/drawingml/2006/main" xmlns:r="http://schemas.openxmlformats.org/officeDocument/2006/relationships" xmlns:p="http://schemas.openxmlformats.org/presentationml/2006/main">
+<p:sld xmlns:a="http://schemas.openxmlformats.org/drawingml/2006/main" xmlns:r="http://schemas.openxmlformats.org/officeDocument/2006/relationships" xmlns:p="http://schemas.openxmlformats.org/presentationml/2006/main" show="0">
   <p:cSld>
     <p:bg>
       <p:bgPr>
@@ -17145,7 +17601,7 @@
 </file>
 
 <file path=ppt/slides/slide8.xml><?xml version="1.0" encoding="utf-8"?>
-<p:sld xmlns:a="http://schemas.openxmlformats.org/drawingml/2006/main" xmlns:r="http://schemas.openxmlformats.org/officeDocument/2006/relationships" xmlns:p="http://schemas.openxmlformats.org/presentationml/2006/main">
+<p:sld xmlns:a="http://schemas.openxmlformats.org/drawingml/2006/main" xmlns:r="http://schemas.openxmlformats.org/officeDocument/2006/relationships" xmlns:p="http://schemas.openxmlformats.org/presentationml/2006/main" show="0">
   <p:cSld>
     <p:bg>
       <p:bgPr>
@@ -18070,7 +18526,7 @@
 </file>
 
 <file path=ppt/slides/slide9.xml><?xml version="1.0" encoding="utf-8"?>
-<p:sld xmlns:a="http://schemas.openxmlformats.org/drawingml/2006/main" xmlns:r="http://schemas.openxmlformats.org/officeDocument/2006/relationships" xmlns:p="http://schemas.openxmlformats.org/presentationml/2006/main">
+<p:sld xmlns:a="http://schemas.openxmlformats.org/drawingml/2006/main" xmlns:r="http://schemas.openxmlformats.org/officeDocument/2006/relationships" xmlns:p="http://schemas.openxmlformats.org/presentationml/2006/main" show="0">
   <p:cSld>
     <p:bg>
       <p:bgPr>
